--- a/Syllabus/Lecture05/Lec05.pptx
+++ b/Syllabus/Lecture05/Lec05.pptx
@@ -277,7 +277,7 @@
           <a:p>
             <a:fld id="{DF9C6931-D0F6-AB40-9D7F-95567148A5C2}" type="datetimeFigureOut">
               <a:rPr lang="en-US" smtClean="0"/>
-              <a:t>9/13/22</a:t>
+              <a:t>9/21/23</a:t>
             </a:fld>
             <a:endParaRPr lang="en-US"/>
           </a:p>
@@ -454,7 +454,7 @@
           <a:p>
             <a:fld id="{736C18F2-6801-5147-A332-A6E1C7D69D18}" type="datetimeFigureOut">
               <a:rPr lang="en-US" smtClean="0"/>
-              <a:t>9/13/22</a:t>
+              <a:t>9/21/23</a:t>
             </a:fld>
             <a:endParaRPr lang="en-US"/>
           </a:p>

--- a/Syllabus/Lecture05/Lec05.pptx
+++ b/Syllabus/Lecture05/Lec05.pptx
@@ -5,19 +5,19 @@
     <p:sldMasterId id="2147483664" r:id="rId1"/>
   </p:sldMasterIdLst>
   <p:notesMasterIdLst>
-    <p:notesMasterId r:id="rId24"/>
+    <p:notesMasterId r:id="rId26"/>
   </p:notesMasterIdLst>
   <p:handoutMasterIdLst>
-    <p:handoutMasterId r:id="rId25"/>
+    <p:handoutMasterId r:id="rId27"/>
   </p:handoutMasterIdLst>
   <p:sldIdLst>
     <p:sldId id="266" r:id="rId2"/>
     <p:sldId id="298" r:id="rId3"/>
-    <p:sldId id="313" r:id="rId4"/>
-    <p:sldId id="328" r:id="rId5"/>
-    <p:sldId id="354" r:id="rId6"/>
-    <p:sldId id="330" r:id="rId7"/>
-    <p:sldId id="331" r:id="rId8"/>
+    <p:sldId id="355" r:id="rId4"/>
+    <p:sldId id="330" r:id="rId5"/>
+    <p:sldId id="357" r:id="rId6"/>
+    <p:sldId id="331" r:id="rId7"/>
+    <p:sldId id="358" r:id="rId8"/>
     <p:sldId id="334" r:id="rId9"/>
     <p:sldId id="335" r:id="rId10"/>
     <p:sldId id="336" r:id="rId11"/>
@@ -33,6 +33,8 @@
     <p:sldId id="346" r:id="rId21"/>
     <p:sldId id="348" r:id="rId22"/>
     <p:sldId id="349" r:id="rId23"/>
+    <p:sldId id="359" r:id="rId24"/>
+    <p:sldId id="356" r:id="rId25"/>
   </p:sldIdLst>
   <p:sldSz cx="12192000" cy="6858000"/>
   <p:notesSz cx="6858000" cy="9144000"/>
@@ -138,11 +140,11 @@
           <p14:sldIdLst>
             <p14:sldId id="266"/>
             <p14:sldId id="298"/>
-            <p14:sldId id="313"/>
-            <p14:sldId id="328"/>
-            <p14:sldId id="354"/>
+            <p14:sldId id="355"/>
             <p14:sldId id="330"/>
+            <p14:sldId id="357"/>
             <p14:sldId id="331"/>
+            <p14:sldId id="358"/>
             <p14:sldId id="334"/>
             <p14:sldId id="335"/>
             <p14:sldId id="336"/>
@@ -158,6 +160,8 @@
             <p14:sldId id="346"/>
             <p14:sldId id="348"/>
             <p14:sldId id="349"/>
+            <p14:sldId id="359"/>
+            <p14:sldId id="356"/>
           </p14:sldIdLst>
         </p14:section>
       </p14:sectionLst>
@@ -277,7 +281,7 @@
           <a:p>
             <a:fld id="{DF9C6931-D0F6-AB40-9D7F-95567148A5C2}" type="datetimeFigureOut">
               <a:rPr lang="en-US" smtClean="0"/>
-              <a:t>9/21/23</a:t>
+              <a:t>9/25/23</a:t>
             </a:fld>
             <a:endParaRPr lang="en-US"/>
           </a:p>
@@ -454,7 +458,7 @@
           <a:p>
             <a:fld id="{736C18F2-6801-5147-A332-A6E1C7D69D18}" type="datetimeFigureOut">
               <a:rPr lang="en-US" smtClean="0"/>
-              <a:t>9/21/23</a:t>
+              <a:t>9/25/23</a:t>
             </a:fld>
             <a:endParaRPr lang="en-US"/>
           </a:p>
@@ -2049,7 +2053,7 @@
     </p:spTree>
     <p:extLst>
       <p:ext uri="{BB962C8B-B14F-4D97-AF65-F5344CB8AC3E}">
-        <p14:creationId xmlns:p14="http://schemas.microsoft.com/office/powerpoint/2010/main" val="4009009586"/>
+        <p14:creationId xmlns:p14="http://schemas.microsoft.com/office/powerpoint/2010/main" val="2992341839"/>
       </p:ext>
     </p:extLst>
   </p:cSld>
@@ -2283,6 +2287,230 @@
 </p:notes>
 </file>
 
+<file path=ppt/notesSlides/notesSlide22.xml><?xml version="1.0" encoding="utf-8"?>
+<p:notes xmlns:a="http://schemas.openxmlformats.org/drawingml/2006/main" xmlns:r="http://schemas.openxmlformats.org/officeDocument/2006/relationships" xmlns:p="http://schemas.openxmlformats.org/presentationml/2006/main" showMasterSp="0" showMasterPhAnim="0">
+  <p:cSld>
+    <p:spTree>
+      <p:nvGrpSpPr>
+        <p:cNvPr id="1" name="Shape 91"/>
+        <p:cNvGrpSpPr/>
+        <p:nvPr/>
+      </p:nvGrpSpPr>
+      <p:grpSpPr>
+        <a:xfrm>
+          <a:off x="0" y="0"/>
+          <a:ext cx="0" cy="0"/>
+          <a:chOff x="0" y="0"/>
+          <a:chExt cx="0" cy="0"/>
+        </a:xfrm>
+      </p:grpSpPr>
+      <p:sp>
+        <p:nvSpPr>
+          <p:cNvPr id="92" name="Google Shape;92;g921be16503_9_0:notes"/>
+          <p:cNvSpPr>
+            <a:spLocks noGrp="1" noRot="1" noChangeAspect="1"/>
+          </p:cNvSpPr>
+          <p:nvPr>
+            <p:ph type="sldImg" idx="2"/>
+          </p:nvPr>
+        </p:nvSpPr>
+        <p:spPr>
+          <a:xfrm>
+            <a:off x="381000" y="685800"/>
+            <a:ext cx="6096000" cy="3429000"/>
+          </a:xfrm>
+          <a:custGeom>
+            <a:avLst/>
+            <a:gdLst/>
+            <a:ahLst/>
+            <a:cxnLst/>
+            <a:rect l="l" t="t" r="r" b="b"/>
+            <a:pathLst>
+              <a:path w="120000" h="120000" extrusionOk="0">
+                <a:moveTo>
+                  <a:pt x="0" y="0"/>
+                </a:moveTo>
+                <a:lnTo>
+                  <a:pt x="120000" y="0"/>
+                </a:lnTo>
+                <a:lnTo>
+                  <a:pt x="120000" y="120000"/>
+                </a:lnTo>
+                <a:lnTo>
+                  <a:pt x="0" y="120000"/>
+                </a:lnTo>
+                <a:close/>
+              </a:path>
+            </a:pathLst>
+          </a:custGeom>
+        </p:spPr>
+      </p:sp>
+      <p:sp>
+        <p:nvSpPr>
+          <p:cNvPr id="93" name="Google Shape;93;g921be16503_9_0:notes"/>
+          <p:cNvSpPr txBox="1">
+            <a:spLocks noGrp="1"/>
+          </p:cNvSpPr>
+          <p:nvPr>
+            <p:ph type="body" idx="1"/>
+          </p:nvPr>
+        </p:nvSpPr>
+        <p:spPr>
+          <a:xfrm>
+            <a:off x="685800" y="4343400"/>
+            <a:ext cx="5486400" cy="4114800"/>
+          </a:xfrm>
+          <a:prstGeom prst="rect">
+            <a:avLst/>
+          </a:prstGeom>
+        </p:spPr>
+        <p:txBody>
+          <a:bodyPr spcFirstLastPara="1" wrap="square" lIns="91425" tIns="91425" rIns="91425" bIns="91425" anchor="t" anchorCtr="0">
+            <a:noAutofit/>
+          </a:bodyPr>
+          <a:lstStyle/>
+          <a:p>
+            <a:pPr marL="0" lvl="0" indent="0" algn="l" rtl="0">
+              <a:spcBef>
+                <a:spcPts val="0"/>
+              </a:spcBef>
+              <a:spcAft>
+                <a:spcPts val="0"/>
+              </a:spcAft>
+              <a:buNone/>
+            </a:pPr>
+            <a:r>
+              <a:rPr lang="en-US" dirty="0"/>
+              <a:t>Hello World of machine learning.</a:t>
+            </a:r>
+          </a:p>
+        </p:txBody>
+      </p:sp>
+    </p:spTree>
+    <p:extLst>
+      <p:ext uri="{BB962C8B-B14F-4D97-AF65-F5344CB8AC3E}">
+        <p14:creationId xmlns:p14="http://schemas.microsoft.com/office/powerpoint/2010/main" val="4148991425"/>
+      </p:ext>
+    </p:extLst>
+  </p:cSld>
+  <p:clrMapOvr>
+    <a:masterClrMapping/>
+  </p:clrMapOvr>
+</p:notes>
+</file>
+
+<file path=ppt/notesSlides/notesSlide23.xml><?xml version="1.0" encoding="utf-8"?>
+<p:notes xmlns:a="http://schemas.openxmlformats.org/drawingml/2006/main" xmlns:r="http://schemas.openxmlformats.org/officeDocument/2006/relationships" xmlns:p="http://schemas.openxmlformats.org/presentationml/2006/main" showMasterSp="0" showMasterPhAnim="0">
+  <p:cSld>
+    <p:spTree>
+      <p:nvGrpSpPr>
+        <p:cNvPr id="1" name="Shape 91"/>
+        <p:cNvGrpSpPr/>
+        <p:nvPr/>
+      </p:nvGrpSpPr>
+      <p:grpSpPr>
+        <a:xfrm>
+          <a:off x="0" y="0"/>
+          <a:ext cx="0" cy="0"/>
+          <a:chOff x="0" y="0"/>
+          <a:chExt cx="0" cy="0"/>
+        </a:xfrm>
+      </p:grpSpPr>
+      <p:sp>
+        <p:nvSpPr>
+          <p:cNvPr id="92" name="Google Shape;92;g921be16503_9_0:notes"/>
+          <p:cNvSpPr>
+            <a:spLocks noGrp="1" noRot="1" noChangeAspect="1"/>
+          </p:cNvSpPr>
+          <p:nvPr>
+            <p:ph type="sldImg" idx="2"/>
+          </p:nvPr>
+        </p:nvSpPr>
+        <p:spPr>
+          <a:xfrm>
+            <a:off x="381000" y="685800"/>
+            <a:ext cx="6096000" cy="3429000"/>
+          </a:xfrm>
+          <a:custGeom>
+            <a:avLst/>
+            <a:gdLst/>
+            <a:ahLst/>
+            <a:cxnLst/>
+            <a:rect l="l" t="t" r="r" b="b"/>
+            <a:pathLst>
+              <a:path w="120000" h="120000" extrusionOk="0">
+                <a:moveTo>
+                  <a:pt x="0" y="0"/>
+                </a:moveTo>
+                <a:lnTo>
+                  <a:pt x="120000" y="0"/>
+                </a:lnTo>
+                <a:lnTo>
+                  <a:pt x="120000" y="120000"/>
+                </a:lnTo>
+                <a:lnTo>
+                  <a:pt x="0" y="120000"/>
+                </a:lnTo>
+                <a:close/>
+              </a:path>
+            </a:pathLst>
+          </a:custGeom>
+        </p:spPr>
+      </p:sp>
+      <p:sp>
+        <p:nvSpPr>
+          <p:cNvPr id="93" name="Google Shape;93;g921be16503_9_0:notes"/>
+          <p:cNvSpPr txBox="1">
+            <a:spLocks noGrp="1"/>
+          </p:cNvSpPr>
+          <p:nvPr>
+            <p:ph type="body" idx="1"/>
+          </p:nvPr>
+        </p:nvSpPr>
+        <p:spPr>
+          <a:xfrm>
+            <a:off x="685800" y="4343400"/>
+            <a:ext cx="5486400" cy="4114800"/>
+          </a:xfrm>
+          <a:prstGeom prst="rect">
+            <a:avLst/>
+          </a:prstGeom>
+        </p:spPr>
+        <p:txBody>
+          <a:bodyPr spcFirstLastPara="1" wrap="square" lIns="91425" tIns="91425" rIns="91425" bIns="91425" anchor="t" anchorCtr="0">
+            <a:noAutofit/>
+          </a:bodyPr>
+          <a:lstStyle/>
+          <a:p>
+            <a:pPr marL="0" lvl="0" indent="0" algn="l" rtl="0">
+              <a:spcBef>
+                <a:spcPts val="0"/>
+              </a:spcBef>
+              <a:spcAft>
+                <a:spcPts val="0"/>
+              </a:spcAft>
+              <a:buNone/>
+            </a:pPr>
+            <a:r>
+              <a:rPr lang="en-US" dirty="0"/>
+              <a:t>Hello World of machine learning.</a:t>
+            </a:r>
+          </a:p>
+        </p:txBody>
+      </p:sp>
+    </p:spTree>
+    <p:extLst>
+      <p:ext uri="{BB962C8B-B14F-4D97-AF65-F5344CB8AC3E}">
+        <p14:creationId xmlns:p14="http://schemas.microsoft.com/office/powerpoint/2010/main" val="4111403455"/>
+      </p:ext>
+    </p:extLst>
+  </p:cSld>
+  <p:clrMapOvr>
+    <a:masterClrMapping/>
+  </p:clrMapOvr>
+</p:notes>
+</file>
+
 <file path=ppt/notesSlides/notesSlide3.xml><?xml version="1.0" encoding="utf-8"?>
 <p:notes xmlns:a="http://schemas.openxmlformats.org/drawingml/2006/main" xmlns:r="http://schemas.openxmlformats.org/officeDocument/2006/relationships" xmlns:p="http://schemas.openxmlformats.org/presentationml/2006/main" showMasterSp="0" showMasterPhAnim="0">
   <p:cSld>
@@ -2385,7 +2613,7 @@
     </p:spTree>
     <p:extLst>
       <p:ext uri="{BB962C8B-B14F-4D97-AF65-F5344CB8AC3E}">
-        <p14:creationId xmlns:p14="http://schemas.microsoft.com/office/powerpoint/2010/main" val="2651392003"/>
+        <p14:creationId xmlns:p14="http://schemas.microsoft.com/office/powerpoint/2010/main" val="1050270007"/>
       </p:ext>
     </p:extLst>
   </p:cSld>
@@ -2497,7 +2725,7 @@
     </p:spTree>
     <p:extLst>
       <p:ext uri="{BB962C8B-B14F-4D97-AF65-F5344CB8AC3E}">
-        <p14:creationId xmlns:p14="http://schemas.microsoft.com/office/powerpoint/2010/main" val="3334055246"/>
+        <p14:creationId xmlns:p14="http://schemas.microsoft.com/office/powerpoint/2010/main" val="782264626"/>
       </p:ext>
     </p:extLst>
   </p:cSld>
@@ -2609,7 +2837,7 @@
     </p:spTree>
     <p:extLst>
       <p:ext uri="{BB962C8B-B14F-4D97-AF65-F5344CB8AC3E}">
-        <p14:creationId xmlns:p14="http://schemas.microsoft.com/office/powerpoint/2010/main" val="1050270007"/>
+        <p14:creationId xmlns:p14="http://schemas.microsoft.com/office/powerpoint/2010/main" val="1087570220"/>
       </p:ext>
     </p:extLst>
   </p:cSld>
@@ -2721,7 +2949,7 @@
     </p:spTree>
     <p:extLst>
       <p:ext uri="{BB962C8B-B14F-4D97-AF65-F5344CB8AC3E}">
-        <p14:creationId xmlns:p14="http://schemas.microsoft.com/office/powerpoint/2010/main" val="1087570220"/>
+        <p14:creationId xmlns:p14="http://schemas.microsoft.com/office/powerpoint/2010/main" val="1858519708"/>
       </p:ext>
     </p:extLst>
   </p:cSld>
@@ -6805,8 +7033,8 @@
         </p:nvSpPr>
         <p:spPr>
           <a:xfrm>
-            <a:off x="1160576" y="3518453"/>
-            <a:ext cx="5560944" cy="2308324"/>
+            <a:off x="833120" y="3518453"/>
+            <a:ext cx="5888400" cy="2308324"/>
           </a:xfrm>
           <a:prstGeom prst="rect">
             <a:avLst/>
@@ -8568,7 +8796,7 @@
             </a:pPr>
             <a:r>
               <a:rPr lang="en-US" dirty="0"/>
-              <a:t>Can use Gradient Descent (SGD, Batch..)</a:t>
+              <a:t>Can use Gradient Descent</a:t>
             </a:r>
           </a:p>
           <a:p>
@@ -8585,7 +8813,11 @@
             </a:r>
             <a:r>
               <a:rPr lang="en-US" dirty="0" err="1"/>
-              <a:t>jth</a:t>
+              <a:t>j</a:t>
+            </a:r>
+            <a:r>
+              <a:rPr lang="en-US" baseline="30000" dirty="0" err="1"/>
+              <a:t>th</a:t>
             </a:r>
             <a:r>
               <a:rPr lang="en-US" dirty="0"/>
@@ -8593,7 +8825,11 @@
             </a:r>
             <a:r>
               <a:rPr lang="en-US" i="1" dirty="0" err="1"/>
-              <a:t>θj</a:t>
+              <a:t>θ</a:t>
+            </a:r>
+            <a:r>
+              <a:rPr lang="en-US" i="1" baseline="-25000" dirty="0" err="1"/>
+              <a:t>j</a:t>
             </a:r>
             <a:r>
               <a:rPr lang="en-US" i="1" dirty="0"/>
@@ -9345,12 +9581,13 @@
             <a:r>
               <a:rPr lang="en-US" dirty="0">
                 <a:solidFill>
-                  <a:schemeClr val="bg1">
-                    <a:lumMod val="75000"/>
+                  <a:schemeClr val="tx1">
+                    <a:lumMod val="50000"/>
+                    <a:lumOff val="50000"/>
                   </a:schemeClr>
                 </a:solidFill>
               </a:rPr>
-              <a:t>Gradient Descent</a:t>
+              <a:t>Gradient Descent - recap</a:t>
             </a:r>
           </a:p>
           <a:p>
@@ -10372,6 +10609,639 @@
 </p:sld>
 </file>
 
+<file path=ppt/slides/slide23.xml><?xml version="1.0" encoding="utf-8"?>
+<p:sld xmlns:a="http://schemas.openxmlformats.org/drawingml/2006/main" xmlns:r="http://schemas.openxmlformats.org/officeDocument/2006/relationships" xmlns:p="http://schemas.openxmlformats.org/presentationml/2006/main">
+  <p:cSld>
+    <p:spTree>
+      <p:nvGrpSpPr>
+        <p:cNvPr id="1" name="Shape 94"/>
+        <p:cNvGrpSpPr/>
+        <p:nvPr/>
+      </p:nvGrpSpPr>
+      <p:grpSpPr>
+        <a:xfrm>
+          <a:off x="0" y="0"/>
+          <a:ext cx="0" cy="0"/>
+          <a:chOff x="0" y="0"/>
+          <a:chExt cx="0" cy="0"/>
+        </a:xfrm>
+      </p:grpSpPr>
+      <p:sp>
+        <p:nvSpPr>
+          <p:cNvPr id="95" name="Google Shape;95;p14"/>
+          <p:cNvSpPr txBox="1">
+            <a:spLocks noGrp="1"/>
+          </p:cNvSpPr>
+          <p:nvPr>
+            <p:ph type="title" idx="4294967295"/>
+          </p:nvPr>
+        </p:nvSpPr>
+        <p:spPr>
+          <a:xfrm>
+            <a:off x="717173" y="696913"/>
+            <a:ext cx="10972800" cy="506789"/>
+          </a:xfrm>
+          <a:prstGeom prst="rect">
+            <a:avLst/>
+          </a:prstGeom>
+        </p:spPr>
+        <p:txBody>
+          <a:bodyPr spcFirstLastPara="1" wrap="square" lIns="121900" tIns="121900" rIns="121900" bIns="121900" anchor="ctr" anchorCtr="0">
+            <a:noAutofit/>
+          </a:bodyPr>
+          <a:lstStyle/>
+          <a:p>
+            <a:r>
+              <a:rPr lang="en-US" sz="4000" b="1" dirty="0">
+                <a:solidFill>
+                  <a:srgbClr val="E46102"/>
+                </a:solidFill>
+              </a:rPr>
+              <a:t>Softmax Regression</a:t>
+            </a:r>
+            <a:endParaRPr sz="4000" b="1" dirty="0">
+              <a:solidFill>
+                <a:srgbClr val="E46102"/>
+              </a:solidFill>
+            </a:endParaRPr>
+          </a:p>
+        </p:txBody>
+      </p:sp>
+      <p:sp>
+        <p:nvSpPr>
+          <p:cNvPr id="96" name="Google Shape;96;p14"/>
+          <p:cNvSpPr txBox="1"/>
+          <p:nvPr/>
+        </p:nvSpPr>
+        <p:spPr>
+          <a:xfrm>
+            <a:off x="521776" y="1382233"/>
+            <a:ext cx="11277600" cy="4176000"/>
+          </a:xfrm>
+          <a:prstGeom prst="rect">
+            <a:avLst/>
+          </a:prstGeom>
+          <a:noFill/>
+          <a:ln>
+            <a:noFill/>
+          </a:ln>
+        </p:spPr>
+        <p:txBody>
+          <a:bodyPr spcFirstLastPara="1" wrap="square" lIns="121900" tIns="121900" rIns="121900" bIns="121900" anchor="t" anchorCtr="0">
+            <a:noAutofit/>
+          </a:bodyPr>
+          <a:lstStyle/>
+          <a:p>
+            <a:pPr marL="342900" indent="-342900">
+              <a:buFont typeface="Arial" panose="020B0604020202020204" pitchFamily="34" charset="0"/>
+              <a:buChar char="•"/>
+            </a:pPr>
+            <a:r>
+              <a:rPr lang="en-US" dirty="0"/>
+              <a:t>Minimizing cost function using GD</a:t>
+            </a:r>
+          </a:p>
+          <a:p>
+            <a:pPr marL="342900" indent="-342900">
+              <a:buFont typeface="Arial" panose="020B0604020202020204" pitchFamily="34" charset="0"/>
+              <a:buChar char="•"/>
+            </a:pPr>
+            <a:endParaRPr lang="en-US" dirty="0"/>
+          </a:p>
+          <a:p>
+            <a:endParaRPr dirty="0"/>
+          </a:p>
+        </p:txBody>
+      </p:sp>
+      <p:pic>
+        <p:nvPicPr>
+          <p:cNvPr id="3" name="Picture 2">
+            <a:extLst>
+              <a:ext uri="{FF2B5EF4-FFF2-40B4-BE49-F238E27FC236}">
+                <a16:creationId xmlns:a16="http://schemas.microsoft.com/office/drawing/2014/main" id="{01335301-AC09-4F7C-9EE3-9E0BD86F8811}"/>
+              </a:ext>
+            </a:extLst>
+          </p:cNvPr>
+          <p:cNvPicPr>
+            <a:picLocks noChangeAspect="1"/>
+          </p:cNvPicPr>
+          <p:nvPr/>
+        </p:nvPicPr>
+        <p:blipFill>
+          <a:blip r:embed="rId3"/>
+          <a:stretch>
+            <a:fillRect/>
+          </a:stretch>
+        </p:blipFill>
+        <p:spPr>
+          <a:xfrm>
+            <a:off x="1219472" y="2022613"/>
+            <a:ext cx="4235271" cy="1029627"/>
+          </a:xfrm>
+          <a:prstGeom prst="rect">
+            <a:avLst/>
+          </a:prstGeom>
+        </p:spPr>
+      </p:pic>
+      <p:sp>
+        <p:nvSpPr>
+          <p:cNvPr id="6" name="Rectangle 5">
+            <a:extLst>
+              <a:ext uri="{FF2B5EF4-FFF2-40B4-BE49-F238E27FC236}">
+                <a16:creationId xmlns:a16="http://schemas.microsoft.com/office/drawing/2014/main" id="{59D44D5D-6680-4C97-BB84-A2C30E629632}"/>
+              </a:ext>
+            </a:extLst>
+          </p:cNvPr>
+          <p:cNvSpPr/>
+          <p:nvPr/>
+        </p:nvSpPr>
+        <p:spPr>
+          <a:xfrm>
+            <a:off x="1843922" y="3156136"/>
+            <a:ext cx="3499291" cy="338554"/>
+          </a:xfrm>
+          <a:prstGeom prst="rect">
+            <a:avLst/>
+          </a:prstGeom>
+        </p:spPr>
+        <p:txBody>
+          <a:bodyPr wrap="none">
+            <a:spAutoFit/>
+          </a:bodyPr>
+          <a:lstStyle/>
+          <a:p>
+            <a:r>
+              <a:rPr lang="en-US" sz="1600" i="1" dirty="0">
+                <a:solidFill>
+                  <a:srgbClr val="E46102"/>
+                </a:solidFill>
+                <a:latin typeface="MinionPro-It"/>
+              </a:rPr>
+              <a:t>Cross entropy gradient vector for class k</a:t>
+            </a:r>
+            <a:endParaRPr lang="en-US" sz="1600" dirty="0">
+              <a:solidFill>
+                <a:srgbClr val="E46102"/>
+              </a:solidFill>
+            </a:endParaRPr>
+          </a:p>
+        </p:txBody>
+      </p:sp>
+    </p:spTree>
+    <p:extLst>
+      <p:ext uri="{BB962C8B-B14F-4D97-AF65-F5344CB8AC3E}">
+        <p14:creationId xmlns:p14="http://schemas.microsoft.com/office/powerpoint/2010/main" val="3820654228"/>
+      </p:ext>
+    </p:extLst>
+  </p:cSld>
+  <p:clrMapOvr>
+    <a:masterClrMapping/>
+  </p:clrMapOvr>
+</p:sld>
+</file>
+
+<file path=ppt/slides/slide24.xml><?xml version="1.0" encoding="utf-8"?>
+<p:sld xmlns:a="http://schemas.openxmlformats.org/drawingml/2006/main" xmlns:r="http://schemas.openxmlformats.org/officeDocument/2006/relationships" xmlns:p="http://schemas.openxmlformats.org/presentationml/2006/main">
+  <p:cSld>
+    <p:spTree>
+      <p:nvGrpSpPr>
+        <p:cNvPr id="1" name="Shape 94"/>
+        <p:cNvGrpSpPr/>
+        <p:nvPr/>
+      </p:nvGrpSpPr>
+      <p:grpSpPr>
+        <a:xfrm>
+          <a:off x="0" y="0"/>
+          <a:ext cx="0" cy="0"/>
+          <a:chOff x="0" y="0"/>
+          <a:chExt cx="0" cy="0"/>
+        </a:xfrm>
+      </p:grpSpPr>
+      <p:sp>
+        <p:nvSpPr>
+          <p:cNvPr id="95" name="Google Shape;95;p14"/>
+          <p:cNvSpPr txBox="1">
+            <a:spLocks noGrp="1"/>
+          </p:cNvSpPr>
+          <p:nvPr>
+            <p:ph type="title" idx="4294967295"/>
+          </p:nvPr>
+        </p:nvSpPr>
+        <p:spPr>
+          <a:xfrm>
+            <a:off x="674176" y="1275137"/>
+            <a:ext cx="10972800" cy="506789"/>
+          </a:xfrm>
+          <a:prstGeom prst="rect">
+            <a:avLst/>
+          </a:prstGeom>
+        </p:spPr>
+        <p:txBody>
+          <a:bodyPr spcFirstLastPara="1" wrap="square" lIns="121900" tIns="121900" rIns="121900" bIns="121900" anchor="ctr" anchorCtr="0">
+            <a:noAutofit/>
+          </a:bodyPr>
+          <a:lstStyle/>
+          <a:p>
+            <a:r>
+              <a:rPr lang="en-US" sz="4000" b="1" dirty="0">
+                <a:solidFill>
+                  <a:srgbClr val="E46102"/>
+                </a:solidFill>
+              </a:rPr>
+              <a:t>Recap of Gradient Descent</a:t>
+            </a:r>
+            <a:endParaRPr sz="4000" b="1" dirty="0">
+              <a:solidFill>
+                <a:srgbClr val="E46102"/>
+              </a:solidFill>
+            </a:endParaRPr>
+          </a:p>
+        </p:txBody>
+      </p:sp>
+      <p:sp>
+        <p:nvSpPr>
+          <p:cNvPr id="96" name="Google Shape;96;p14"/>
+          <p:cNvSpPr txBox="1"/>
+          <p:nvPr/>
+        </p:nvSpPr>
+        <p:spPr>
+          <a:xfrm>
+            <a:off x="762000" y="2126596"/>
+            <a:ext cx="10972800" cy="4176000"/>
+          </a:xfrm>
+          <a:prstGeom prst="rect">
+            <a:avLst/>
+          </a:prstGeom>
+          <a:noFill/>
+          <a:ln>
+            <a:noFill/>
+          </a:ln>
+        </p:spPr>
+        <p:txBody>
+          <a:bodyPr spcFirstLastPara="1" wrap="square" lIns="121900" tIns="121900" rIns="121900" bIns="121900" anchor="t" anchorCtr="0">
+            <a:noAutofit/>
+          </a:bodyPr>
+          <a:lstStyle/>
+          <a:p>
+            <a:pPr marL="342900" indent="-342900">
+              <a:buFont typeface="Arial" panose="020B0604020202020204" pitchFamily="34" charset="0"/>
+              <a:buChar char="•"/>
+            </a:pPr>
+            <a:endParaRPr lang="en-US" dirty="0"/>
+          </a:p>
+          <a:p>
+            <a:pPr marL="342900" indent="-342900">
+              <a:buFont typeface="Arial" panose="020B0604020202020204" pitchFamily="34" charset="0"/>
+              <a:buChar char="•"/>
+            </a:pPr>
+            <a:endParaRPr lang="en-US" dirty="0"/>
+          </a:p>
+          <a:p>
+            <a:pPr marL="457200" indent="-457200">
+              <a:buFont typeface="+mj-lt"/>
+              <a:buAutoNum type="arabicPeriod"/>
+            </a:pPr>
+            <a:r>
+              <a:rPr lang="en-US" dirty="0"/>
+              <a:t>Why do we need GD? </a:t>
+            </a:r>
+          </a:p>
+          <a:p>
+            <a:pPr marL="457200" indent="-457200">
+              <a:buFont typeface="+mj-lt"/>
+              <a:buAutoNum type="arabicPeriod"/>
+            </a:pPr>
+            <a:r>
+              <a:rPr lang="en-US" dirty="0"/>
+              <a:t>When do we need GD</a:t>
+            </a:r>
+          </a:p>
+          <a:p>
+            <a:pPr marL="457200" indent="-457200">
+              <a:buFont typeface="+mj-lt"/>
+              <a:buAutoNum type="arabicPeriod"/>
+            </a:pPr>
+            <a:r>
+              <a:rPr lang="en-US" dirty="0"/>
+              <a:t>What happens when we apply GD?</a:t>
+            </a:r>
+          </a:p>
+          <a:p>
+            <a:pPr marL="457200" indent="-457200">
+              <a:buFont typeface="+mj-lt"/>
+              <a:buAutoNum type="arabicPeriod"/>
+            </a:pPr>
+            <a:r>
+              <a:rPr lang="en-US" dirty="0"/>
+              <a:t>What if we do not use GD?</a:t>
+            </a:r>
+          </a:p>
+          <a:p>
+            <a:pPr marL="342900" indent="-342900">
+              <a:buFont typeface="Arial" panose="020B0604020202020204" pitchFamily="34" charset="0"/>
+              <a:buChar char="•"/>
+            </a:pPr>
+            <a:endParaRPr lang="en-US" dirty="0"/>
+          </a:p>
+          <a:p>
+            <a:pPr marL="342900" indent="-342900">
+              <a:buFont typeface="Arial" panose="020B0604020202020204" pitchFamily="34" charset="0"/>
+              <a:buChar char="•"/>
+            </a:pPr>
+            <a:endParaRPr lang="en-US" dirty="0"/>
+          </a:p>
+          <a:p>
+            <a:endParaRPr lang="en-US" dirty="0"/>
+          </a:p>
+        </p:txBody>
+      </p:sp>
+    </p:spTree>
+    <p:extLst>
+      <p:ext uri="{BB962C8B-B14F-4D97-AF65-F5344CB8AC3E}">
+        <p14:creationId xmlns:p14="http://schemas.microsoft.com/office/powerpoint/2010/main" val="2299971220"/>
+      </p:ext>
+    </p:extLst>
+  </p:cSld>
+  <p:clrMapOvr>
+    <a:masterClrMapping/>
+  </p:clrMapOvr>
+  <p:timing>
+    <p:tnLst>
+      <p:par>
+        <p:cTn id="1" dur="indefinite" restart="never" nodeType="tmRoot">
+          <p:childTnLst>
+            <p:seq concurrent="1" nextAc="seek">
+              <p:cTn id="2" dur="indefinite" nodeType="mainSeq">
+                <p:childTnLst>
+                  <p:par>
+                    <p:cTn id="3" fill="hold">
+                      <p:stCondLst>
+                        <p:cond delay="indefinite"/>
+                      </p:stCondLst>
+                      <p:childTnLst>
+                        <p:par>
+                          <p:cTn id="4" fill="hold">
+                            <p:stCondLst>
+                              <p:cond delay="0"/>
+                            </p:stCondLst>
+                            <p:childTnLst>
+                              <p:par>
+                                <p:cTn id="5" presetID="1" presetClass="entr" presetSubtype="0" fill="hold" grpId="0" nodeType="clickEffect">
+                                  <p:stCondLst>
+                                    <p:cond delay="0"/>
+                                  </p:stCondLst>
+                                  <p:childTnLst>
+                                    <p:set>
+                                      <p:cBhvr>
+                                        <p:cTn id="6" dur="1" fill="hold">
+                                          <p:stCondLst>
+                                            <p:cond delay="0"/>
+                                          </p:stCondLst>
+                                        </p:cTn>
+                                        <p:tgtEl>
+                                          <p:spTgt spid="96"/>
+                                        </p:tgtEl>
+                                        <p:attrNameLst>
+                                          <p:attrName>style.visibility</p:attrName>
+                                        </p:attrNameLst>
+                                      </p:cBhvr>
+                                      <p:to>
+                                        <p:strVal val="visible"/>
+                                      </p:to>
+                                    </p:set>
+                                  </p:childTnLst>
+                                </p:cTn>
+                              </p:par>
+                            </p:childTnLst>
+                          </p:cTn>
+                        </p:par>
+                      </p:childTnLst>
+                    </p:cTn>
+                  </p:par>
+                  <p:par>
+                    <p:cTn id="7" fill="hold">
+                      <p:stCondLst>
+                        <p:cond delay="indefinite"/>
+                      </p:stCondLst>
+                      <p:childTnLst>
+                        <p:par>
+                          <p:cTn id="8" fill="hold">
+                            <p:stCondLst>
+                              <p:cond delay="0"/>
+                            </p:stCondLst>
+                            <p:childTnLst>
+                              <p:par>
+                                <p:cTn id="9" presetID="1" presetClass="entr" presetSubtype="0" fill="hold" nodeType="clickEffect">
+                                  <p:stCondLst>
+                                    <p:cond delay="0"/>
+                                  </p:stCondLst>
+                                  <p:childTnLst>
+                                    <p:set>
+                                      <p:cBhvr>
+                                        <p:cTn id="10" dur="1" fill="hold">
+                                          <p:stCondLst>
+                                            <p:cond delay="0"/>
+                                          </p:stCondLst>
+                                        </p:cTn>
+                                        <p:tgtEl>
+                                          <p:spTgt spid="96">
+                                            <p:txEl>
+                                              <p:pRg st="2" end="2"/>
+                                            </p:txEl>
+                                          </p:spTgt>
+                                        </p:tgtEl>
+                                        <p:attrNameLst>
+                                          <p:attrName>style.visibility</p:attrName>
+                                        </p:attrNameLst>
+                                      </p:cBhvr>
+                                      <p:to>
+                                        <p:strVal val="visible"/>
+                                      </p:to>
+                                    </p:set>
+                                  </p:childTnLst>
+                                </p:cTn>
+                              </p:par>
+                            </p:childTnLst>
+                          </p:cTn>
+                        </p:par>
+                      </p:childTnLst>
+                    </p:cTn>
+                  </p:par>
+                  <p:par>
+                    <p:cTn id="11" fill="hold">
+                      <p:stCondLst>
+                        <p:cond delay="indefinite"/>
+                      </p:stCondLst>
+                      <p:childTnLst>
+                        <p:par>
+                          <p:cTn id="12" fill="hold">
+                            <p:stCondLst>
+                              <p:cond delay="0"/>
+                            </p:stCondLst>
+                            <p:childTnLst>
+                              <p:par>
+                                <p:cTn id="13" presetID="1" presetClass="entr" presetSubtype="0" fill="hold" nodeType="clickEffect">
+                                  <p:stCondLst>
+                                    <p:cond delay="0"/>
+                                  </p:stCondLst>
+                                  <p:childTnLst>
+                                    <p:set>
+                                      <p:cBhvr>
+                                        <p:cTn id="14" dur="1" fill="hold">
+                                          <p:stCondLst>
+                                            <p:cond delay="0"/>
+                                          </p:stCondLst>
+                                        </p:cTn>
+                                        <p:tgtEl>
+                                          <p:spTgt spid="96">
+                                            <p:txEl>
+                                              <p:pRg st="3" end="3"/>
+                                            </p:txEl>
+                                          </p:spTgt>
+                                        </p:tgtEl>
+                                        <p:attrNameLst>
+                                          <p:attrName>style.visibility</p:attrName>
+                                        </p:attrNameLst>
+                                      </p:cBhvr>
+                                      <p:to>
+                                        <p:strVal val="visible"/>
+                                      </p:to>
+                                    </p:set>
+                                  </p:childTnLst>
+                                </p:cTn>
+                              </p:par>
+                            </p:childTnLst>
+                          </p:cTn>
+                        </p:par>
+                      </p:childTnLst>
+                    </p:cTn>
+                  </p:par>
+                  <p:par>
+                    <p:cTn id="15" fill="hold">
+                      <p:stCondLst>
+                        <p:cond delay="indefinite"/>
+                      </p:stCondLst>
+                      <p:childTnLst>
+                        <p:par>
+                          <p:cTn id="16" fill="hold">
+                            <p:stCondLst>
+                              <p:cond delay="0"/>
+                            </p:stCondLst>
+                            <p:childTnLst>
+                              <p:par>
+                                <p:cTn id="17" presetID="1" presetClass="entr" presetSubtype="0" fill="hold" nodeType="clickEffect">
+                                  <p:stCondLst>
+                                    <p:cond delay="0"/>
+                                  </p:stCondLst>
+                                  <p:childTnLst>
+                                    <p:set>
+                                      <p:cBhvr>
+                                        <p:cTn id="18" dur="1" fill="hold">
+                                          <p:stCondLst>
+                                            <p:cond delay="0"/>
+                                          </p:stCondLst>
+                                        </p:cTn>
+                                        <p:tgtEl>
+                                          <p:spTgt spid="96">
+                                            <p:txEl>
+                                              <p:pRg st="4" end="4"/>
+                                            </p:txEl>
+                                          </p:spTgt>
+                                        </p:tgtEl>
+                                        <p:attrNameLst>
+                                          <p:attrName>style.visibility</p:attrName>
+                                        </p:attrNameLst>
+                                      </p:cBhvr>
+                                      <p:to>
+                                        <p:strVal val="visible"/>
+                                      </p:to>
+                                    </p:set>
+                                  </p:childTnLst>
+                                </p:cTn>
+                              </p:par>
+                            </p:childTnLst>
+                          </p:cTn>
+                        </p:par>
+                      </p:childTnLst>
+                    </p:cTn>
+                  </p:par>
+                  <p:par>
+                    <p:cTn id="19" fill="hold">
+                      <p:stCondLst>
+                        <p:cond delay="indefinite"/>
+                      </p:stCondLst>
+                      <p:childTnLst>
+                        <p:par>
+                          <p:cTn id="20" fill="hold">
+                            <p:stCondLst>
+                              <p:cond delay="0"/>
+                            </p:stCondLst>
+                            <p:childTnLst>
+                              <p:par>
+                                <p:cTn id="21" presetID="1" presetClass="entr" presetSubtype="0" fill="hold" nodeType="clickEffect">
+                                  <p:stCondLst>
+                                    <p:cond delay="0"/>
+                                  </p:stCondLst>
+                                  <p:childTnLst>
+                                    <p:set>
+                                      <p:cBhvr>
+                                        <p:cTn id="22" dur="1" fill="hold">
+                                          <p:stCondLst>
+                                            <p:cond delay="0"/>
+                                          </p:stCondLst>
+                                        </p:cTn>
+                                        <p:tgtEl>
+                                          <p:spTgt spid="96">
+                                            <p:txEl>
+                                              <p:pRg st="5" end="5"/>
+                                            </p:txEl>
+                                          </p:spTgt>
+                                        </p:tgtEl>
+                                        <p:attrNameLst>
+                                          <p:attrName>style.visibility</p:attrName>
+                                        </p:attrNameLst>
+                                      </p:cBhvr>
+                                      <p:to>
+                                        <p:strVal val="visible"/>
+                                      </p:to>
+                                    </p:set>
+                                  </p:childTnLst>
+                                </p:cTn>
+                              </p:par>
+                            </p:childTnLst>
+                          </p:cTn>
+                        </p:par>
+                      </p:childTnLst>
+                    </p:cTn>
+                  </p:par>
+                </p:childTnLst>
+              </p:cTn>
+              <p:prevCondLst>
+                <p:cond evt="onPrev" delay="0">
+                  <p:tgtEl>
+                    <p:sldTgt/>
+                  </p:tgtEl>
+                </p:cond>
+              </p:prevCondLst>
+              <p:nextCondLst>
+                <p:cond evt="onNext" delay="0">
+                  <p:tgtEl>
+                    <p:sldTgt/>
+                  </p:tgtEl>
+                </p:cond>
+              </p:nextCondLst>
+            </p:seq>
+          </p:childTnLst>
+        </p:cTn>
+      </p:par>
+    </p:tnLst>
+    <p:bldLst>
+      <p:bldP spid="96" grpId="0"/>
+    </p:bldLst>
+  </p:timing>
+</p:sld>
+</file>
+
 <file path=ppt/slides/slide3.xml><?xml version="1.0" encoding="utf-8"?>
 <p:sld xmlns:a="http://schemas.openxmlformats.org/drawingml/2006/main" xmlns:r="http://schemas.openxmlformats.org/officeDocument/2006/relationships" xmlns:p="http://schemas.openxmlformats.org/presentationml/2006/main">
   <p:cSld>
@@ -10415,12 +11285,12 @@
           <a:lstStyle/>
           <a:p>
             <a:r>
-              <a:rPr lang="en-US" sz="4000" b="1" dirty="0">
+              <a:rPr lang="en-US" sz="3600" b="1" dirty="0">
                 <a:solidFill>
                   <a:srgbClr val="E46102"/>
                 </a:solidFill>
               </a:rPr>
-              <a:t>Some concepts first</a:t>
+              <a:t>New concepts before we study regularization</a:t>
             </a:r>
             <a:br>
               <a:rPr lang="en-US" sz="4000" b="1" dirty="0">
@@ -10589,7 +11459,7 @@
     </p:spTree>
     <p:extLst>
       <p:ext uri="{BB962C8B-B14F-4D97-AF65-F5344CB8AC3E}">
-        <p14:creationId xmlns:p14="http://schemas.microsoft.com/office/powerpoint/2010/main" val="1337399476"/>
+        <p14:creationId xmlns:p14="http://schemas.microsoft.com/office/powerpoint/2010/main" val="4047859407"/>
       </p:ext>
     </p:extLst>
   </p:cSld>
@@ -10843,178 +11713,6 @@
       </p:grpSpPr>
       <p:sp>
         <p:nvSpPr>
-          <p:cNvPr id="96" name="Google Shape;96;p14"/>
-          <p:cNvSpPr txBox="1"/>
-          <p:nvPr/>
-        </p:nvSpPr>
-        <p:spPr>
-          <a:xfrm>
-            <a:off x="382628" y="900185"/>
-            <a:ext cx="11277600" cy="4176000"/>
-          </a:xfrm>
-          <a:prstGeom prst="rect">
-            <a:avLst/>
-          </a:prstGeom>
-          <a:noFill/>
-          <a:ln>
-            <a:noFill/>
-          </a:ln>
-        </p:spPr>
-        <p:txBody>
-          <a:bodyPr spcFirstLastPara="1" wrap="square" lIns="121900" tIns="121900" rIns="121900" bIns="121900" anchor="t" anchorCtr="0">
-            <a:noAutofit/>
-          </a:bodyPr>
-          <a:lstStyle/>
-          <a:p>
-            <a:pPr algn="ctr"/>
-            <a:r>
-              <a:rPr lang="en-US" dirty="0"/>
-              <a:t>How will a straight line pass through this data?</a:t>
-            </a:r>
-            <a:endParaRPr dirty="0"/>
-          </a:p>
-        </p:txBody>
-      </p:sp>
-      <p:pic>
-        <p:nvPicPr>
-          <p:cNvPr id="3" name="Picture 2">
-            <a:extLst>
-              <a:ext uri="{FF2B5EF4-FFF2-40B4-BE49-F238E27FC236}">
-                <a16:creationId xmlns:a16="http://schemas.microsoft.com/office/drawing/2014/main" id="{5CD22F8B-1B34-4F8E-9078-87247F47C096}"/>
-              </a:ext>
-            </a:extLst>
-          </p:cNvPr>
-          <p:cNvPicPr>
-            <a:picLocks noChangeAspect="1"/>
-          </p:cNvPicPr>
-          <p:nvPr/>
-        </p:nvPicPr>
-        <p:blipFill>
-          <a:blip r:embed="rId3"/>
-          <a:stretch>
-            <a:fillRect/>
-          </a:stretch>
-        </p:blipFill>
-        <p:spPr>
-          <a:xfrm>
-            <a:off x="3420877" y="1689180"/>
-            <a:ext cx="5201101" cy="3231160"/>
-          </a:xfrm>
-          <a:prstGeom prst="rect">
-            <a:avLst/>
-          </a:prstGeom>
-        </p:spPr>
-      </p:pic>
-    </p:spTree>
-    <p:extLst>
-      <p:ext uri="{BB962C8B-B14F-4D97-AF65-F5344CB8AC3E}">
-        <p14:creationId xmlns:p14="http://schemas.microsoft.com/office/powerpoint/2010/main" val="1592426577"/>
-      </p:ext>
-    </p:extLst>
-  </p:cSld>
-  <p:clrMapOvr>
-    <a:masterClrMapping/>
-  </p:clrMapOvr>
-  <p:timing>
-    <p:tnLst>
-      <p:par>
-        <p:cTn id="1" dur="indefinite" restart="never" nodeType="tmRoot">
-          <p:childTnLst>
-            <p:seq concurrent="1" nextAc="seek">
-              <p:cTn id="2" dur="indefinite" nodeType="mainSeq">
-                <p:childTnLst>
-                  <p:par>
-                    <p:cTn id="3" fill="hold">
-                      <p:stCondLst>
-                        <p:cond delay="indefinite"/>
-                      </p:stCondLst>
-                      <p:childTnLst>
-                        <p:par>
-                          <p:cTn id="4" fill="hold">
-                            <p:stCondLst>
-                              <p:cond delay="0"/>
-                            </p:stCondLst>
-                            <p:childTnLst>
-                              <p:par>
-                                <p:cTn id="5" presetID="1" presetClass="entr" presetSubtype="0" fill="hold" grpId="0" nodeType="clickEffect">
-                                  <p:stCondLst>
-                                    <p:cond delay="0"/>
-                                  </p:stCondLst>
-                                  <p:childTnLst>
-                                    <p:set>
-                                      <p:cBhvr>
-                                        <p:cTn id="6" dur="1" fill="hold">
-                                          <p:stCondLst>
-                                            <p:cond delay="0"/>
-                                          </p:stCondLst>
-                                        </p:cTn>
-                                        <p:tgtEl>
-                                          <p:spTgt spid="96"/>
-                                        </p:tgtEl>
-                                        <p:attrNameLst>
-                                          <p:attrName>style.visibility</p:attrName>
-                                        </p:attrNameLst>
-                                      </p:cBhvr>
-                                      <p:to>
-                                        <p:strVal val="visible"/>
-                                      </p:to>
-                                    </p:set>
-                                  </p:childTnLst>
-                                </p:cTn>
-                              </p:par>
-                            </p:childTnLst>
-                          </p:cTn>
-                        </p:par>
-                      </p:childTnLst>
-                    </p:cTn>
-                  </p:par>
-                </p:childTnLst>
-              </p:cTn>
-              <p:prevCondLst>
-                <p:cond evt="onPrev" delay="0">
-                  <p:tgtEl>
-                    <p:sldTgt/>
-                  </p:tgtEl>
-                </p:cond>
-              </p:prevCondLst>
-              <p:nextCondLst>
-                <p:cond evt="onNext" delay="0">
-                  <p:tgtEl>
-                    <p:sldTgt/>
-                  </p:tgtEl>
-                </p:cond>
-              </p:nextCondLst>
-            </p:seq>
-          </p:childTnLst>
-        </p:cTn>
-      </p:par>
-    </p:tnLst>
-    <p:bldLst>
-      <p:bldP spid="96" grpId="0"/>
-    </p:bldLst>
-  </p:timing>
-</p:sld>
-</file>
-
-<file path=ppt/slides/slide5.xml><?xml version="1.0" encoding="utf-8"?>
-<p:sld xmlns:a="http://schemas.openxmlformats.org/drawingml/2006/main" xmlns:r="http://schemas.openxmlformats.org/officeDocument/2006/relationships" xmlns:p="http://schemas.openxmlformats.org/presentationml/2006/main">
-  <p:cSld>
-    <p:spTree>
-      <p:nvGrpSpPr>
-        <p:cNvPr id="1" name="Shape 94"/>
-        <p:cNvGrpSpPr/>
-        <p:nvPr/>
-      </p:nvGrpSpPr>
-      <p:grpSpPr>
-        <a:xfrm>
-          <a:off x="0" y="0"/>
-          <a:ext cx="0" cy="0"/>
-          <a:chOff x="0" y="0"/>
-          <a:chExt cx="0" cy="0"/>
-        </a:xfrm>
-      </p:grpSpPr>
-      <p:sp>
-        <p:nvSpPr>
           <p:cNvPr id="95" name="Google Shape;95;p14"/>
           <p:cNvSpPr txBox="1">
             <a:spLocks noGrp="1"/>
@@ -11039,13 +11737,18 @@
           <a:lstStyle/>
           <a:p>
             <a:r>
-              <a:rPr lang="en-US" sz="2800" b="1" dirty="0">
+              <a:rPr lang="en-US" sz="4000" b="1" dirty="0">
                 <a:solidFill>
                   <a:srgbClr val="E46102"/>
                 </a:solidFill>
               </a:rPr>
-              <a:t>How will a straight line pass through this data?</a:t>
-            </a:r>
+              <a:t>Regularized Linear Models</a:t>
+            </a:r>
+            <a:endParaRPr sz="4000" b="1" dirty="0">
+              <a:solidFill>
+                <a:srgbClr val="E46102"/>
+              </a:solidFill>
+            </a:endParaRPr>
           </a:p>
         </p:txBody>
       </p:sp>
@@ -11057,7 +11760,7 @@
         </p:nvSpPr>
         <p:spPr>
           <a:xfrm>
-            <a:off x="531772" y="1895040"/>
+            <a:off x="521776" y="1382233"/>
             <a:ext cx="11277600" cy="4176000"/>
           </a:xfrm>
           <a:prstGeom prst="rect">
@@ -11074,70 +11777,13 @@
           </a:bodyPr>
           <a:lstStyle/>
           <a:p>
-            <a:pPr marL="457200" indent="-457200">
-              <a:buFont typeface="Arial" panose="020B0604020202020204" pitchFamily="34" charset="0"/>
-              <a:buChar char="•"/>
-            </a:pPr>
-            <a:endParaRPr dirty="0"/>
-          </a:p>
-        </p:txBody>
-      </p:sp>
-      <p:sp>
-        <p:nvSpPr>
-          <p:cNvPr id="5" name="Google Shape;96;p14">
-            <a:extLst>
-              <a:ext uri="{FF2B5EF4-FFF2-40B4-BE49-F238E27FC236}">
-                <a16:creationId xmlns:a16="http://schemas.microsoft.com/office/drawing/2014/main" id="{ED2167DA-D8AF-4A4B-A596-B051FDCEA48C}"/>
-              </a:ext>
-            </a:extLst>
-          </p:cNvPr>
-          <p:cNvSpPr txBox="1"/>
-          <p:nvPr/>
-        </p:nvSpPr>
-        <p:spPr>
-          <a:xfrm>
-            <a:off x="477053" y="1461750"/>
-            <a:ext cx="11277600" cy="4176000"/>
-          </a:xfrm>
-          <a:prstGeom prst="rect">
-            <a:avLst/>
-          </a:prstGeom>
-          <a:noFill/>
-          <a:ln>
-            <a:noFill/>
-          </a:ln>
-        </p:spPr>
-        <p:txBody>
-          <a:bodyPr spcFirstLastPara="1" wrap="square" lIns="121900" tIns="121900" rIns="121900" bIns="121900" anchor="t" anchorCtr="0">
-            <a:noAutofit/>
-          </a:bodyPr>
-          <a:lstStyle/>
-          <a:p>
             <a:pPr marL="342900" indent="-342900">
               <a:buFont typeface="Arial" panose="020B0604020202020204" pitchFamily="34" charset="0"/>
               <a:buChar char="•"/>
             </a:pPr>
             <a:r>
               <a:rPr lang="en-US" dirty="0"/>
-              <a:t>Data is more complex than a simple straight line</a:t>
-            </a:r>
-          </a:p>
-          <a:p>
-            <a:pPr marL="342900" indent="-342900">
-              <a:buFont typeface="Arial" panose="020B0604020202020204" pitchFamily="34" charset="0"/>
-              <a:buChar char="•"/>
-            </a:pPr>
-            <a:r>
-              <a:rPr lang="en-US" dirty="0"/>
-              <a:t>We </a:t>
-            </a:r>
-            <a:r>
-              <a:rPr lang="en-US" b="1" i="1" u="sng" dirty="0"/>
-              <a:t>can</a:t>
-            </a:r>
-            <a:r>
-              <a:rPr lang="en-US" dirty="0"/>
-              <a:t> use linear models to fit non-linear data</a:t>
+              <a:t>to reduce overfitting is to regularize the model (i.e., to constrain it)</a:t>
             </a:r>
           </a:p>
           <a:p>
@@ -11152,426 +11798,10 @@
               <a:buFont typeface="Arial" panose="020B0604020202020204" pitchFamily="34" charset="0"/>
               <a:buChar char="•"/>
             </a:pPr>
-            <a:endParaRPr lang="en-US" dirty="0"/>
-          </a:p>
-          <a:p>
-            <a:r>
-              <a:rPr lang="en-US" dirty="0"/>
-              <a:t>How?</a:t>
-            </a:r>
-          </a:p>
-          <a:p>
-            <a:pPr marL="342900" indent="-342900">
-              <a:buFont typeface="Arial" panose="020B0604020202020204" pitchFamily="34" charset="0"/>
-              <a:buChar char="•"/>
-            </a:pPr>
-            <a:endParaRPr lang="en-US" dirty="0"/>
-          </a:p>
-          <a:p>
-            <a:pPr marL="342900" indent="-342900">
-              <a:buFont typeface="Arial" panose="020B0604020202020204" pitchFamily="34" charset="0"/>
-              <a:buChar char="•"/>
-            </a:pPr>
-            <a:endParaRPr lang="en-US" dirty="0"/>
-          </a:p>
-          <a:p>
-            <a:pPr marL="342900" indent="-342900">
-              <a:buFont typeface="Arial" panose="020B0604020202020204" pitchFamily="34" charset="0"/>
-              <a:buChar char="•"/>
-            </a:pPr>
-            <a:r>
-              <a:rPr lang="en-US" dirty="0"/>
-              <a:t>Add powers of each feature as new features, then train a linear model on this extended set of features</a:t>
-            </a:r>
-          </a:p>
-          <a:p>
-            <a:pPr marL="342900" indent="-342900">
-              <a:buFont typeface="Arial" panose="020B0604020202020204" pitchFamily="34" charset="0"/>
-              <a:buChar char="•"/>
-            </a:pPr>
-            <a:r>
-              <a:rPr lang="en-US" dirty="0"/>
-              <a:t>Technique called Polynomial Regression.</a:t>
-            </a:r>
-            <a:endParaRPr dirty="0"/>
-          </a:p>
-        </p:txBody>
-      </p:sp>
-      <p:pic>
-        <p:nvPicPr>
-          <p:cNvPr id="6" name="Picture 5">
-            <a:extLst>
-              <a:ext uri="{FF2B5EF4-FFF2-40B4-BE49-F238E27FC236}">
-                <a16:creationId xmlns:a16="http://schemas.microsoft.com/office/drawing/2014/main" id="{46938340-84D4-466F-A847-24B27BA3D735}"/>
-              </a:ext>
-            </a:extLst>
-          </p:cNvPr>
-          <p:cNvPicPr>
-            <a:picLocks noChangeAspect="1"/>
-          </p:cNvPicPr>
-          <p:nvPr/>
-        </p:nvPicPr>
-        <p:blipFill>
-          <a:blip r:embed="rId3"/>
-          <a:stretch>
-            <a:fillRect/>
-          </a:stretch>
-        </p:blipFill>
-        <p:spPr>
-          <a:xfrm>
-            <a:off x="8946918" y="2002263"/>
-            <a:ext cx="2385174" cy="1481778"/>
-          </a:xfrm>
-          <a:prstGeom prst="rect">
-            <a:avLst/>
-          </a:prstGeom>
-        </p:spPr>
-      </p:pic>
-      <p:pic>
-        <p:nvPicPr>
-          <p:cNvPr id="4" name="Picture 3">
-            <a:extLst>
-              <a:ext uri="{FF2B5EF4-FFF2-40B4-BE49-F238E27FC236}">
-                <a16:creationId xmlns:a16="http://schemas.microsoft.com/office/drawing/2014/main" id="{7B8A6200-737B-4360-B13A-536368866055}"/>
-              </a:ext>
-            </a:extLst>
-          </p:cNvPr>
-          <p:cNvPicPr>
-            <a:picLocks noChangeAspect="1"/>
-          </p:cNvPicPr>
-          <p:nvPr/>
-        </p:nvPicPr>
-        <p:blipFill>
-          <a:blip r:embed="rId4"/>
-          <a:stretch>
-            <a:fillRect/>
-          </a:stretch>
-        </p:blipFill>
-        <p:spPr>
-          <a:xfrm>
-            <a:off x="2344616" y="5550913"/>
-            <a:ext cx="1334129" cy="432443"/>
-          </a:xfrm>
-          <a:prstGeom prst="rect">
-            <a:avLst/>
-          </a:prstGeom>
-        </p:spPr>
-      </p:pic>
-      <p:pic>
-        <p:nvPicPr>
-          <p:cNvPr id="8" name="Picture 7">
-            <a:extLst>
-              <a:ext uri="{FF2B5EF4-FFF2-40B4-BE49-F238E27FC236}">
-                <a16:creationId xmlns:a16="http://schemas.microsoft.com/office/drawing/2014/main" id="{4B168200-9483-4D69-9CE2-17928CF55509}"/>
-              </a:ext>
-            </a:extLst>
-          </p:cNvPr>
-          <p:cNvPicPr>
-            <a:picLocks noChangeAspect="1"/>
-          </p:cNvPicPr>
-          <p:nvPr/>
-        </p:nvPicPr>
-        <p:blipFill>
-          <a:blip r:embed="rId5"/>
-          <a:stretch>
-            <a:fillRect/>
-          </a:stretch>
-        </p:blipFill>
-        <p:spPr>
-          <a:xfrm>
-            <a:off x="4188794" y="5465905"/>
-            <a:ext cx="1927059" cy="517451"/>
-          </a:xfrm>
-          <a:prstGeom prst="rect">
-            <a:avLst/>
-          </a:prstGeom>
-        </p:spPr>
-      </p:pic>
-      <p:cxnSp>
-        <p:nvCxnSpPr>
-          <p:cNvPr id="10" name="Straight Arrow Connector 9">
-            <a:extLst>
-              <a:ext uri="{FF2B5EF4-FFF2-40B4-BE49-F238E27FC236}">
-                <a16:creationId xmlns:a16="http://schemas.microsoft.com/office/drawing/2014/main" id="{98722B74-442C-4064-9B5B-43A7A1AB6777}"/>
-              </a:ext>
-            </a:extLst>
-          </p:cNvPr>
-          <p:cNvCxnSpPr/>
-          <p:nvPr/>
-        </p:nvCxnSpPr>
-        <p:spPr>
-          <a:xfrm>
-            <a:off x="3678745" y="5685183"/>
-            <a:ext cx="341633" cy="0"/>
-          </a:xfrm>
-          <a:prstGeom prst="straightConnector1">
-            <a:avLst/>
-          </a:prstGeom>
-          <a:ln>
-            <a:tailEnd type="triangle"/>
-          </a:ln>
-        </p:spPr>
-        <p:style>
-          <a:lnRef idx="2">
-            <a:schemeClr val="accent1"/>
-          </a:lnRef>
-          <a:fillRef idx="0">
-            <a:schemeClr val="accent1"/>
-          </a:fillRef>
-          <a:effectRef idx="1">
-            <a:schemeClr val="accent1"/>
-          </a:effectRef>
-          <a:fontRef idx="minor">
-            <a:schemeClr val="tx1"/>
-          </a:fontRef>
-        </p:style>
-      </p:cxnSp>
-    </p:spTree>
-    <p:extLst>
-      <p:ext uri="{BB962C8B-B14F-4D97-AF65-F5344CB8AC3E}">
-        <p14:creationId xmlns:p14="http://schemas.microsoft.com/office/powerpoint/2010/main" val="2201151959"/>
-      </p:ext>
-    </p:extLst>
-  </p:cSld>
-  <p:clrMapOvr>
-    <a:masterClrMapping/>
-  </p:clrMapOvr>
-  <p:timing>
-    <p:tnLst>
-      <p:par>
-        <p:cTn id="1" dur="indefinite" restart="never" nodeType="tmRoot">
-          <p:childTnLst>
-            <p:seq concurrent="1" nextAc="seek">
-              <p:cTn id="2" dur="indefinite" nodeType="mainSeq">
-                <p:childTnLst>
-                  <p:par>
-                    <p:cTn id="3" fill="hold">
-                      <p:stCondLst>
-                        <p:cond delay="indefinite"/>
-                      </p:stCondLst>
-                      <p:childTnLst>
-                        <p:par>
-                          <p:cTn id="4" fill="hold">
-                            <p:stCondLst>
-                              <p:cond delay="0"/>
-                            </p:stCondLst>
-                            <p:childTnLst>
-                              <p:par>
-                                <p:cTn id="5" presetID="1" presetClass="entr" presetSubtype="0" fill="hold" grpId="0" nodeType="clickEffect" nodePh="1">
-                                  <p:stCondLst>
-                                    <p:cond delay="0"/>
-                                  </p:stCondLst>
-                                  <p:endCondLst>
-                                    <p:cond evt="begin" delay="0">
-                                      <p:tn val="5"/>
-                                    </p:cond>
-                                  </p:endCondLst>
-                                  <p:childTnLst>
-                                    <p:set>
-                                      <p:cBhvr>
-                                        <p:cTn id="6" dur="1" fill="hold">
-                                          <p:stCondLst>
-                                            <p:cond delay="0"/>
-                                          </p:stCondLst>
-                                        </p:cTn>
-                                        <p:tgtEl>
-                                          <p:spTgt spid="96"/>
-                                        </p:tgtEl>
-                                        <p:attrNameLst>
-                                          <p:attrName>style.visibility</p:attrName>
-                                        </p:attrNameLst>
-                                      </p:cBhvr>
-                                      <p:to>
-                                        <p:strVal val="visible"/>
-                                      </p:to>
-                                    </p:set>
-                                  </p:childTnLst>
-                                </p:cTn>
-                              </p:par>
-                            </p:childTnLst>
-                          </p:cTn>
-                        </p:par>
-                      </p:childTnLst>
-                    </p:cTn>
-                  </p:par>
-                  <p:par>
-                    <p:cTn id="7" fill="hold">
-                      <p:stCondLst>
-                        <p:cond delay="indefinite"/>
-                      </p:stCondLst>
-                      <p:childTnLst>
-                        <p:par>
-                          <p:cTn id="8" fill="hold">
-                            <p:stCondLst>
-                              <p:cond delay="0"/>
-                            </p:stCondLst>
-                            <p:childTnLst>
-                              <p:par>
-                                <p:cTn id="9" presetID="1" presetClass="entr" presetSubtype="0" fill="hold" grpId="0" nodeType="clickEffect">
-                                  <p:stCondLst>
-                                    <p:cond delay="0"/>
-                                  </p:stCondLst>
-                                  <p:childTnLst>
-                                    <p:set>
-                                      <p:cBhvr>
-                                        <p:cTn id="10" dur="1" fill="hold">
-                                          <p:stCondLst>
-                                            <p:cond delay="0"/>
-                                          </p:stCondLst>
-                                        </p:cTn>
-                                        <p:tgtEl>
-                                          <p:spTgt spid="5"/>
-                                        </p:tgtEl>
-                                        <p:attrNameLst>
-                                          <p:attrName>style.visibility</p:attrName>
-                                        </p:attrNameLst>
-                                      </p:cBhvr>
-                                      <p:to>
-                                        <p:strVal val="visible"/>
-                                      </p:to>
-                                    </p:set>
-                                  </p:childTnLst>
-                                </p:cTn>
-                              </p:par>
-                            </p:childTnLst>
-                          </p:cTn>
-                        </p:par>
-                      </p:childTnLst>
-                    </p:cTn>
-                  </p:par>
-                </p:childTnLst>
-              </p:cTn>
-              <p:prevCondLst>
-                <p:cond evt="onPrev" delay="0">
-                  <p:tgtEl>
-                    <p:sldTgt/>
-                  </p:tgtEl>
-                </p:cond>
-              </p:prevCondLst>
-              <p:nextCondLst>
-                <p:cond evt="onNext" delay="0">
-                  <p:tgtEl>
-                    <p:sldTgt/>
-                  </p:tgtEl>
-                </p:cond>
-              </p:nextCondLst>
-            </p:seq>
-          </p:childTnLst>
-        </p:cTn>
-      </p:par>
-    </p:tnLst>
-    <p:bldLst>
-      <p:bldP spid="96" grpId="0"/>
-      <p:bldP spid="5" grpId="0"/>
-    </p:bldLst>
-  </p:timing>
-</p:sld>
-</file>
-
-<file path=ppt/slides/slide6.xml><?xml version="1.0" encoding="utf-8"?>
-<p:sld xmlns:a="http://schemas.openxmlformats.org/drawingml/2006/main" xmlns:r="http://schemas.openxmlformats.org/officeDocument/2006/relationships" xmlns:p="http://schemas.openxmlformats.org/presentationml/2006/main">
-  <p:cSld>
-    <p:spTree>
-      <p:nvGrpSpPr>
-        <p:cNvPr id="1" name="Shape 94"/>
-        <p:cNvGrpSpPr/>
-        <p:nvPr/>
-      </p:nvGrpSpPr>
-      <p:grpSpPr>
-        <a:xfrm>
-          <a:off x="0" y="0"/>
-          <a:ext cx="0" cy="0"/>
-          <a:chOff x="0" y="0"/>
-          <a:chExt cx="0" cy="0"/>
-        </a:xfrm>
-      </p:grpSpPr>
-      <p:sp>
-        <p:nvSpPr>
-          <p:cNvPr id="95" name="Google Shape;95;p14"/>
-          <p:cNvSpPr txBox="1">
-            <a:spLocks noGrp="1"/>
-          </p:cNvSpPr>
-          <p:nvPr>
-            <p:ph type="title" idx="4294967295"/>
-          </p:nvPr>
-        </p:nvSpPr>
-        <p:spPr>
-          <a:xfrm>
-            <a:off x="717173" y="696913"/>
-            <a:ext cx="10972800" cy="506789"/>
-          </a:xfrm>
-          <a:prstGeom prst="rect">
-            <a:avLst/>
-          </a:prstGeom>
-        </p:spPr>
-        <p:txBody>
-          <a:bodyPr spcFirstLastPara="1" wrap="square" lIns="121900" tIns="121900" rIns="121900" bIns="121900" anchor="ctr" anchorCtr="0">
-            <a:noAutofit/>
-          </a:bodyPr>
-          <a:lstStyle/>
-          <a:p>
-            <a:r>
-              <a:rPr lang="en-US" sz="4000" b="1" dirty="0">
-                <a:solidFill>
-                  <a:srgbClr val="E46102"/>
-                </a:solidFill>
-              </a:rPr>
-              <a:t>Regularized Linear Models</a:t>
-            </a:r>
-            <a:endParaRPr sz="4000" b="1" dirty="0">
-              <a:solidFill>
-                <a:srgbClr val="E46102"/>
-              </a:solidFill>
-            </a:endParaRPr>
-          </a:p>
-        </p:txBody>
-      </p:sp>
-      <p:sp>
-        <p:nvSpPr>
-          <p:cNvPr id="96" name="Google Shape;96;p14"/>
-          <p:cNvSpPr txBox="1"/>
-          <p:nvPr/>
-        </p:nvSpPr>
-        <p:spPr>
-          <a:xfrm>
-            <a:off x="521776" y="1382233"/>
-            <a:ext cx="11277600" cy="4176000"/>
-          </a:xfrm>
-          <a:prstGeom prst="rect">
-            <a:avLst/>
-          </a:prstGeom>
-          <a:noFill/>
-          <a:ln>
-            <a:noFill/>
-          </a:ln>
-        </p:spPr>
-        <p:txBody>
-          <a:bodyPr spcFirstLastPara="1" wrap="square" lIns="121900" tIns="121900" rIns="121900" bIns="121900" anchor="t" anchorCtr="0">
-            <a:noAutofit/>
-          </a:bodyPr>
-          <a:lstStyle/>
-          <a:p>
-            <a:pPr marL="342900" indent="-342900">
-              <a:buFont typeface="Arial" panose="020B0604020202020204" pitchFamily="34" charset="0"/>
-              <a:buChar char="•"/>
-            </a:pPr>
-            <a:r>
-              <a:rPr lang="en-US" dirty="0"/>
-              <a:t>to reduce overfitting is to regularize the model (i.e., to constrain it)</a:t>
-            </a:r>
-          </a:p>
-          <a:p>
-            <a:pPr marL="342900" indent="-342900">
-              <a:buFont typeface="Arial" panose="020B0604020202020204" pitchFamily="34" charset="0"/>
-              <a:buChar char="•"/>
-            </a:pPr>
-            <a:r>
-              <a:rPr lang="en-US" dirty="0"/>
-              <a:t>fewer degrees of freedom it has, the harder it will be for it to overfit the data</a:t>
-            </a:r>
-          </a:p>
-          <a:p>
-            <a:pPr lvl="1"/>
+            <a:r>
+              <a:rPr lang="en-US" dirty="0"/>
+              <a:t>fewer the degrees of freedom the model has, the harder it will be for it to overfit the data </a:t>
+            </a:r>
             <a:r>
               <a:rPr lang="en-US" sz="2000" i="1" dirty="0"/>
               <a:t>(number of values in the final calculation of a statistic that are free to vary)</a:t>
@@ -11579,66 +11809,7 @@
             <a:endParaRPr lang="en-US" i="1" dirty="0"/>
           </a:p>
           <a:p>
-            <a:pPr marL="342900" indent="-342900">
-              <a:buFont typeface="Arial" panose="020B0604020202020204" pitchFamily="34" charset="0"/>
-              <a:buChar char="•"/>
-            </a:pPr>
             <a:endParaRPr lang="en-US" dirty="0"/>
-          </a:p>
-          <a:p>
-            <a:pPr marL="342900" indent="-342900">
-              <a:buFont typeface="Arial" panose="020B0604020202020204" pitchFamily="34" charset="0"/>
-              <a:buChar char="•"/>
-            </a:pPr>
-            <a:r>
-              <a:rPr lang="en-US" dirty="0"/>
-              <a:t>One way to regularize a polynomial model is to reduce the number of polynomial degrees.</a:t>
-            </a:r>
-          </a:p>
-          <a:p>
-            <a:pPr marL="342900" indent="-342900">
-              <a:buFont typeface="Arial" panose="020B0604020202020204" pitchFamily="34" charset="0"/>
-              <a:buChar char="•"/>
-            </a:pPr>
-            <a:endParaRPr lang="en-US" dirty="0"/>
-          </a:p>
-          <a:p>
-            <a:pPr marL="342900" indent="-342900">
-              <a:buFont typeface="Arial" panose="020B0604020202020204" pitchFamily="34" charset="0"/>
-              <a:buChar char="•"/>
-            </a:pPr>
-            <a:r>
-              <a:rPr lang="en-US" dirty="0"/>
-              <a:t>For a linear model, regularization is typically achieved by constraining the weights of the model. </a:t>
-            </a:r>
-          </a:p>
-          <a:p>
-            <a:pPr marL="342900" indent="-342900">
-              <a:buFont typeface="Arial" panose="020B0604020202020204" pitchFamily="34" charset="0"/>
-              <a:buChar char="•"/>
-            </a:pPr>
-            <a:endParaRPr lang="en-US" dirty="0"/>
-          </a:p>
-          <a:p>
-            <a:pPr marL="342900" indent="-342900">
-              <a:buFont typeface="Arial" panose="020B0604020202020204" pitchFamily="34" charset="0"/>
-              <a:buChar char="•"/>
-            </a:pPr>
-            <a:r>
-              <a:rPr lang="en-US" dirty="0"/>
-              <a:t>2 common ways to constraint the weights:</a:t>
-            </a:r>
-          </a:p>
-          <a:p>
-            <a:pPr marL="952485" lvl="1" indent="-342900">
-              <a:buFont typeface="Arial" panose="020B0604020202020204" pitchFamily="34" charset="0"/>
-              <a:buChar char="•"/>
-            </a:pPr>
-            <a:r>
-              <a:rPr lang="en-US" dirty="0"/>
-              <a:t>Ridge Regression, Lasso Regression</a:t>
-            </a:r>
-            <a:endParaRPr dirty="0"/>
           </a:p>
         </p:txBody>
       </p:sp>
@@ -11782,7 +11953,325 @@
                                         <p:tgtEl>
                                           <p:spTgt spid="96">
                                             <p:txEl>
+                                              <p:pRg st="2" end="2"/>
+                                            </p:txEl>
+                                          </p:spTgt>
+                                        </p:tgtEl>
+                                        <p:attrNameLst>
+                                          <p:attrName>style.visibility</p:attrName>
+                                        </p:attrNameLst>
+                                      </p:cBhvr>
+                                      <p:to>
+                                        <p:strVal val="visible"/>
+                                      </p:to>
+                                    </p:set>
+                                  </p:childTnLst>
+                                </p:cTn>
+                              </p:par>
+                            </p:childTnLst>
+                          </p:cTn>
+                        </p:par>
+                      </p:childTnLst>
+                    </p:cTn>
+                  </p:par>
+                </p:childTnLst>
+              </p:cTn>
+              <p:prevCondLst>
+                <p:cond evt="onPrev" delay="0">
+                  <p:tgtEl>
+                    <p:sldTgt/>
+                  </p:tgtEl>
+                </p:cond>
+              </p:prevCondLst>
+              <p:nextCondLst>
+                <p:cond evt="onNext" delay="0">
+                  <p:tgtEl>
+                    <p:sldTgt/>
+                  </p:tgtEl>
+                </p:cond>
+              </p:nextCondLst>
+            </p:seq>
+          </p:childTnLst>
+        </p:cTn>
+      </p:par>
+    </p:tnLst>
+    <p:bldLst>
+      <p:bldP spid="96" grpId="0"/>
+    </p:bldLst>
+  </p:timing>
+</p:sld>
+</file>
+
+<file path=ppt/slides/slide5.xml><?xml version="1.0" encoding="utf-8"?>
+<p:sld xmlns:a="http://schemas.openxmlformats.org/drawingml/2006/main" xmlns:r="http://schemas.openxmlformats.org/officeDocument/2006/relationships" xmlns:p="http://schemas.openxmlformats.org/presentationml/2006/main">
+  <p:cSld>
+    <p:spTree>
+      <p:nvGrpSpPr>
+        <p:cNvPr id="1" name="Shape 94"/>
+        <p:cNvGrpSpPr/>
+        <p:nvPr/>
+      </p:nvGrpSpPr>
+      <p:grpSpPr>
+        <a:xfrm>
+          <a:off x="0" y="0"/>
+          <a:ext cx="0" cy="0"/>
+          <a:chOff x="0" y="0"/>
+          <a:chExt cx="0" cy="0"/>
+        </a:xfrm>
+      </p:grpSpPr>
+      <p:sp>
+        <p:nvSpPr>
+          <p:cNvPr id="95" name="Google Shape;95;p14"/>
+          <p:cNvSpPr txBox="1">
+            <a:spLocks noGrp="1"/>
+          </p:cNvSpPr>
+          <p:nvPr>
+            <p:ph type="title" idx="4294967295"/>
+          </p:nvPr>
+        </p:nvSpPr>
+        <p:spPr>
+          <a:xfrm>
+            <a:off x="717173" y="696913"/>
+            <a:ext cx="10972800" cy="506789"/>
+          </a:xfrm>
+          <a:prstGeom prst="rect">
+            <a:avLst/>
+          </a:prstGeom>
+        </p:spPr>
+        <p:txBody>
+          <a:bodyPr spcFirstLastPara="1" wrap="square" lIns="121900" tIns="121900" rIns="121900" bIns="121900" anchor="ctr" anchorCtr="0">
+            <a:noAutofit/>
+          </a:bodyPr>
+          <a:lstStyle/>
+          <a:p>
+            <a:r>
+              <a:rPr lang="en-US" sz="4000" b="1" dirty="0">
+                <a:solidFill>
+                  <a:srgbClr val="E46102"/>
+                </a:solidFill>
+              </a:rPr>
+              <a:t>Regularized Linear Models</a:t>
+            </a:r>
+            <a:endParaRPr sz="4000" b="1" dirty="0">
+              <a:solidFill>
+                <a:srgbClr val="E46102"/>
+              </a:solidFill>
+            </a:endParaRPr>
+          </a:p>
+        </p:txBody>
+      </p:sp>
+      <p:sp>
+        <p:nvSpPr>
+          <p:cNvPr id="96" name="Google Shape;96;p14"/>
+          <p:cNvSpPr txBox="1"/>
+          <p:nvPr/>
+        </p:nvSpPr>
+        <p:spPr>
+          <a:xfrm>
+            <a:off x="521776" y="1382233"/>
+            <a:ext cx="11277600" cy="4176000"/>
+          </a:xfrm>
+          <a:prstGeom prst="rect">
+            <a:avLst/>
+          </a:prstGeom>
+          <a:noFill/>
+          <a:ln>
+            <a:noFill/>
+          </a:ln>
+        </p:spPr>
+        <p:txBody>
+          <a:bodyPr spcFirstLastPara="1" wrap="square" lIns="121900" tIns="121900" rIns="121900" bIns="121900" anchor="t" anchorCtr="0">
+            <a:noAutofit/>
+          </a:bodyPr>
+          <a:lstStyle/>
+          <a:p>
+            <a:endParaRPr lang="en-US" dirty="0"/>
+          </a:p>
+          <a:p>
+            <a:r>
+              <a:rPr lang="en-US" dirty="0"/>
+              <a:t>For a linear model, regularization is typically achieved by constraining the weights of the model. </a:t>
+            </a:r>
+          </a:p>
+          <a:p>
+            <a:pPr marL="342900" indent="-342900">
+              <a:buFont typeface="Arial" panose="020B0604020202020204" pitchFamily="34" charset="0"/>
+              <a:buChar char="•"/>
+            </a:pPr>
+            <a:endParaRPr lang="en-US" dirty="0"/>
+          </a:p>
+          <a:p>
+            <a:pPr marL="342900" indent="-342900">
+              <a:buFont typeface="Arial" panose="020B0604020202020204" pitchFamily="34" charset="0"/>
+              <a:buChar char="•"/>
+            </a:pPr>
+            <a:r>
+              <a:rPr lang="en-US" dirty="0"/>
+              <a:t>2 common ways to constraint the weights:</a:t>
+            </a:r>
+          </a:p>
+          <a:p>
+            <a:pPr marL="1066785" lvl="1" indent="-457200">
+              <a:buAutoNum type="arabicPeriod"/>
+            </a:pPr>
+            <a:r>
+              <a:rPr lang="en-US" dirty="0"/>
+              <a:t>Ridge Regression – Also called L2 Regression</a:t>
+            </a:r>
+          </a:p>
+          <a:p>
+            <a:pPr marL="1066785" lvl="1" indent="-457200">
+              <a:buAutoNum type="arabicPeriod"/>
+            </a:pPr>
+            <a:r>
+              <a:rPr lang="en-US" dirty="0"/>
+              <a:t>Lasso Regression – Also called L1 Regression</a:t>
+            </a:r>
+            <a:endParaRPr dirty="0"/>
+          </a:p>
+        </p:txBody>
+      </p:sp>
+    </p:spTree>
+    <p:extLst>
+      <p:ext uri="{BB962C8B-B14F-4D97-AF65-F5344CB8AC3E}">
+        <p14:creationId xmlns:p14="http://schemas.microsoft.com/office/powerpoint/2010/main" val="2761786123"/>
+      </p:ext>
+    </p:extLst>
+  </p:cSld>
+  <p:clrMapOvr>
+    <a:masterClrMapping/>
+  </p:clrMapOvr>
+  <p:timing>
+    <p:tnLst>
+      <p:par>
+        <p:cTn id="1" dur="indefinite" restart="never" nodeType="tmRoot">
+          <p:childTnLst>
+            <p:seq concurrent="1" nextAc="seek">
+              <p:cTn id="2" dur="indefinite" nodeType="mainSeq">
+                <p:childTnLst>
+                  <p:par>
+                    <p:cTn id="3" fill="hold">
+                      <p:stCondLst>
+                        <p:cond delay="indefinite"/>
+                      </p:stCondLst>
+                      <p:childTnLst>
+                        <p:par>
+                          <p:cTn id="4" fill="hold">
+                            <p:stCondLst>
+                              <p:cond delay="0"/>
+                            </p:stCondLst>
+                            <p:childTnLst>
+                              <p:par>
+                                <p:cTn id="5" presetID="1" presetClass="entr" presetSubtype="0" fill="hold" grpId="0" nodeType="clickEffect">
+                                  <p:stCondLst>
+                                    <p:cond delay="0"/>
+                                  </p:stCondLst>
+                                  <p:childTnLst>
+                                    <p:set>
+                                      <p:cBhvr>
+                                        <p:cTn id="6" dur="1" fill="hold">
+                                          <p:stCondLst>
+                                            <p:cond delay="0"/>
+                                          </p:stCondLst>
+                                        </p:cTn>
+                                        <p:tgtEl>
+                                          <p:spTgt spid="96"/>
+                                        </p:tgtEl>
+                                        <p:attrNameLst>
+                                          <p:attrName>style.visibility</p:attrName>
+                                        </p:attrNameLst>
+                                      </p:cBhvr>
+                                      <p:to>
+                                        <p:strVal val="visible"/>
+                                      </p:to>
+                                    </p:set>
+                                  </p:childTnLst>
+                                </p:cTn>
+                              </p:par>
+                            </p:childTnLst>
+                          </p:cTn>
+                        </p:par>
+                      </p:childTnLst>
+                    </p:cTn>
+                  </p:par>
+                  <p:par>
+                    <p:cTn id="7" fill="hold">
+                      <p:stCondLst>
+                        <p:cond delay="indefinite"/>
+                      </p:stCondLst>
+                      <p:childTnLst>
+                        <p:par>
+                          <p:cTn id="8" fill="hold">
+                            <p:stCondLst>
+                              <p:cond delay="0"/>
+                            </p:stCondLst>
+                            <p:childTnLst>
+                              <p:par>
+                                <p:cTn id="9" presetID="1" presetClass="entr" presetSubtype="0" fill="hold" nodeType="clickEffect">
+                                  <p:stCondLst>
+                                    <p:cond delay="0"/>
+                                  </p:stCondLst>
+                                  <p:childTnLst>
+                                    <p:set>
+                                      <p:cBhvr>
+                                        <p:cTn id="10" dur="1" fill="hold">
+                                          <p:stCondLst>
+                                            <p:cond delay="0"/>
+                                          </p:stCondLst>
+                                        </p:cTn>
+                                        <p:tgtEl>
+                                          <p:spTgt spid="96">
+                                            <p:txEl>
                                               <p:pRg st="1" end="1"/>
+                                            </p:txEl>
+                                          </p:spTgt>
+                                        </p:tgtEl>
+                                        <p:attrNameLst>
+                                          <p:attrName>style.visibility</p:attrName>
+                                        </p:attrNameLst>
+                                      </p:cBhvr>
+                                      <p:to>
+                                        <p:strVal val="visible"/>
+                                      </p:to>
+                                    </p:set>
+                                  </p:childTnLst>
+                                </p:cTn>
+                              </p:par>
+                            </p:childTnLst>
+                          </p:cTn>
+                        </p:par>
+                      </p:childTnLst>
+                    </p:cTn>
+                  </p:par>
+                  <p:par>
+                    <p:cTn id="11" fill="hold">
+                      <p:stCondLst>
+                        <p:cond delay="indefinite"/>
+                      </p:stCondLst>
+                      <p:childTnLst>
+                        <p:par>
+                          <p:cTn id="12" fill="hold">
+                            <p:stCondLst>
+                              <p:cond delay="0"/>
+                            </p:stCondLst>
+                            <p:childTnLst>
+                              <p:par>
+                                <p:cTn id="13" presetID="1" presetClass="entr" presetSubtype="0" fill="hold" nodeType="clickEffect">
+                                  <p:stCondLst>
+                                    <p:cond delay="0"/>
+                                  </p:stCondLst>
+                                  <p:childTnLst>
+                                    <p:set>
+                                      <p:cBhvr>
+                                        <p:cTn id="14" dur="1" fill="hold">
+                                          <p:stCondLst>
+                                            <p:cond delay="0"/>
+                                          </p:stCondLst>
+                                        </p:cTn>
+                                        <p:tgtEl>
+                                          <p:spTgt spid="96">
+                                            <p:txEl>
+                                              <p:pRg st="3" end="3"/>
                                             </p:txEl>
                                           </p:spTgt>
                                         </p:tgtEl>
@@ -11831,7 +12320,7 @@
                                         <p:tgtEl>
                                           <p:spTgt spid="96">
                                             <p:txEl>
-                                              <p:pRg st="2" end="2"/>
+                                              <p:pRg st="4" end="4"/>
                                             </p:txEl>
                                           </p:spTgt>
                                         </p:tgtEl>
@@ -11880,7 +12369,295 @@
                                         <p:tgtEl>
                                           <p:spTgt spid="96">
                                             <p:txEl>
-                                              <p:pRg st="4" end="4"/>
+                                              <p:pRg st="5" end="5"/>
+                                            </p:txEl>
+                                          </p:spTgt>
+                                        </p:tgtEl>
+                                        <p:attrNameLst>
+                                          <p:attrName>style.visibility</p:attrName>
+                                        </p:attrNameLst>
+                                      </p:cBhvr>
+                                      <p:to>
+                                        <p:strVal val="visible"/>
+                                      </p:to>
+                                    </p:set>
+                                  </p:childTnLst>
+                                </p:cTn>
+                              </p:par>
+                            </p:childTnLst>
+                          </p:cTn>
+                        </p:par>
+                      </p:childTnLst>
+                    </p:cTn>
+                  </p:par>
+                </p:childTnLst>
+              </p:cTn>
+              <p:prevCondLst>
+                <p:cond evt="onPrev" delay="0">
+                  <p:tgtEl>
+                    <p:sldTgt/>
+                  </p:tgtEl>
+                </p:cond>
+              </p:prevCondLst>
+              <p:nextCondLst>
+                <p:cond evt="onNext" delay="0">
+                  <p:tgtEl>
+                    <p:sldTgt/>
+                  </p:tgtEl>
+                </p:cond>
+              </p:nextCondLst>
+            </p:seq>
+          </p:childTnLst>
+        </p:cTn>
+      </p:par>
+    </p:tnLst>
+    <p:bldLst>
+      <p:bldP spid="96" grpId="0"/>
+    </p:bldLst>
+  </p:timing>
+</p:sld>
+</file>
+
+<file path=ppt/slides/slide6.xml><?xml version="1.0" encoding="utf-8"?>
+<p:sld xmlns:a="http://schemas.openxmlformats.org/drawingml/2006/main" xmlns:r="http://schemas.openxmlformats.org/officeDocument/2006/relationships" xmlns:p="http://schemas.openxmlformats.org/presentationml/2006/main">
+  <p:cSld>
+    <p:spTree>
+      <p:nvGrpSpPr>
+        <p:cNvPr id="1" name="Shape 94"/>
+        <p:cNvGrpSpPr/>
+        <p:nvPr/>
+      </p:nvGrpSpPr>
+      <p:grpSpPr>
+        <a:xfrm>
+          <a:off x="0" y="0"/>
+          <a:ext cx="0" cy="0"/>
+          <a:chOff x="0" y="0"/>
+          <a:chExt cx="0" cy="0"/>
+        </a:xfrm>
+      </p:grpSpPr>
+      <p:sp>
+        <p:nvSpPr>
+          <p:cNvPr id="95" name="Google Shape;95;p14"/>
+          <p:cNvSpPr txBox="1">
+            <a:spLocks noGrp="1"/>
+          </p:cNvSpPr>
+          <p:nvPr>
+            <p:ph type="title" idx="4294967295"/>
+          </p:nvPr>
+        </p:nvSpPr>
+        <p:spPr>
+          <a:xfrm>
+            <a:off x="717173" y="696913"/>
+            <a:ext cx="10972800" cy="506789"/>
+          </a:xfrm>
+          <a:prstGeom prst="rect">
+            <a:avLst/>
+          </a:prstGeom>
+        </p:spPr>
+        <p:txBody>
+          <a:bodyPr spcFirstLastPara="1" wrap="square" lIns="121900" tIns="121900" rIns="121900" bIns="121900" anchor="ctr" anchorCtr="0">
+            <a:noAutofit/>
+          </a:bodyPr>
+          <a:lstStyle/>
+          <a:p>
+            <a:r>
+              <a:rPr lang="en-US" sz="4000" b="1" dirty="0">
+                <a:solidFill>
+                  <a:srgbClr val="E46102"/>
+                </a:solidFill>
+              </a:rPr>
+              <a:t>Ridge Regression</a:t>
+            </a:r>
+            <a:endParaRPr sz="4000" b="1" dirty="0">
+              <a:solidFill>
+                <a:srgbClr val="E46102"/>
+              </a:solidFill>
+            </a:endParaRPr>
+          </a:p>
+        </p:txBody>
+      </p:sp>
+      <p:sp>
+        <p:nvSpPr>
+          <p:cNvPr id="96" name="Google Shape;96;p14"/>
+          <p:cNvSpPr txBox="1"/>
+          <p:nvPr/>
+        </p:nvSpPr>
+        <p:spPr>
+          <a:xfrm>
+            <a:off x="521776" y="1382233"/>
+            <a:ext cx="11277600" cy="4176000"/>
+          </a:xfrm>
+          <a:prstGeom prst="rect">
+            <a:avLst/>
+          </a:prstGeom>
+          <a:noFill/>
+          <a:ln>
+            <a:noFill/>
+          </a:ln>
+        </p:spPr>
+        <p:txBody>
+          <a:bodyPr spcFirstLastPara="1" wrap="square" lIns="121900" tIns="121900" rIns="121900" bIns="121900" anchor="t" anchorCtr="0">
+            <a:noAutofit/>
+          </a:bodyPr>
+          <a:lstStyle/>
+          <a:p>
+            <a:pPr marL="342900" indent="-342900">
+              <a:buFont typeface="Arial" panose="020B0604020202020204" pitchFamily="34" charset="0"/>
+              <a:buChar char="•"/>
+            </a:pPr>
+            <a:r>
+              <a:rPr lang="en-US" dirty="0"/>
+              <a:t>Regularized version of Linear Regression</a:t>
+            </a:r>
+          </a:p>
+          <a:p>
+            <a:endParaRPr lang="en-US" dirty="0"/>
+          </a:p>
+          <a:p>
+            <a:pPr marL="342900" indent="-342900">
+              <a:buFont typeface="Arial" panose="020B0604020202020204" pitchFamily="34" charset="0"/>
+              <a:buChar char="•"/>
+            </a:pPr>
+            <a:r>
+              <a:rPr lang="en-US" dirty="0"/>
+              <a:t>a </a:t>
+            </a:r>
+            <a:r>
+              <a:rPr lang="en-US" i="1" dirty="0"/>
+              <a:t>regularization term </a:t>
+            </a:r>
+            <a:r>
+              <a:rPr lang="en-US" dirty="0"/>
+              <a:t>equal to                   is added to the cost function</a:t>
+            </a:r>
+          </a:p>
+          <a:p>
+            <a:endParaRPr lang="en-US" dirty="0"/>
+          </a:p>
+        </p:txBody>
+      </p:sp>
+      <p:pic>
+        <p:nvPicPr>
+          <p:cNvPr id="3" name="Picture 2">
+            <a:extLst>
+              <a:ext uri="{FF2B5EF4-FFF2-40B4-BE49-F238E27FC236}">
+                <a16:creationId xmlns:a16="http://schemas.microsoft.com/office/drawing/2014/main" id="{F3B9406F-F17B-454B-84A4-50EE8AFF7A19}"/>
+              </a:ext>
+            </a:extLst>
+          </p:cNvPr>
+          <p:cNvPicPr>
+            <a:picLocks noChangeAspect="1"/>
+          </p:cNvPicPr>
+          <p:nvPr/>
+        </p:nvPicPr>
+        <p:blipFill>
+          <a:blip r:embed="rId3"/>
+          <a:stretch>
+            <a:fillRect/>
+          </a:stretch>
+        </p:blipFill>
+        <p:spPr>
+          <a:xfrm>
+            <a:off x="5083347" y="2281034"/>
+            <a:ext cx="1313201" cy="495141"/>
+          </a:xfrm>
+          <a:prstGeom prst="rect">
+            <a:avLst/>
+          </a:prstGeom>
+        </p:spPr>
+      </p:pic>
+    </p:spTree>
+    <p:extLst>
+      <p:ext uri="{BB962C8B-B14F-4D97-AF65-F5344CB8AC3E}">
+        <p14:creationId xmlns:p14="http://schemas.microsoft.com/office/powerpoint/2010/main" val="440765766"/>
+      </p:ext>
+    </p:extLst>
+  </p:cSld>
+  <p:clrMapOvr>
+    <a:masterClrMapping/>
+  </p:clrMapOvr>
+  <p:timing>
+    <p:tnLst>
+      <p:par>
+        <p:cTn id="1" dur="indefinite" restart="never" nodeType="tmRoot">
+          <p:childTnLst>
+            <p:seq concurrent="1" nextAc="seek">
+              <p:cTn id="2" dur="indefinite" nodeType="mainSeq">
+                <p:childTnLst>
+                  <p:par>
+                    <p:cTn id="3" fill="hold">
+                      <p:stCondLst>
+                        <p:cond delay="indefinite"/>
+                      </p:stCondLst>
+                      <p:childTnLst>
+                        <p:par>
+                          <p:cTn id="4" fill="hold">
+                            <p:stCondLst>
+                              <p:cond delay="0"/>
+                            </p:stCondLst>
+                            <p:childTnLst>
+                              <p:par>
+                                <p:cTn id="5" presetID="1" presetClass="entr" presetSubtype="0" fill="hold" grpId="0" nodeType="clickEffect">
+                                  <p:stCondLst>
+                                    <p:cond delay="0"/>
+                                  </p:stCondLst>
+                                  <p:childTnLst>
+                                    <p:set>
+                                      <p:cBhvr>
+                                        <p:cTn id="6" dur="1" fill="hold">
+                                          <p:stCondLst>
+                                            <p:cond delay="0"/>
+                                          </p:stCondLst>
+                                        </p:cTn>
+                                        <p:tgtEl>
+                                          <p:spTgt spid="96"/>
+                                        </p:tgtEl>
+                                        <p:attrNameLst>
+                                          <p:attrName>style.visibility</p:attrName>
+                                        </p:attrNameLst>
+                                      </p:cBhvr>
+                                      <p:to>
+                                        <p:strVal val="visible"/>
+                                      </p:to>
+                                    </p:set>
+                                  </p:childTnLst>
+                                </p:cTn>
+                              </p:par>
+                            </p:childTnLst>
+                          </p:cTn>
+                        </p:par>
+                      </p:childTnLst>
+                    </p:cTn>
+                  </p:par>
+                  <p:par>
+                    <p:cTn id="7" fill="hold">
+                      <p:stCondLst>
+                        <p:cond delay="indefinite"/>
+                      </p:stCondLst>
+                      <p:childTnLst>
+                        <p:par>
+                          <p:cTn id="8" fill="hold">
+                            <p:stCondLst>
+                              <p:cond delay="0"/>
+                            </p:stCondLst>
+                            <p:childTnLst>
+                              <p:par>
+                                <p:cTn id="9" presetID="1" presetClass="entr" presetSubtype="0" fill="hold" nodeType="clickEffect">
+                                  <p:stCondLst>
+                                    <p:cond delay="0"/>
+                                  </p:stCondLst>
+                                  <p:childTnLst>
+                                    <p:set>
+                                      <p:cBhvr>
+                                        <p:cTn id="10" dur="1" fill="hold">
+                                          <p:stCondLst>
+                                            <p:cond delay="0"/>
+                                          </p:stCondLst>
+                                        </p:cTn>
+                                        <p:tgtEl>
+                                          <p:spTgt spid="96">
+                                            <p:txEl>
+                                              <p:pRg st="0" end="0"/>
                                             </p:txEl>
                                           </p:spTgt>
                                         </p:tgtEl>
@@ -11902,26 +12679,26 @@
                     </p:cTn>
                   </p:par>
                   <p:par>
-                    <p:cTn id="23" fill="hold">
+                    <p:cTn id="11" fill="hold">
                       <p:stCondLst>
                         <p:cond delay="indefinite"/>
                       </p:stCondLst>
                       <p:childTnLst>
                         <p:par>
-                          <p:cTn id="24" fill="hold">
+                          <p:cTn id="12" fill="hold">
                             <p:stCondLst>
                               <p:cond delay="0"/>
                             </p:stCondLst>
                             <p:childTnLst>
                               <p:par>
-                                <p:cTn id="25" presetID="1" presetClass="entr" presetSubtype="0" fill="hold" nodeType="clickEffect">
+                                <p:cTn id="13" presetID="1" presetClass="entr" presetSubtype="0" fill="hold" nodeType="clickEffect">
                                   <p:stCondLst>
                                     <p:cond delay="0"/>
                                   </p:stCondLst>
                                   <p:childTnLst>
                                     <p:set>
                                       <p:cBhvr>
-                                        <p:cTn id="26" dur="1" fill="hold">
+                                        <p:cTn id="14" dur="1" fill="hold">
                                           <p:stCondLst>
                                             <p:cond delay="0"/>
                                           </p:stCondLst>
@@ -11929,105 +12706,7 @@
                                         <p:tgtEl>
                                           <p:spTgt spid="96">
                                             <p:txEl>
-                                              <p:pRg st="6" end="6"/>
-                                            </p:txEl>
-                                          </p:spTgt>
-                                        </p:tgtEl>
-                                        <p:attrNameLst>
-                                          <p:attrName>style.visibility</p:attrName>
-                                        </p:attrNameLst>
-                                      </p:cBhvr>
-                                      <p:to>
-                                        <p:strVal val="visible"/>
-                                      </p:to>
-                                    </p:set>
-                                  </p:childTnLst>
-                                </p:cTn>
-                              </p:par>
-                            </p:childTnLst>
-                          </p:cTn>
-                        </p:par>
-                      </p:childTnLst>
-                    </p:cTn>
-                  </p:par>
-                  <p:par>
-                    <p:cTn id="27" fill="hold">
-                      <p:stCondLst>
-                        <p:cond delay="indefinite"/>
-                      </p:stCondLst>
-                      <p:childTnLst>
-                        <p:par>
-                          <p:cTn id="28" fill="hold">
-                            <p:stCondLst>
-                              <p:cond delay="0"/>
-                            </p:stCondLst>
-                            <p:childTnLst>
-                              <p:par>
-                                <p:cTn id="29" presetID="1" presetClass="entr" presetSubtype="0" fill="hold" nodeType="clickEffect">
-                                  <p:stCondLst>
-                                    <p:cond delay="0"/>
-                                  </p:stCondLst>
-                                  <p:childTnLst>
-                                    <p:set>
-                                      <p:cBhvr>
-                                        <p:cTn id="30" dur="1" fill="hold">
-                                          <p:stCondLst>
-                                            <p:cond delay="0"/>
-                                          </p:stCondLst>
-                                        </p:cTn>
-                                        <p:tgtEl>
-                                          <p:spTgt spid="96">
-                                            <p:txEl>
-                                              <p:pRg st="8" end="8"/>
-                                            </p:txEl>
-                                          </p:spTgt>
-                                        </p:tgtEl>
-                                        <p:attrNameLst>
-                                          <p:attrName>style.visibility</p:attrName>
-                                        </p:attrNameLst>
-                                      </p:cBhvr>
-                                      <p:to>
-                                        <p:strVal val="visible"/>
-                                      </p:to>
-                                    </p:set>
-                                  </p:childTnLst>
-                                </p:cTn>
-                              </p:par>
-                            </p:childTnLst>
-                          </p:cTn>
-                        </p:par>
-                      </p:childTnLst>
-                    </p:cTn>
-                  </p:par>
-                  <p:par>
-                    <p:cTn id="31" fill="hold">
-                      <p:stCondLst>
-                        <p:cond delay="indefinite"/>
-                      </p:stCondLst>
-                      <p:childTnLst>
-                        <p:par>
-                          <p:cTn id="32" fill="hold">
-                            <p:stCondLst>
-                              <p:cond delay="0"/>
-                            </p:stCondLst>
-                            <p:childTnLst>
-                              <p:par>
-                                <p:cTn id="33" presetID="1" presetClass="entr" presetSubtype="0" fill="hold" nodeType="clickEffect">
-                                  <p:stCondLst>
-                                    <p:cond delay="0"/>
-                                  </p:stCondLst>
-                                  <p:childTnLst>
-                                    <p:set>
-                                      <p:cBhvr>
-                                        <p:cTn id="34" dur="1" fill="hold">
-                                          <p:stCondLst>
-                                            <p:cond delay="0"/>
-                                          </p:stCondLst>
-                                        </p:cTn>
-                                        <p:tgtEl>
-                                          <p:spTgt spid="96">
-                                            <p:txEl>
-                                              <p:pRg st="9" end="9"/>
+                                              <p:pRg st="2" end="2"/>
                                             </p:txEl>
                                           </p:spTgt>
                                         </p:tgtEl>
@@ -12159,34 +12838,16 @@
           </a:bodyPr>
           <a:lstStyle/>
           <a:p>
+            <a:endParaRPr lang="en-US" dirty="0"/>
+          </a:p>
+          <a:p>
             <a:pPr marL="342900" indent="-342900">
               <a:buFont typeface="Arial" panose="020B0604020202020204" pitchFamily="34" charset="0"/>
               <a:buChar char="•"/>
             </a:pPr>
             <a:r>
               <a:rPr lang="en-US" dirty="0"/>
-              <a:t>regularized version of Linear Regression</a:t>
-            </a:r>
-          </a:p>
-          <a:p>
-            <a:endParaRPr lang="en-US" dirty="0"/>
-          </a:p>
-          <a:p>
-            <a:pPr marL="342900" indent="-342900">
-              <a:buFont typeface="Arial" panose="020B0604020202020204" pitchFamily="34" charset="0"/>
-              <a:buChar char="•"/>
-            </a:pPr>
-            <a:r>
-              <a:rPr lang="en-US" dirty="0"/>
-              <a:t>a </a:t>
-            </a:r>
-            <a:r>
-              <a:rPr lang="en-US" i="1" dirty="0"/>
-              <a:t>regularization term </a:t>
-            </a:r>
-            <a:r>
-              <a:rPr lang="en-US" dirty="0"/>
-              <a:t>equal to                   is added to the cost function</a:t>
+              <a:t>Forces learning algorithm to not only fit the data but also keep the model weights as small as possible. </a:t>
             </a:r>
           </a:p>
           <a:p>
@@ -12203,7 +12864,7 @@
             </a:pPr>
             <a:r>
               <a:rPr lang="en-US" dirty="0"/>
-              <a:t>forces learning algorithm to not only fit the data but also keep the model weights as small as possible. </a:t>
+              <a:t>Note that the regularization term should only be added to cost function during training.</a:t>
             </a:r>
           </a:p>
           <a:p>
@@ -12220,7 +12881,299 @@
             </a:pPr>
             <a:r>
               <a:rPr lang="en-US" dirty="0"/>
-              <a:t>Note that the regularization term should only be added to cost function during training.</a:t>
+              <a:t>Once the model is trained, you want to evaluate the model’s performance using the unregularized performance measure.</a:t>
+            </a:r>
+            <a:endParaRPr dirty="0"/>
+          </a:p>
+        </p:txBody>
+      </p:sp>
+    </p:spTree>
+    <p:extLst>
+      <p:ext uri="{BB962C8B-B14F-4D97-AF65-F5344CB8AC3E}">
+        <p14:creationId xmlns:p14="http://schemas.microsoft.com/office/powerpoint/2010/main" val="331301572"/>
+      </p:ext>
+    </p:extLst>
+  </p:cSld>
+  <p:clrMapOvr>
+    <a:masterClrMapping/>
+  </p:clrMapOvr>
+  <p:timing>
+    <p:tnLst>
+      <p:par>
+        <p:cTn id="1" dur="indefinite" restart="never" nodeType="tmRoot">
+          <p:childTnLst>
+            <p:seq concurrent="1" nextAc="seek">
+              <p:cTn id="2" dur="indefinite" nodeType="mainSeq">
+                <p:childTnLst>
+                  <p:par>
+                    <p:cTn id="3" fill="hold">
+                      <p:stCondLst>
+                        <p:cond delay="indefinite"/>
+                      </p:stCondLst>
+                      <p:childTnLst>
+                        <p:par>
+                          <p:cTn id="4" fill="hold">
+                            <p:stCondLst>
+                              <p:cond delay="0"/>
+                            </p:stCondLst>
+                            <p:childTnLst>
+                              <p:par>
+                                <p:cTn id="5" presetID="1" presetClass="entr" presetSubtype="0" fill="hold" grpId="0" nodeType="clickEffect">
+                                  <p:stCondLst>
+                                    <p:cond delay="0"/>
+                                  </p:stCondLst>
+                                  <p:childTnLst>
+                                    <p:set>
+                                      <p:cBhvr>
+                                        <p:cTn id="6" dur="1" fill="hold">
+                                          <p:stCondLst>
+                                            <p:cond delay="0"/>
+                                          </p:stCondLst>
+                                        </p:cTn>
+                                        <p:tgtEl>
+                                          <p:spTgt spid="96"/>
+                                        </p:tgtEl>
+                                        <p:attrNameLst>
+                                          <p:attrName>style.visibility</p:attrName>
+                                        </p:attrNameLst>
+                                      </p:cBhvr>
+                                      <p:to>
+                                        <p:strVal val="visible"/>
+                                      </p:to>
+                                    </p:set>
+                                  </p:childTnLst>
+                                </p:cTn>
+                              </p:par>
+                            </p:childTnLst>
+                          </p:cTn>
+                        </p:par>
+                      </p:childTnLst>
+                    </p:cTn>
+                  </p:par>
+                  <p:par>
+                    <p:cTn id="7" fill="hold">
+                      <p:stCondLst>
+                        <p:cond delay="indefinite"/>
+                      </p:stCondLst>
+                      <p:childTnLst>
+                        <p:par>
+                          <p:cTn id="8" fill="hold">
+                            <p:stCondLst>
+                              <p:cond delay="0"/>
+                            </p:stCondLst>
+                            <p:childTnLst>
+                              <p:par>
+                                <p:cTn id="9" presetID="1" presetClass="entr" presetSubtype="0" fill="hold" nodeType="clickEffect">
+                                  <p:stCondLst>
+                                    <p:cond delay="0"/>
+                                  </p:stCondLst>
+                                  <p:childTnLst>
+                                    <p:set>
+                                      <p:cBhvr>
+                                        <p:cTn id="10" dur="1" fill="hold">
+                                          <p:stCondLst>
+                                            <p:cond delay="0"/>
+                                          </p:stCondLst>
+                                        </p:cTn>
+                                        <p:tgtEl>
+                                          <p:spTgt spid="96">
+                                            <p:txEl>
+                                              <p:pRg st="1" end="1"/>
+                                            </p:txEl>
+                                          </p:spTgt>
+                                        </p:tgtEl>
+                                        <p:attrNameLst>
+                                          <p:attrName>style.visibility</p:attrName>
+                                        </p:attrNameLst>
+                                      </p:cBhvr>
+                                      <p:to>
+                                        <p:strVal val="visible"/>
+                                      </p:to>
+                                    </p:set>
+                                  </p:childTnLst>
+                                </p:cTn>
+                              </p:par>
+                            </p:childTnLst>
+                          </p:cTn>
+                        </p:par>
+                      </p:childTnLst>
+                    </p:cTn>
+                  </p:par>
+                  <p:par>
+                    <p:cTn id="11" fill="hold">
+                      <p:stCondLst>
+                        <p:cond delay="indefinite"/>
+                      </p:stCondLst>
+                      <p:childTnLst>
+                        <p:par>
+                          <p:cTn id="12" fill="hold">
+                            <p:stCondLst>
+                              <p:cond delay="0"/>
+                            </p:stCondLst>
+                            <p:childTnLst>
+                              <p:par>
+                                <p:cTn id="13" presetID="1" presetClass="entr" presetSubtype="0" fill="hold" nodeType="clickEffect">
+                                  <p:stCondLst>
+                                    <p:cond delay="0"/>
+                                  </p:stCondLst>
+                                  <p:childTnLst>
+                                    <p:set>
+                                      <p:cBhvr>
+                                        <p:cTn id="14" dur="1" fill="hold">
+                                          <p:stCondLst>
+                                            <p:cond delay="0"/>
+                                          </p:stCondLst>
+                                        </p:cTn>
+                                        <p:tgtEl>
+                                          <p:spTgt spid="96">
+                                            <p:txEl>
+                                              <p:pRg st="3" end="3"/>
+                                            </p:txEl>
+                                          </p:spTgt>
+                                        </p:tgtEl>
+                                        <p:attrNameLst>
+                                          <p:attrName>style.visibility</p:attrName>
+                                        </p:attrNameLst>
+                                      </p:cBhvr>
+                                      <p:to>
+                                        <p:strVal val="visible"/>
+                                      </p:to>
+                                    </p:set>
+                                  </p:childTnLst>
+                                </p:cTn>
+                              </p:par>
+                            </p:childTnLst>
+                          </p:cTn>
+                        </p:par>
+                      </p:childTnLst>
+                    </p:cTn>
+                  </p:par>
+                  <p:par>
+                    <p:cTn id="15" fill="hold">
+                      <p:stCondLst>
+                        <p:cond delay="indefinite"/>
+                      </p:stCondLst>
+                      <p:childTnLst>
+                        <p:par>
+                          <p:cTn id="16" fill="hold">
+                            <p:stCondLst>
+                              <p:cond delay="0"/>
+                            </p:stCondLst>
+                            <p:childTnLst>
+                              <p:par>
+                                <p:cTn id="17" presetID="1" presetClass="entr" presetSubtype="0" fill="hold" nodeType="clickEffect">
+                                  <p:stCondLst>
+                                    <p:cond delay="0"/>
+                                  </p:stCondLst>
+                                  <p:childTnLst>
+                                    <p:set>
+                                      <p:cBhvr>
+                                        <p:cTn id="18" dur="1" fill="hold">
+                                          <p:stCondLst>
+                                            <p:cond delay="0"/>
+                                          </p:stCondLst>
+                                        </p:cTn>
+                                        <p:tgtEl>
+                                          <p:spTgt spid="96">
+                                            <p:txEl>
+                                              <p:pRg st="5" end="5"/>
+                                            </p:txEl>
+                                          </p:spTgt>
+                                        </p:tgtEl>
+                                        <p:attrNameLst>
+                                          <p:attrName>style.visibility</p:attrName>
+                                        </p:attrNameLst>
+                                      </p:cBhvr>
+                                      <p:to>
+                                        <p:strVal val="visible"/>
+                                      </p:to>
+                                    </p:set>
+                                  </p:childTnLst>
+                                </p:cTn>
+                              </p:par>
+                            </p:childTnLst>
+                          </p:cTn>
+                        </p:par>
+                      </p:childTnLst>
+                    </p:cTn>
+                  </p:par>
+                </p:childTnLst>
+              </p:cTn>
+              <p:prevCondLst>
+                <p:cond evt="onPrev" delay="0">
+                  <p:tgtEl>
+                    <p:sldTgt/>
+                  </p:tgtEl>
+                </p:cond>
+              </p:prevCondLst>
+              <p:nextCondLst>
+                <p:cond evt="onNext" delay="0">
+                  <p:tgtEl>
+                    <p:sldTgt/>
+                  </p:tgtEl>
+                </p:cond>
+              </p:nextCondLst>
+            </p:seq>
+          </p:childTnLst>
+        </p:cTn>
+      </p:par>
+    </p:tnLst>
+    <p:bldLst>
+      <p:bldP spid="96" grpId="0"/>
+    </p:bldLst>
+  </p:timing>
+</p:sld>
+</file>
+
+<file path=ppt/slides/slide8.xml><?xml version="1.0" encoding="utf-8"?>
+<p:sld xmlns:a="http://schemas.openxmlformats.org/drawingml/2006/main" xmlns:r="http://schemas.openxmlformats.org/officeDocument/2006/relationships" xmlns:p="http://schemas.openxmlformats.org/presentationml/2006/main">
+  <p:cSld>
+    <p:spTree>
+      <p:nvGrpSpPr>
+        <p:cNvPr id="1" name="Shape 94"/>
+        <p:cNvGrpSpPr/>
+        <p:nvPr/>
+      </p:nvGrpSpPr>
+      <p:grpSpPr>
+        <a:xfrm>
+          <a:off x="0" y="0"/>
+          <a:ext cx="0" cy="0"/>
+          <a:chOff x="0" y="0"/>
+          <a:chExt cx="0" cy="0"/>
+        </a:xfrm>
+      </p:grpSpPr>
+      <p:sp>
+        <p:nvSpPr>
+          <p:cNvPr id="96" name="Google Shape;96;p14"/>
+          <p:cNvSpPr txBox="1"/>
+          <p:nvPr/>
+        </p:nvSpPr>
+        <p:spPr>
+          <a:xfrm>
+            <a:off x="521776" y="1382233"/>
+            <a:ext cx="11277600" cy="4176000"/>
+          </a:xfrm>
+          <a:prstGeom prst="rect">
+            <a:avLst/>
+          </a:prstGeom>
+          <a:noFill/>
+          <a:ln>
+            <a:noFill/>
+          </a:ln>
+        </p:spPr>
+        <p:txBody>
+          <a:bodyPr spcFirstLastPara="1" wrap="square" lIns="121900" tIns="121900" rIns="121900" bIns="121900" anchor="t" anchorCtr="0">
+            <a:noAutofit/>
+          </a:bodyPr>
+          <a:lstStyle/>
+          <a:p>
+            <a:pPr marL="342900" indent="-342900">
+              <a:buFont typeface="Arial" panose="020B0604020202020204" pitchFamily="34" charset="0"/>
+              <a:buChar char="•"/>
+            </a:pPr>
+            <a:r>
+              <a:rPr lang="en-US" dirty="0"/>
+              <a:t>Alpha is the hyperparameter here.</a:t>
             </a:r>
           </a:p>
           <a:p>
@@ -12237,9 +13190,231 @@
             </a:pPr>
             <a:r>
               <a:rPr lang="en-US" dirty="0"/>
-              <a:t>Once the model is trained, you want to evaluate the model’s performance using the unregularized performance measure.</a:t>
-            </a:r>
+              <a:t>What is a hyperparameter? </a:t>
+            </a:r>
+          </a:p>
+          <a:p>
+            <a:pPr marL="952485" lvl="1" indent="-342900">
+              <a:buFont typeface="Courier New" panose="02070309020205020404" pitchFamily="49" charset="0"/>
+              <a:buChar char="o"/>
+            </a:pPr>
+            <a:r>
+              <a:rPr lang="en-US" dirty="0"/>
+              <a:t>help estimate model parameters</a:t>
+            </a:r>
+          </a:p>
+          <a:p>
+            <a:pPr marL="952485" lvl="1" indent="-342900">
+              <a:buFont typeface="Courier New" panose="02070309020205020404" pitchFamily="49" charset="0"/>
+              <a:buChar char="o"/>
+            </a:pPr>
+            <a:r>
+              <a:rPr lang="en-US" dirty="0"/>
+              <a:t>Is specified manually, not from the data</a:t>
+            </a:r>
+          </a:p>
+          <a:p>
+            <a:pPr marL="952485" lvl="1" indent="-342900">
+              <a:buFont typeface="Courier New" panose="02070309020205020404" pitchFamily="49" charset="0"/>
+              <a:buChar char="o"/>
+            </a:pPr>
+            <a:endParaRPr lang="en-US" dirty="0"/>
+          </a:p>
+          <a:p>
+            <a:pPr marL="342900" indent="-342900">
+              <a:buFont typeface="Arial" panose="020B0604020202020204" pitchFamily="34" charset="0"/>
+              <a:buChar char="•"/>
+            </a:pPr>
+            <a:endParaRPr lang="en-US" dirty="0"/>
+          </a:p>
+          <a:p>
+            <a:pPr marL="342900" indent="-342900">
+              <a:buFont typeface="Arial" panose="020B0604020202020204" pitchFamily="34" charset="0"/>
+              <a:buChar char="•"/>
+            </a:pPr>
+            <a:r>
+              <a:rPr lang="en-US" dirty="0"/>
+              <a:t>What happens if alpha = 0?</a:t>
+            </a:r>
+          </a:p>
+          <a:p>
             <a:endParaRPr dirty="0"/>
+          </a:p>
+        </p:txBody>
+      </p:sp>
+      <p:sp>
+        <p:nvSpPr>
+          <p:cNvPr id="5" name="TextBox 4">
+            <a:extLst>
+              <a:ext uri="{FF2B5EF4-FFF2-40B4-BE49-F238E27FC236}">
+                <a16:creationId xmlns:a16="http://schemas.microsoft.com/office/drawing/2014/main" id="{3EB301C0-A3FA-4C50-B47F-E652DFF7141F}"/>
+              </a:ext>
+            </a:extLst>
+          </p:cNvPr>
+          <p:cNvSpPr txBox="1"/>
+          <p:nvPr/>
+        </p:nvSpPr>
+        <p:spPr>
+          <a:xfrm>
+            <a:off x="7507981" y="3100330"/>
+            <a:ext cx="2222325" cy="461665"/>
+          </a:xfrm>
+          <a:prstGeom prst="rect">
+            <a:avLst/>
+          </a:prstGeom>
+          <a:noFill/>
+          <a:ln>
+            <a:solidFill>
+              <a:srgbClr val="E46102"/>
+            </a:solidFill>
+          </a:ln>
+        </p:spPr>
+        <p:txBody>
+          <a:bodyPr wrap="square" rtlCol="0">
+            <a:spAutoFit/>
+          </a:bodyPr>
+          <a:lstStyle/>
+          <a:p>
+            <a:r>
+              <a:rPr lang="en-US" dirty="0">
+                <a:solidFill>
+                  <a:srgbClr val="E46102"/>
+                </a:solidFill>
+              </a:rPr>
+              <a:t>Ridge = Linear</a:t>
+            </a:r>
+          </a:p>
+        </p:txBody>
+      </p:sp>
+      <p:pic>
+        <p:nvPicPr>
+          <p:cNvPr id="4" name="Picture 3">
+            <a:extLst>
+              <a:ext uri="{FF2B5EF4-FFF2-40B4-BE49-F238E27FC236}">
+                <a16:creationId xmlns:a16="http://schemas.microsoft.com/office/drawing/2014/main" id="{A70B17B3-CA0C-407B-8468-89524F9CC62F}"/>
+              </a:ext>
+            </a:extLst>
+          </p:cNvPr>
+          <p:cNvPicPr>
+            <a:picLocks noChangeAspect="1"/>
+          </p:cNvPicPr>
+          <p:nvPr/>
+        </p:nvPicPr>
+        <p:blipFill rotWithShape="1">
+          <a:blip r:embed="rId3"/>
+          <a:srcRect l="6136" t="25154" r="9143" b="23136"/>
+          <a:stretch/>
+        </p:blipFill>
+        <p:spPr>
+          <a:xfrm>
+            <a:off x="4158217" y="4712773"/>
+            <a:ext cx="3245127" cy="461666"/>
+          </a:xfrm>
+          <a:prstGeom prst="rect">
+            <a:avLst/>
+          </a:prstGeom>
+        </p:spPr>
+      </p:pic>
+      <p:sp>
+        <p:nvSpPr>
+          <p:cNvPr id="8" name="TextBox 7">
+            <a:extLst>
+              <a:ext uri="{FF2B5EF4-FFF2-40B4-BE49-F238E27FC236}">
+                <a16:creationId xmlns:a16="http://schemas.microsoft.com/office/drawing/2014/main" id="{133C5D74-9831-41B9-A79F-ED55463E2196}"/>
+              </a:ext>
+            </a:extLst>
+          </p:cNvPr>
+          <p:cNvSpPr txBox="1"/>
+          <p:nvPr/>
+        </p:nvSpPr>
+        <p:spPr>
+          <a:xfrm>
+            <a:off x="2757521" y="5147197"/>
+            <a:ext cx="3006586" cy="307777"/>
+          </a:xfrm>
+          <a:prstGeom prst="rect">
+            <a:avLst/>
+          </a:prstGeom>
+          <a:noFill/>
+          <a:ln>
+            <a:noFill/>
+          </a:ln>
+        </p:spPr>
+        <p:txBody>
+          <a:bodyPr wrap="square" rtlCol="0">
+            <a:spAutoFit/>
+          </a:bodyPr>
+          <a:lstStyle/>
+          <a:p>
+            <a:pPr algn="ctr"/>
+            <a:r>
+              <a:rPr lang="en-US" sz="1400" i="1" dirty="0">
+                <a:solidFill>
+                  <a:srgbClr val="E46102"/>
+                </a:solidFill>
+              </a:rPr>
+              <a:t>Ridge Cost Function</a:t>
+            </a:r>
+          </a:p>
+        </p:txBody>
+      </p:sp>
+      <p:sp>
+        <p:nvSpPr>
+          <p:cNvPr id="9" name="Google Shape;95;p14">
+            <a:extLst>
+              <a:ext uri="{FF2B5EF4-FFF2-40B4-BE49-F238E27FC236}">
+                <a16:creationId xmlns:a16="http://schemas.microsoft.com/office/drawing/2014/main" id="{0A2AB666-B4D6-4BA8-82A2-A662173EF821}"/>
+              </a:ext>
+            </a:extLst>
+          </p:cNvPr>
+          <p:cNvSpPr txBox="1">
+            <a:spLocks/>
+          </p:cNvSpPr>
+          <p:nvPr/>
+        </p:nvSpPr>
+        <p:spPr>
+          <a:xfrm>
+            <a:off x="717173" y="696913"/>
+            <a:ext cx="10972800" cy="506789"/>
+          </a:xfrm>
+          <a:prstGeom prst="rect">
+            <a:avLst/>
+          </a:prstGeom>
+        </p:spPr>
+        <p:txBody>
+          <a:bodyPr spcFirstLastPara="1" wrap="square" lIns="121900" tIns="121900" rIns="121900" bIns="121900" anchor="ctr" anchorCtr="0">
+            <a:noAutofit/>
+          </a:bodyPr>
+          <a:lstStyle>
+            <a:lvl1pPr algn="ctr" defTabSz="609585" rtl="0" eaLnBrk="1" latinLnBrk="0" hangingPunct="1">
+              <a:spcBef>
+                <a:spcPct val="0"/>
+              </a:spcBef>
+              <a:buNone/>
+              <a:defRPr sz="5867" kern="1200">
+                <a:solidFill>
+                  <a:schemeClr val="tx1"/>
+                </a:solidFill>
+                <a:latin typeface="+mj-lt"/>
+                <a:ea typeface="+mj-ea"/>
+                <a:cs typeface="+mj-cs"/>
+              </a:defRPr>
+            </a:lvl1pPr>
+          </a:lstStyle>
+          <a:p>
+            <a:r>
+              <a:rPr lang="en-US" sz="4000" b="1">
+                <a:solidFill>
+                  <a:srgbClr val="E46102"/>
+                </a:solidFill>
+              </a:rPr>
+              <a:t>Regularized Linear Models</a:t>
+            </a:r>
+            <a:endParaRPr lang="en-US" sz="4000" b="1" dirty="0">
+              <a:solidFill>
+                <a:srgbClr val="E46102"/>
+              </a:solidFill>
+            </a:endParaRPr>
           </a:p>
         </p:txBody>
       </p:sp>
@@ -12248,7 +13423,7 @@
           <p:cNvPr id="3" name="Picture 2">
             <a:extLst>
               <a:ext uri="{FF2B5EF4-FFF2-40B4-BE49-F238E27FC236}">
-                <a16:creationId xmlns:a16="http://schemas.microsoft.com/office/drawing/2014/main" id="{F3B9406F-F17B-454B-84A4-50EE8AFF7A19}"/>
+                <a16:creationId xmlns:a16="http://schemas.microsoft.com/office/drawing/2014/main" id="{CD04F024-82D0-DFEE-F101-12D6ACED165C}"/>
               </a:ext>
             </a:extLst>
           </p:cNvPr>
@@ -12258,14 +13433,14 @@
           <p:nvPr/>
         </p:nvPicPr>
         <p:blipFill>
-          <a:blip r:embed="rId3"/>
+          <a:blip r:embed="rId4"/>
           <a:stretch>
             <a:fillRect/>
           </a:stretch>
         </p:blipFill>
         <p:spPr>
           <a:xfrm>
-            <a:off x="5083347" y="2281034"/>
+            <a:off x="5764107" y="1408892"/>
             <a:ext cx="1313201" cy="495141"/>
           </a:xfrm>
           <a:prstGeom prst="rect">
@@ -12276,7 +13451,7 @@
     </p:spTree>
     <p:extLst>
       <p:ext uri="{BB962C8B-B14F-4D97-AF65-F5344CB8AC3E}">
-        <p14:creationId xmlns:p14="http://schemas.microsoft.com/office/powerpoint/2010/main" val="440765766"/>
+        <p14:creationId xmlns:p14="http://schemas.microsoft.com/office/powerpoint/2010/main" val="3791910990"/>
       </p:ext>
     </p:extLst>
   </p:cSld>
@@ -12462,7 +13637,7 @@
                                         <p:tgtEl>
                                           <p:spTgt spid="96">
                                             <p:txEl>
-                                              <p:pRg st="4" end="4"/>
+                                              <p:pRg st="3" end="3"/>
                                             </p:txEl>
                                           </p:spTgt>
                                         </p:tgtEl>
@@ -12511,7 +13686,7 @@
                                         <p:tgtEl>
                                           <p:spTgt spid="96">
                                             <p:txEl>
-                                              <p:pRg st="6" end="6"/>
+                                              <p:pRg st="4" end="4"/>
                                             </p:txEl>
                                           </p:spTgt>
                                         </p:tgtEl>
@@ -12560,652 +13735,7 @@
                                         <p:tgtEl>
                                           <p:spTgt spid="96">
                                             <p:txEl>
-                                              <p:pRg st="8" end="8"/>
-                                            </p:txEl>
-                                          </p:spTgt>
-                                        </p:tgtEl>
-                                        <p:attrNameLst>
-                                          <p:attrName>style.visibility</p:attrName>
-                                        </p:attrNameLst>
-                                      </p:cBhvr>
-                                      <p:to>
-                                        <p:strVal val="visible"/>
-                                      </p:to>
-                                    </p:set>
-                                  </p:childTnLst>
-                                </p:cTn>
-                              </p:par>
-                            </p:childTnLst>
-                          </p:cTn>
-                        </p:par>
-                      </p:childTnLst>
-                    </p:cTn>
-                  </p:par>
-                </p:childTnLst>
-              </p:cTn>
-              <p:prevCondLst>
-                <p:cond evt="onPrev" delay="0">
-                  <p:tgtEl>
-                    <p:sldTgt/>
-                  </p:tgtEl>
-                </p:cond>
-              </p:prevCondLst>
-              <p:nextCondLst>
-                <p:cond evt="onNext" delay="0">
-                  <p:tgtEl>
-                    <p:sldTgt/>
-                  </p:tgtEl>
-                </p:cond>
-              </p:nextCondLst>
-            </p:seq>
-          </p:childTnLst>
-        </p:cTn>
-      </p:par>
-    </p:tnLst>
-    <p:bldLst>
-      <p:bldP spid="96" grpId="0"/>
-    </p:bldLst>
-  </p:timing>
-</p:sld>
-</file>
-
-<file path=ppt/slides/slide8.xml><?xml version="1.0" encoding="utf-8"?>
-<p:sld xmlns:a="http://schemas.openxmlformats.org/drawingml/2006/main" xmlns:r="http://schemas.openxmlformats.org/officeDocument/2006/relationships" xmlns:p="http://schemas.openxmlformats.org/presentationml/2006/main">
-  <p:cSld>
-    <p:spTree>
-      <p:nvGrpSpPr>
-        <p:cNvPr id="1" name="Shape 94"/>
-        <p:cNvGrpSpPr/>
-        <p:nvPr/>
-      </p:nvGrpSpPr>
-      <p:grpSpPr>
-        <a:xfrm>
-          <a:off x="0" y="0"/>
-          <a:ext cx="0" cy="0"/>
-          <a:chOff x="0" y="0"/>
-          <a:chExt cx="0" cy="0"/>
-        </a:xfrm>
-      </p:grpSpPr>
-      <p:sp>
-        <p:nvSpPr>
-          <p:cNvPr id="96" name="Google Shape;96;p14"/>
-          <p:cNvSpPr txBox="1"/>
-          <p:nvPr/>
-        </p:nvSpPr>
-        <p:spPr>
-          <a:xfrm>
-            <a:off x="521776" y="1382233"/>
-            <a:ext cx="11277600" cy="4176000"/>
-          </a:xfrm>
-          <a:prstGeom prst="rect">
-            <a:avLst/>
-          </a:prstGeom>
-          <a:noFill/>
-          <a:ln>
-            <a:noFill/>
-          </a:ln>
-        </p:spPr>
-        <p:txBody>
-          <a:bodyPr spcFirstLastPara="1" wrap="square" lIns="121900" tIns="121900" rIns="121900" bIns="121900" anchor="t" anchorCtr="0">
-            <a:noAutofit/>
-          </a:bodyPr>
-          <a:lstStyle/>
-          <a:p>
-            <a:pPr marL="342900" indent="-342900">
-              <a:buFont typeface="Arial" panose="020B0604020202020204" pitchFamily="34" charset="0"/>
-              <a:buChar char="•"/>
-            </a:pPr>
-            <a:r>
-              <a:rPr lang="en-US" dirty="0"/>
-              <a:t>Alpha is the hyperparameter here.</a:t>
-            </a:r>
-          </a:p>
-          <a:p>
-            <a:pPr marL="342900" indent="-342900">
-              <a:buFont typeface="Arial" panose="020B0604020202020204" pitchFamily="34" charset="0"/>
-              <a:buChar char="•"/>
-            </a:pPr>
-            <a:r>
-              <a:rPr lang="en-US" dirty="0"/>
-              <a:t>What is a hyperparameter? </a:t>
-            </a:r>
-          </a:p>
-          <a:p>
-            <a:pPr marL="952485" lvl="1" indent="-342900">
-              <a:buFont typeface="Courier New" panose="02070309020205020404" pitchFamily="49" charset="0"/>
-              <a:buChar char="o"/>
-            </a:pPr>
-            <a:r>
-              <a:rPr lang="en-US" dirty="0"/>
-              <a:t>help estimate model parameters</a:t>
-            </a:r>
-          </a:p>
-          <a:p>
-            <a:pPr marL="952485" lvl="1" indent="-342900">
-              <a:buFont typeface="Courier New" panose="02070309020205020404" pitchFamily="49" charset="0"/>
-              <a:buChar char="o"/>
-            </a:pPr>
-            <a:r>
-              <a:rPr lang="en-US" dirty="0"/>
-              <a:t>Is specified manually, not from the data</a:t>
-            </a:r>
-          </a:p>
-          <a:p>
-            <a:pPr marL="952485" lvl="1" indent="-342900">
-              <a:buFont typeface="Courier New" panose="02070309020205020404" pitchFamily="49" charset="0"/>
-              <a:buChar char="o"/>
-            </a:pPr>
-            <a:endParaRPr lang="en-US" dirty="0"/>
-          </a:p>
-          <a:p>
-            <a:pPr marL="342900" indent="-342900">
-              <a:buFont typeface="Arial" panose="020B0604020202020204" pitchFamily="34" charset="0"/>
-              <a:buChar char="•"/>
-            </a:pPr>
-            <a:r>
-              <a:rPr lang="en-US" dirty="0"/>
-              <a:t>What happens if alpha = 0?</a:t>
-            </a:r>
-          </a:p>
-          <a:p>
-            <a:endParaRPr dirty="0"/>
-          </a:p>
-        </p:txBody>
-      </p:sp>
-      <p:sp>
-        <p:nvSpPr>
-          <p:cNvPr id="5" name="TextBox 4">
-            <a:extLst>
-              <a:ext uri="{FF2B5EF4-FFF2-40B4-BE49-F238E27FC236}">
-                <a16:creationId xmlns:a16="http://schemas.microsoft.com/office/drawing/2014/main" id="{3EB301C0-A3FA-4C50-B47F-E652DFF7141F}"/>
-              </a:ext>
-            </a:extLst>
-          </p:cNvPr>
-          <p:cNvSpPr txBox="1"/>
-          <p:nvPr/>
-        </p:nvSpPr>
-        <p:spPr>
-          <a:xfrm>
-            <a:off x="4825741" y="3252730"/>
-            <a:ext cx="2222325" cy="461665"/>
-          </a:xfrm>
-          <a:prstGeom prst="rect">
-            <a:avLst/>
-          </a:prstGeom>
-          <a:noFill/>
-          <a:ln>
-            <a:solidFill>
-              <a:srgbClr val="E46102"/>
-            </a:solidFill>
-          </a:ln>
-        </p:spPr>
-        <p:txBody>
-          <a:bodyPr wrap="square" rtlCol="0">
-            <a:spAutoFit/>
-          </a:bodyPr>
-          <a:lstStyle/>
-          <a:p>
-            <a:r>
-              <a:rPr lang="en-US" dirty="0">
-                <a:solidFill>
-                  <a:srgbClr val="E46102"/>
-                </a:solidFill>
-              </a:rPr>
-              <a:t>Ridge = Linear</a:t>
-            </a:r>
-          </a:p>
-        </p:txBody>
-      </p:sp>
-      <p:pic>
-        <p:nvPicPr>
-          <p:cNvPr id="4" name="Picture 3">
-            <a:extLst>
-              <a:ext uri="{FF2B5EF4-FFF2-40B4-BE49-F238E27FC236}">
-                <a16:creationId xmlns:a16="http://schemas.microsoft.com/office/drawing/2014/main" id="{A70B17B3-CA0C-407B-8468-89524F9CC62F}"/>
-              </a:ext>
-            </a:extLst>
-          </p:cNvPr>
-          <p:cNvPicPr>
-            <a:picLocks noChangeAspect="1"/>
-          </p:cNvPicPr>
-          <p:nvPr/>
-        </p:nvPicPr>
-        <p:blipFill rotWithShape="1">
-          <a:blip r:embed="rId3"/>
-          <a:srcRect l="6136" t="25154" r="9143" b="23136"/>
-          <a:stretch/>
-        </p:blipFill>
-        <p:spPr>
-          <a:xfrm>
-            <a:off x="3203177" y="4387403"/>
-            <a:ext cx="3245127" cy="461666"/>
-          </a:xfrm>
-          <a:prstGeom prst="rect">
-            <a:avLst/>
-          </a:prstGeom>
-        </p:spPr>
-      </p:pic>
-      <p:sp>
-        <p:nvSpPr>
-          <p:cNvPr id="8" name="TextBox 7">
-            <a:extLst>
-              <a:ext uri="{FF2B5EF4-FFF2-40B4-BE49-F238E27FC236}">
-                <a16:creationId xmlns:a16="http://schemas.microsoft.com/office/drawing/2014/main" id="{133C5D74-9831-41B9-A79F-ED55463E2196}"/>
-              </a:ext>
-            </a:extLst>
-          </p:cNvPr>
-          <p:cNvSpPr txBox="1"/>
-          <p:nvPr/>
-        </p:nvSpPr>
-        <p:spPr>
-          <a:xfrm>
-            <a:off x="2530824" y="4842620"/>
-            <a:ext cx="3006586" cy="307777"/>
-          </a:xfrm>
-          <a:prstGeom prst="rect">
-            <a:avLst/>
-          </a:prstGeom>
-          <a:noFill/>
-          <a:ln>
-            <a:noFill/>
-          </a:ln>
-        </p:spPr>
-        <p:txBody>
-          <a:bodyPr wrap="square" rtlCol="0">
-            <a:spAutoFit/>
-          </a:bodyPr>
-          <a:lstStyle/>
-          <a:p>
-            <a:pPr algn="ctr"/>
-            <a:r>
-              <a:rPr lang="en-US" sz="1400" i="1" dirty="0">
-                <a:solidFill>
-                  <a:srgbClr val="E46102"/>
-                </a:solidFill>
-              </a:rPr>
-              <a:t>Ridge Cost Function</a:t>
-            </a:r>
-          </a:p>
-        </p:txBody>
-      </p:sp>
-      <p:sp>
-        <p:nvSpPr>
-          <p:cNvPr id="9" name="Google Shape;95;p14">
-            <a:extLst>
-              <a:ext uri="{FF2B5EF4-FFF2-40B4-BE49-F238E27FC236}">
-                <a16:creationId xmlns:a16="http://schemas.microsoft.com/office/drawing/2014/main" id="{0A2AB666-B4D6-4BA8-82A2-A662173EF821}"/>
-              </a:ext>
-            </a:extLst>
-          </p:cNvPr>
-          <p:cNvSpPr txBox="1">
-            <a:spLocks/>
-          </p:cNvSpPr>
-          <p:nvPr/>
-        </p:nvSpPr>
-        <p:spPr>
-          <a:xfrm>
-            <a:off x="717173" y="696913"/>
-            <a:ext cx="10972800" cy="506789"/>
-          </a:xfrm>
-          <a:prstGeom prst="rect">
-            <a:avLst/>
-          </a:prstGeom>
-        </p:spPr>
-        <p:txBody>
-          <a:bodyPr spcFirstLastPara="1" wrap="square" lIns="121900" tIns="121900" rIns="121900" bIns="121900" anchor="ctr" anchorCtr="0">
-            <a:noAutofit/>
-          </a:bodyPr>
-          <a:lstStyle>
-            <a:lvl1pPr algn="ctr" defTabSz="609585" rtl="0" eaLnBrk="1" latinLnBrk="0" hangingPunct="1">
-              <a:spcBef>
-                <a:spcPct val="0"/>
-              </a:spcBef>
-              <a:buNone/>
-              <a:defRPr sz="5867" kern="1200">
-                <a:solidFill>
-                  <a:schemeClr val="tx1"/>
-                </a:solidFill>
-                <a:latin typeface="+mj-lt"/>
-                <a:ea typeface="+mj-ea"/>
-                <a:cs typeface="+mj-cs"/>
-              </a:defRPr>
-            </a:lvl1pPr>
-          </a:lstStyle>
-          <a:p>
-            <a:r>
-              <a:rPr lang="en-US" sz="4000" b="1">
-                <a:solidFill>
-                  <a:srgbClr val="E46102"/>
-                </a:solidFill>
-              </a:rPr>
-              <a:t>Regularized Linear Models</a:t>
-            </a:r>
-            <a:endParaRPr lang="en-US" sz="4000" b="1" dirty="0">
-              <a:solidFill>
-                <a:srgbClr val="E46102"/>
-              </a:solidFill>
-            </a:endParaRPr>
-          </a:p>
-        </p:txBody>
-      </p:sp>
-      <p:pic>
-        <p:nvPicPr>
-          <p:cNvPr id="3" name="Picture 2">
-            <a:extLst>
-              <a:ext uri="{FF2B5EF4-FFF2-40B4-BE49-F238E27FC236}">
-                <a16:creationId xmlns:a16="http://schemas.microsoft.com/office/drawing/2014/main" id="{CD04F024-82D0-DFEE-F101-12D6ACED165C}"/>
-              </a:ext>
-            </a:extLst>
-          </p:cNvPr>
-          <p:cNvPicPr>
-            <a:picLocks noChangeAspect="1"/>
-          </p:cNvPicPr>
-          <p:nvPr/>
-        </p:nvPicPr>
-        <p:blipFill>
-          <a:blip r:embed="rId4"/>
-          <a:stretch>
-            <a:fillRect/>
-          </a:stretch>
-        </p:blipFill>
-        <p:spPr>
-          <a:xfrm>
-            <a:off x="5764107" y="1408892"/>
-            <a:ext cx="1313201" cy="495141"/>
-          </a:xfrm>
-          <a:prstGeom prst="rect">
-            <a:avLst/>
-          </a:prstGeom>
-        </p:spPr>
-      </p:pic>
-    </p:spTree>
-    <p:extLst>
-      <p:ext uri="{BB962C8B-B14F-4D97-AF65-F5344CB8AC3E}">
-        <p14:creationId xmlns:p14="http://schemas.microsoft.com/office/powerpoint/2010/main" val="3791910990"/>
-      </p:ext>
-    </p:extLst>
-  </p:cSld>
-  <p:clrMapOvr>
-    <a:masterClrMapping/>
-  </p:clrMapOvr>
-  <p:timing>
-    <p:tnLst>
-      <p:par>
-        <p:cTn id="1" dur="indefinite" restart="never" nodeType="tmRoot">
-          <p:childTnLst>
-            <p:seq concurrent="1" nextAc="seek">
-              <p:cTn id="2" dur="indefinite" nodeType="mainSeq">
-                <p:childTnLst>
-                  <p:par>
-                    <p:cTn id="3" fill="hold">
-                      <p:stCondLst>
-                        <p:cond delay="indefinite"/>
-                      </p:stCondLst>
-                      <p:childTnLst>
-                        <p:par>
-                          <p:cTn id="4" fill="hold">
-                            <p:stCondLst>
-                              <p:cond delay="0"/>
-                            </p:stCondLst>
-                            <p:childTnLst>
-                              <p:par>
-                                <p:cTn id="5" presetID="1" presetClass="entr" presetSubtype="0" fill="hold" grpId="0" nodeType="clickEffect">
-                                  <p:stCondLst>
-                                    <p:cond delay="0"/>
-                                  </p:stCondLst>
-                                  <p:childTnLst>
-                                    <p:set>
-                                      <p:cBhvr>
-                                        <p:cTn id="6" dur="1" fill="hold">
-                                          <p:stCondLst>
-                                            <p:cond delay="0"/>
-                                          </p:stCondLst>
-                                        </p:cTn>
-                                        <p:tgtEl>
-                                          <p:spTgt spid="96"/>
-                                        </p:tgtEl>
-                                        <p:attrNameLst>
-                                          <p:attrName>style.visibility</p:attrName>
-                                        </p:attrNameLst>
-                                      </p:cBhvr>
-                                      <p:to>
-                                        <p:strVal val="visible"/>
-                                      </p:to>
-                                    </p:set>
-                                  </p:childTnLst>
-                                </p:cTn>
-                              </p:par>
-                            </p:childTnLst>
-                          </p:cTn>
-                        </p:par>
-                      </p:childTnLst>
-                    </p:cTn>
-                  </p:par>
-                  <p:par>
-                    <p:cTn id="7" fill="hold">
-                      <p:stCondLst>
-                        <p:cond delay="indefinite"/>
-                      </p:stCondLst>
-                      <p:childTnLst>
-                        <p:par>
-                          <p:cTn id="8" fill="hold">
-                            <p:stCondLst>
-                              <p:cond delay="0"/>
-                            </p:stCondLst>
-                            <p:childTnLst>
-                              <p:par>
-                                <p:cTn id="9" presetID="1" presetClass="entr" presetSubtype="0" fill="hold" nodeType="clickEffect">
-                                  <p:stCondLst>
-                                    <p:cond delay="0"/>
-                                  </p:stCondLst>
-                                  <p:childTnLst>
-                                    <p:set>
-                                      <p:cBhvr>
-                                        <p:cTn id="10" dur="1" fill="hold">
-                                          <p:stCondLst>
-                                            <p:cond delay="0"/>
-                                          </p:stCondLst>
-                                        </p:cTn>
-                                        <p:tgtEl>
-                                          <p:spTgt spid="96">
-                                            <p:txEl>
-                                              <p:pRg st="0" end="0"/>
-                                            </p:txEl>
-                                          </p:spTgt>
-                                        </p:tgtEl>
-                                        <p:attrNameLst>
-                                          <p:attrName>style.visibility</p:attrName>
-                                        </p:attrNameLst>
-                                      </p:cBhvr>
-                                      <p:to>
-                                        <p:strVal val="visible"/>
-                                      </p:to>
-                                    </p:set>
-                                  </p:childTnLst>
-                                </p:cTn>
-                              </p:par>
-                            </p:childTnLst>
-                          </p:cTn>
-                        </p:par>
-                      </p:childTnLst>
-                    </p:cTn>
-                  </p:par>
-                  <p:par>
-                    <p:cTn id="11" fill="hold">
-                      <p:stCondLst>
-                        <p:cond delay="indefinite"/>
-                      </p:stCondLst>
-                      <p:childTnLst>
-                        <p:par>
-                          <p:cTn id="12" fill="hold">
-                            <p:stCondLst>
-                              <p:cond delay="0"/>
-                            </p:stCondLst>
-                            <p:childTnLst>
-                              <p:par>
-                                <p:cTn id="13" presetID="1" presetClass="entr" presetSubtype="0" fill="hold" nodeType="clickEffect">
-                                  <p:stCondLst>
-                                    <p:cond delay="0"/>
-                                  </p:stCondLst>
-                                  <p:childTnLst>
-                                    <p:set>
-                                      <p:cBhvr>
-                                        <p:cTn id="14" dur="1" fill="hold">
-                                          <p:stCondLst>
-                                            <p:cond delay="0"/>
-                                          </p:stCondLst>
-                                        </p:cTn>
-                                        <p:tgtEl>
-                                          <p:spTgt spid="96">
-                                            <p:txEl>
-                                              <p:pRg st="1" end="1"/>
-                                            </p:txEl>
-                                          </p:spTgt>
-                                        </p:tgtEl>
-                                        <p:attrNameLst>
-                                          <p:attrName>style.visibility</p:attrName>
-                                        </p:attrNameLst>
-                                      </p:cBhvr>
-                                      <p:to>
-                                        <p:strVal val="visible"/>
-                                      </p:to>
-                                    </p:set>
-                                  </p:childTnLst>
-                                </p:cTn>
-                              </p:par>
-                            </p:childTnLst>
-                          </p:cTn>
-                        </p:par>
-                      </p:childTnLst>
-                    </p:cTn>
-                  </p:par>
-                  <p:par>
-                    <p:cTn id="15" fill="hold">
-                      <p:stCondLst>
-                        <p:cond delay="indefinite"/>
-                      </p:stCondLst>
-                      <p:childTnLst>
-                        <p:par>
-                          <p:cTn id="16" fill="hold">
-                            <p:stCondLst>
-                              <p:cond delay="0"/>
-                            </p:stCondLst>
-                            <p:childTnLst>
-                              <p:par>
-                                <p:cTn id="17" presetID="1" presetClass="entr" presetSubtype="0" fill="hold" nodeType="clickEffect">
-                                  <p:stCondLst>
-                                    <p:cond delay="0"/>
-                                  </p:stCondLst>
-                                  <p:childTnLst>
-                                    <p:set>
-                                      <p:cBhvr>
-                                        <p:cTn id="18" dur="1" fill="hold">
-                                          <p:stCondLst>
-                                            <p:cond delay="0"/>
-                                          </p:stCondLst>
-                                        </p:cTn>
-                                        <p:tgtEl>
-                                          <p:spTgt spid="96">
-                                            <p:txEl>
-                                              <p:pRg st="2" end="2"/>
-                                            </p:txEl>
-                                          </p:spTgt>
-                                        </p:tgtEl>
-                                        <p:attrNameLst>
-                                          <p:attrName>style.visibility</p:attrName>
-                                        </p:attrNameLst>
-                                      </p:cBhvr>
-                                      <p:to>
-                                        <p:strVal val="visible"/>
-                                      </p:to>
-                                    </p:set>
-                                  </p:childTnLst>
-                                </p:cTn>
-                              </p:par>
-                            </p:childTnLst>
-                          </p:cTn>
-                        </p:par>
-                      </p:childTnLst>
-                    </p:cTn>
-                  </p:par>
-                  <p:par>
-                    <p:cTn id="19" fill="hold">
-                      <p:stCondLst>
-                        <p:cond delay="indefinite"/>
-                      </p:stCondLst>
-                      <p:childTnLst>
-                        <p:par>
-                          <p:cTn id="20" fill="hold">
-                            <p:stCondLst>
-                              <p:cond delay="0"/>
-                            </p:stCondLst>
-                            <p:childTnLst>
-                              <p:par>
-                                <p:cTn id="21" presetID="1" presetClass="entr" presetSubtype="0" fill="hold" nodeType="clickEffect">
-                                  <p:stCondLst>
-                                    <p:cond delay="0"/>
-                                  </p:stCondLst>
-                                  <p:childTnLst>
-                                    <p:set>
-                                      <p:cBhvr>
-                                        <p:cTn id="22" dur="1" fill="hold">
-                                          <p:stCondLst>
-                                            <p:cond delay="0"/>
-                                          </p:stCondLst>
-                                        </p:cTn>
-                                        <p:tgtEl>
-                                          <p:spTgt spid="96">
-                                            <p:txEl>
-                                              <p:pRg st="3" end="3"/>
-                                            </p:txEl>
-                                          </p:spTgt>
-                                        </p:tgtEl>
-                                        <p:attrNameLst>
-                                          <p:attrName>style.visibility</p:attrName>
-                                        </p:attrNameLst>
-                                      </p:cBhvr>
-                                      <p:to>
-                                        <p:strVal val="visible"/>
-                                      </p:to>
-                                    </p:set>
-                                  </p:childTnLst>
-                                </p:cTn>
-                              </p:par>
-                            </p:childTnLst>
-                          </p:cTn>
-                        </p:par>
-                      </p:childTnLst>
-                    </p:cTn>
-                  </p:par>
-                  <p:par>
-                    <p:cTn id="23" fill="hold">
-                      <p:stCondLst>
-                        <p:cond delay="indefinite"/>
-                      </p:stCondLst>
-                      <p:childTnLst>
-                        <p:par>
-                          <p:cTn id="24" fill="hold">
-                            <p:stCondLst>
-                              <p:cond delay="0"/>
-                            </p:stCondLst>
-                            <p:childTnLst>
-                              <p:par>
-                                <p:cTn id="25" presetID="1" presetClass="entr" presetSubtype="0" fill="hold" nodeType="clickEffect">
-                                  <p:stCondLst>
-                                    <p:cond delay="0"/>
-                                  </p:stCondLst>
-                                  <p:childTnLst>
-                                    <p:set>
-                                      <p:cBhvr>
-                                        <p:cTn id="26" dur="1" fill="hold">
-                                          <p:stCondLst>
-                                            <p:cond delay="0"/>
-                                          </p:stCondLst>
-                                        </p:cTn>
-                                        <p:tgtEl>
-                                          <p:spTgt spid="96">
-                                            <p:txEl>
-                                              <p:pRg st="5" end="5"/>
+                                              <p:pRg st="7" end="7"/>
                                             </p:txEl>
                                           </p:spTgt>
                                         </p:tgtEl>

--- a/Syllabus/Lecture05/Lec05.pptx
+++ b/Syllabus/Lecture05/Lec05.pptx
@@ -5,10 +5,10 @@
     <p:sldMasterId id="2147483664" r:id="rId1"/>
   </p:sldMasterIdLst>
   <p:notesMasterIdLst>
-    <p:notesMasterId r:id="rId30"/>
+    <p:notesMasterId r:id="rId34"/>
   </p:notesMasterIdLst>
   <p:handoutMasterIdLst>
-    <p:handoutMasterId r:id="rId31"/>
+    <p:handoutMasterId r:id="rId35"/>
   </p:handoutMasterIdLst>
   <p:sldIdLst>
     <p:sldId id="266" r:id="rId2"/>
@@ -39,6 +39,10 @@
     <p:sldId id="349" r:id="rId27"/>
     <p:sldId id="359" r:id="rId28"/>
     <p:sldId id="356" r:id="rId29"/>
+    <p:sldId id="365" r:id="rId30"/>
+    <p:sldId id="366" r:id="rId31"/>
+    <p:sldId id="367" r:id="rId32"/>
+    <p:sldId id="368" r:id="rId33"/>
   </p:sldIdLst>
   <p:sldSz cx="12192000" cy="6858000"/>
   <p:notesSz cx="6858000" cy="9144000"/>
@@ -170,6 +174,10 @@
             <p14:sldId id="349"/>
             <p14:sldId id="359"/>
             <p14:sldId id="356"/>
+            <p14:sldId id="365"/>
+            <p14:sldId id="366"/>
+            <p14:sldId id="367"/>
+            <p14:sldId id="368"/>
           </p14:sldIdLst>
         </p14:section>
       </p14:sectionLst>
@@ -2967,7 +2975,7 @@
 </p:notes>
 </file>
 
-<file path=ppt/notesSlides/notesSlide3.xml><?xml version="1.0" encoding="utf-8"?>
+<file path=ppt/notesSlides/notesSlide28.xml><?xml version="1.0" encoding="utf-8"?>
 <p:notes xmlns:a="http://schemas.openxmlformats.org/drawingml/2006/main" xmlns:r="http://schemas.openxmlformats.org/officeDocument/2006/relationships" xmlns:p="http://schemas.openxmlformats.org/presentationml/2006/main" showMasterSp="0" showMasterPhAnim="0">
   <p:cSld>
     <p:spTree>
@@ -3069,7 +3077,455 @@
     </p:spTree>
     <p:extLst>
       <p:ext uri="{BB962C8B-B14F-4D97-AF65-F5344CB8AC3E}">
+        <p14:creationId xmlns:p14="http://schemas.microsoft.com/office/powerpoint/2010/main" val="870034448"/>
+      </p:ext>
+    </p:extLst>
+  </p:cSld>
+  <p:clrMapOvr>
+    <a:masterClrMapping/>
+  </p:clrMapOvr>
+</p:notes>
+</file>
+
+<file path=ppt/notesSlides/notesSlide29.xml><?xml version="1.0" encoding="utf-8"?>
+<p:notes xmlns:a="http://schemas.openxmlformats.org/drawingml/2006/main" xmlns:r="http://schemas.openxmlformats.org/officeDocument/2006/relationships" xmlns:p="http://schemas.openxmlformats.org/presentationml/2006/main" showMasterSp="0" showMasterPhAnim="0">
+  <p:cSld>
+    <p:spTree>
+      <p:nvGrpSpPr>
+        <p:cNvPr id="1" name="Shape 91"/>
+        <p:cNvGrpSpPr/>
+        <p:nvPr/>
+      </p:nvGrpSpPr>
+      <p:grpSpPr>
+        <a:xfrm>
+          <a:off x="0" y="0"/>
+          <a:ext cx="0" cy="0"/>
+          <a:chOff x="0" y="0"/>
+          <a:chExt cx="0" cy="0"/>
+        </a:xfrm>
+      </p:grpSpPr>
+      <p:sp>
+        <p:nvSpPr>
+          <p:cNvPr id="92" name="Google Shape;92;g921be16503_9_0:notes"/>
+          <p:cNvSpPr>
+            <a:spLocks noGrp="1" noRot="1" noChangeAspect="1"/>
+          </p:cNvSpPr>
+          <p:nvPr>
+            <p:ph type="sldImg" idx="2"/>
+          </p:nvPr>
+        </p:nvSpPr>
+        <p:spPr>
+          <a:xfrm>
+            <a:off x="381000" y="685800"/>
+            <a:ext cx="6096000" cy="3429000"/>
+          </a:xfrm>
+          <a:custGeom>
+            <a:avLst/>
+            <a:gdLst/>
+            <a:ahLst/>
+            <a:cxnLst/>
+            <a:rect l="l" t="t" r="r" b="b"/>
+            <a:pathLst>
+              <a:path w="120000" h="120000" extrusionOk="0">
+                <a:moveTo>
+                  <a:pt x="0" y="0"/>
+                </a:moveTo>
+                <a:lnTo>
+                  <a:pt x="120000" y="0"/>
+                </a:lnTo>
+                <a:lnTo>
+                  <a:pt x="120000" y="120000"/>
+                </a:lnTo>
+                <a:lnTo>
+                  <a:pt x="0" y="120000"/>
+                </a:lnTo>
+                <a:close/>
+              </a:path>
+            </a:pathLst>
+          </a:custGeom>
+        </p:spPr>
+      </p:sp>
+      <p:sp>
+        <p:nvSpPr>
+          <p:cNvPr id="93" name="Google Shape;93;g921be16503_9_0:notes"/>
+          <p:cNvSpPr txBox="1">
+            <a:spLocks noGrp="1"/>
+          </p:cNvSpPr>
+          <p:nvPr>
+            <p:ph type="body" idx="1"/>
+          </p:nvPr>
+        </p:nvSpPr>
+        <p:spPr>
+          <a:xfrm>
+            <a:off x="685800" y="4343400"/>
+            <a:ext cx="5486400" cy="4114800"/>
+          </a:xfrm>
+          <a:prstGeom prst="rect">
+            <a:avLst/>
+          </a:prstGeom>
+        </p:spPr>
+        <p:txBody>
+          <a:bodyPr spcFirstLastPara="1" wrap="square" lIns="91425" tIns="91425" rIns="91425" bIns="91425" anchor="t" anchorCtr="0">
+            <a:noAutofit/>
+          </a:bodyPr>
+          <a:lstStyle/>
+          <a:p>
+            <a:pPr marL="0" lvl="0" indent="0" algn="l" rtl="0">
+              <a:spcBef>
+                <a:spcPts val="0"/>
+              </a:spcBef>
+              <a:spcAft>
+                <a:spcPts val="0"/>
+              </a:spcAft>
+              <a:buNone/>
+            </a:pPr>
+            <a:r>
+              <a:rPr lang="en-US" dirty="0"/>
+              <a:t>Hello World of machine learning.</a:t>
+            </a:r>
+          </a:p>
+        </p:txBody>
+      </p:sp>
+    </p:spTree>
+    <p:extLst>
+      <p:ext uri="{BB962C8B-B14F-4D97-AF65-F5344CB8AC3E}">
+        <p14:creationId xmlns:p14="http://schemas.microsoft.com/office/powerpoint/2010/main" val="1758739535"/>
+      </p:ext>
+    </p:extLst>
+  </p:cSld>
+  <p:clrMapOvr>
+    <a:masterClrMapping/>
+  </p:clrMapOvr>
+</p:notes>
+</file>
+
+<file path=ppt/notesSlides/notesSlide3.xml><?xml version="1.0" encoding="utf-8"?>
+<p:notes xmlns:a="http://schemas.openxmlformats.org/drawingml/2006/main" xmlns:r="http://schemas.openxmlformats.org/officeDocument/2006/relationships" xmlns:p="http://schemas.openxmlformats.org/presentationml/2006/main" showMasterSp="0" showMasterPhAnim="0">
+  <p:cSld>
+    <p:spTree>
+      <p:nvGrpSpPr>
+        <p:cNvPr id="1" name="Shape 91"/>
+        <p:cNvGrpSpPr/>
+        <p:nvPr/>
+      </p:nvGrpSpPr>
+      <p:grpSpPr>
+        <a:xfrm>
+          <a:off x="0" y="0"/>
+          <a:ext cx="0" cy="0"/>
+          <a:chOff x="0" y="0"/>
+          <a:chExt cx="0" cy="0"/>
+        </a:xfrm>
+      </p:grpSpPr>
+      <p:sp>
+        <p:nvSpPr>
+          <p:cNvPr id="92" name="Google Shape;92;g921be16503_9_0:notes"/>
+          <p:cNvSpPr>
+            <a:spLocks noGrp="1" noRot="1" noChangeAspect="1"/>
+          </p:cNvSpPr>
+          <p:nvPr>
+            <p:ph type="sldImg" idx="2"/>
+          </p:nvPr>
+        </p:nvSpPr>
+        <p:spPr>
+          <a:xfrm>
+            <a:off x="381000" y="685800"/>
+            <a:ext cx="6096000" cy="3429000"/>
+          </a:xfrm>
+          <a:custGeom>
+            <a:avLst/>
+            <a:gdLst/>
+            <a:ahLst/>
+            <a:cxnLst/>
+            <a:rect l="l" t="t" r="r" b="b"/>
+            <a:pathLst>
+              <a:path w="120000" h="120000" extrusionOk="0">
+                <a:moveTo>
+                  <a:pt x="0" y="0"/>
+                </a:moveTo>
+                <a:lnTo>
+                  <a:pt x="120000" y="0"/>
+                </a:lnTo>
+                <a:lnTo>
+                  <a:pt x="120000" y="120000"/>
+                </a:lnTo>
+                <a:lnTo>
+                  <a:pt x="0" y="120000"/>
+                </a:lnTo>
+                <a:close/>
+              </a:path>
+            </a:pathLst>
+          </a:custGeom>
+        </p:spPr>
+      </p:sp>
+      <p:sp>
+        <p:nvSpPr>
+          <p:cNvPr id="93" name="Google Shape;93;g921be16503_9_0:notes"/>
+          <p:cNvSpPr txBox="1">
+            <a:spLocks noGrp="1"/>
+          </p:cNvSpPr>
+          <p:nvPr>
+            <p:ph type="body" idx="1"/>
+          </p:nvPr>
+        </p:nvSpPr>
+        <p:spPr>
+          <a:xfrm>
+            <a:off x="685800" y="4343400"/>
+            <a:ext cx="5486400" cy="4114800"/>
+          </a:xfrm>
+          <a:prstGeom prst="rect">
+            <a:avLst/>
+          </a:prstGeom>
+        </p:spPr>
+        <p:txBody>
+          <a:bodyPr spcFirstLastPara="1" wrap="square" lIns="91425" tIns="91425" rIns="91425" bIns="91425" anchor="t" anchorCtr="0">
+            <a:noAutofit/>
+          </a:bodyPr>
+          <a:lstStyle/>
+          <a:p>
+            <a:pPr marL="0" lvl="0" indent="0" algn="l" rtl="0">
+              <a:spcBef>
+                <a:spcPts val="0"/>
+              </a:spcBef>
+              <a:spcAft>
+                <a:spcPts val="0"/>
+              </a:spcAft>
+              <a:buNone/>
+            </a:pPr>
+            <a:r>
+              <a:rPr lang="en-US" dirty="0"/>
+              <a:t>Hello World of machine learning.</a:t>
+            </a:r>
+          </a:p>
+        </p:txBody>
+      </p:sp>
+    </p:spTree>
+    <p:extLst>
+      <p:ext uri="{BB962C8B-B14F-4D97-AF65-F5344CB8AC3E}">
         <p14:creationId xmlns:p14="http://schemas.microsoft.com/office/powerpoint/2010/main" val="2112944874"/>
+      </p:ext>
+    </p:extLst>
+  </p:cSld>
+  <p:clrMapOvr>
+    <a:masterClrMapping/>
+  </p:clrMapOvr>
+</p:notes>
+</file>
+
+<file path=ppt/notesSlides/notesSlide30.xml><?xml version="1.0" encoding="utf-8"?>
+<p:notes xmlns:a="http://schemas.openxmlformats.org/drawingml/2006/main" xmlns:r="http://schemas.openxmlformats.org/officeDocument/2006/relationships" xmlns:p="http://schemas.openxmlformats.org/presentationml/2006/main" showMasterSp="0" showMasterPhAnim="0">
+  <p:cSld>
+    <p:spTree>
+      <p:nvGrpSpPr>
+        <p:cNvPr id="1" name="Shape 91"/>
+        <p:cNvGrpSpPr/>
+        <p:nvPr/>
+      </p:nvGrpSpPr>
+      <p:grpSpPr>
+        <a:xfrm>
+          <a:off x="0" y="0"/>
+          <a:ext cx="0" cy="0"/>
+          <a:chOff x="0" y="0"/>
+          <a:chExt cx="0" cy="0"/>
+        </a:xfrm>
+      </p:grpSpPr>
+      <p:sp>
+        <p:nvSpPr>
+          <p:cNvPr id="92" name="Google Shape;92;g921be16503_9_0:notes"/>
+          <p:cNvSpPr>
+            <a:spLocks noGrp="1" noRot="1" noChangeAspect="1"/>
+          </p:cNvSpPr>
+          <p:nvPr>
+            <p:ph type="sldImg" idx="2"/>
+          </p:nvPr>
+        </p:nvSpPr>
+        <p:spPr>
+          <a:xfrm>
+            <a:off x="381000" y="685800"/>
+            <a:ext cx="6096000" cy="3429000"/>
+          </a:xfrm>
+          <a:custGeom>
+            <a:avLst/>
+            <a:gdLst/>
+            <a:ahLst/>
+            <a:cxnLst/>
+            <a:rect l="l" t="t" r="r" b="b"/>
+            <a:pathLst>
+              <a:path w="120000" h="120000" extrusionOk="0">
+                <a:moveTo>
+                  <a:pt x="0" y="0"/>
+                </a:moveTo>
+                <a:lnTo>
+                  <a:pt x="120000" y="0"/>
+                </a:lnTo>
+                <a:lnTo>
+                  <a:pt x="120000" y="120000"/>
+                </a:lnTo>
+                <a:lnTo>
+                  <a:pt x="0" y="120000"/>
+                </a:lnTo>
+                <a:close/>
+              </a:path>
+            </a:pathLst>
+          </a:custGeom>
+        </p:spPr>
+      </p:sp>
+      <p:sp>
+        <p:nvSpPr>
+          <p:cNvPr id="93" name="Google Shape;93;g921be16503_9_0:notes"/>
+          <p:cNvSpPr txBox="1">
+            <a:spLocks noGrp="1"/>
+          </p:cNvSpPr>
+          <p:nvPr>
+            <p:ph type="body" idx="1"/>
+          </p:nvPr>
+        </p:nvSpPr>
+        <p:spPr>
+          <a:xfrm>
+            <a:off x="685800" y="4343400"/>
+            <a:ext cx="5486400" cy="4114800"/>
+          </a:xfrm>
+          <a:prstGeom prst="rect">
+            <a:avLst/>
+          </a:prstGeom>
+        </p:spPr>
+        <p:txBody>
+          <a:bodyPr spcFirstLastPara="1" wrap="square" lIns="91425" tIns="91425" rIns="91425" bIns="91425" anchor="t" anchorCtr="0">
+            <a:noAutofit/>
+          </a:bodyPr>
+          <a:lstStyle/>
+          <a:p>
+            <a:pPr marL="0" lvl="0" indent="0" algn="l" rtl="0">
+              <a:spcBef>
+                <a:spcPts val="0"/>
+              </a:spcBef>
+              <a:spcAft>
+                <a:spcPts val="0"/>
+              </a:spcAft>
+              <a:buNone/>
+            </a:pPr>
+            <a:r>
+              <a:rPr lang="en-US" dirty="0"/>
+              <a:t>Hello World of machine learning.</a:t>
+            </a:r>
+          </a:p>
+        </p:txBody>
+      </p:sp>
+    </p:spTree>
+    <p:extLst>
+      <p:ext uri="{BB962C8B-B14F-4D97-AF65-F5344CB8AC3E}">
+        <p14:creationId xmlns:p14="http://schemas.microsoft.com/office/powerpoint/2010/main" val="266412992"/>
+      </p:ext>
+    </p:extLst>
+  </p:cSld>
+  <p:clrMapOvr>
+    <a:masterClrMapping/>
+  </p:clrMapOvr>
+</p:notes>
+</file>
+
+<file path=ppt/notesSlides/notesSlide31.xml><?xml version="1.0" encoding="utf-8"?>
+<p:notes xmlns:a="http://schemas.openxmlformats.org/drawingml/2006/main" xmlns:r="http://schemas.openxmlformats.org/officeDocument/2006/relationships" xmlns:p="http://schemas.openxmlformats.org/presentationml/2006/main" showMasterSp="0" showMasterPhAnim="0">
+  <p:cSld>
+    <p:spTree>
+      <p:nvGrpSpPr>
+        <p:cNvPr id="1" name="Shape 91"/>
+        <p:cNvGrpSpPr/>
+        <p:nvPr/>
+      </p:nvGrpSpPr>
+      <p:grpSpPr>
+        <a:xfrm>
+          <a:off x="0" y="0"/>
+          <a:ext cx="0" cy="0"/>
+          <a:chOff x="0" y="0"/>
+          <a:chExt cx="0" cy="0"/>
+        </a:xfrm>
+      </p:grpSpPr>
+      <p:sp>
+        <p:nvSpPr>
+          <p:cNvPr id="92" name="Google Shape;92;g921be16503_9_0:notes"/>
+          <p:cNvSpPr>
+            <a:spLocks noGrp="1" noRot="1" noChangeAspect="1"/>
+          </p:cNvSpPr>
+          <p:nvPr>
+            <p:ph type="sldImg" idx="2"/>
+          </p:nvPr>
+        </p:nvSpPr>
+        <p:spPr>
+          <a:xfrm>
+            <a:off x="381000" y="685800"/>
+            <a:ext cx="6096000" cy="3429000"/>
+          </a:xfrm>
+          <a:custGeom>
+            <a:avLst/>
+            <a:gdLst/>
+            <a:ahLst/>
+            <a:cxnLst/>
+            <a:rect l="l" t="t" r="r" b="b"/>
+            <a:pathLst>
+              <a:path w="120000" h="120000" extrusionOk="0">
+                <a:moveTo>
+                  <a:pt x="0" y="0"/>
+                </a:moveTo>
+                <a:lnTo>
+                  <a:pt x="120000" y="0"/>
+                </a:lnTo>
+                <a:lnTo>
+                  <a:pt x="120000" y="120000"/>
+                </a:lnTo>
+                <a:lnTo>
+                  <a:pt x="0" y="120000"/>
+                </a:lnTo>
+                <a:close/>
+              </a:path>
+            </a:pathLst>
+          </a:custGeom>
+        </p:spPr>
+      </p:sp>
+      <p:sp>
+        <p:nvSpPr>
+          <p:cNvPr id="93" name="Google Shape;93;g921be16503_9_0:notes"/>
+          <p:cNvSpPr txBox="1">
+            <a:spLocks noGrp="1"/>
+          </p:cNvSpPr>
+          <p:nvPr>
+            <p:ph type="body" idx="1"/>
+          </p:nvPr>
+        </p:nvSpPr>
+        <p:spPr>
+          <a:xfrm>
+            <a:off x="685800" y="4343400"/>
+            <a:ext cx="5486400" cy="4114800"/>
+          </a:xfrm>
+          <a:prstGeom prst="rect">
+            <a:avLst/>
+          </a:prstGeom>
+        </p:spPr>
+        <p:txBody>
+          <a:bodyPr spcFirstLastPara="1" wrap="square" lIns="91425" tIns="91425" rIns="91425" bIns="91425" anchor="t" anchorCtr="0">
+            <a:noAutofit/>
+          </a:bodyPr>
+          <a:lstStyle/>
+          <a:p>
+            <a:pPr marL="0" lvl="0" indent="0" algn="l" rtl="0">
+              <a:spcBef>
+                <a:spcPts val="0"/>
+              </a:spcBef>
+              <a:spcAft>
+                <a:spcPts val="0"/>
+              </a:spcAft>
+              <a:buNone/>
+            </a:pPr>
+            <a:r>
+              <a:rPr lang="en-US" dirty="0"/>
+              <a:t>Hello World of machine learning.</a:t>
+            </a:r>
+          </a:p>
+        </p:txBody>
+      </p:sp>
+    </p:spTree>
+    <p:extLst>
+      <p:ext uri="{BB962C8B-B14F-4D97-AF65-F5344CB8AC3E}">
+        <p14:creationId xmlns:p14="http://schemas.microsoft.com/office/powerpoint/2010/main" val="796889051"/>
       </p:ext>
     </p:extLst>
   </p:cSld>
@@ -11022,20 +11478,6 @@
           </a:bodyPr>
           <a:lstStyle/>
           <a:p>
-            <a:pPr marL="342900" indent="-342900">
-              <a:buFont typeface="Arial" panose="020B0604020202020204" pitchFamily="34" charset="0"/>
-              <a:buChar char="•"/>
-            </a:pPr>
-            <a:r>
-              <a:rPr lang="en-US" dirty="0"/>
-              <a:t>No known Normal Equation/ closed-form equation</a:t>
-            </a:r>
-          </a:p>
-          <a:p>
-            <a:pPr marL="342900" indent="-342900">
-              <a:buFont typeface="Arial" panose="020B0604020202020204" pitchFamily="34" charset="0"/>
-              <a:buChar char="•"/>
-            </a:pPr>
             <a:endParaRPr lang="en-US" dirty="0"/>
           </a:p>
           <a:p>
@@ -12841,7 +13283,7 @@
                   <a:srgbClr val="E46102"/>
                 </a:solidFill>
               </a:rPr>
-              <a:t>Recap of Gradient Descent</a:t>
+              <a:t>Recap of Gradient Descent (GD)</a:t>
             </a:r>
             <a:endParaRPr sz="4000" b="1" dirty="0">
               <a:solidFill>
@@ -12876,75 +13318,69 @@
           </a:bodyPr>
           <a:lstStyle/>
           <a:p>
+            <a:endParaRPr lang="en-US" sz="3200" dirty="0"/>
+          </a:p>
+          <a:p>
+            <a:pPr marL="457200" indent="-457200">
+              <a:buFont typeface="+mj-lt"/>
+              <a:buAutoNum type="arabicPeriod"/>
+            </a:pPr>
+            <a:r>
+              <a:rPr lang="en-US" sz="3200" dirty="0"/>
+              <a:t>Why do we need GD? </a:t>
+            </a:r>
+          </a:p>
+          <a:p>
+            <a:pPr marL="457200" indent="-457200">
+              <a:buFont typeface="+mj-lt"/>
+              <a:buAutoNum type="arabicPeriod"/>
+            </a:pPr>
+            <a:r>
+              <a:rPr lang="en-US" sz="3200" dirty="0"/>
+              <a:t>When do we </a:t>
+            </a:r>
+            <a:r>
+              <a:rPr lang="en-US" sz="3200"/>
+              <a:t>need GD?</a:t>
+            </a:r>
+            <a:endParaRPr lang="en-US" sz="3200" dirty="0"/>
+          </a:p>
+          <a:p>
+            <a:pPr marL="457200" indent="-457200">
+              <a:buFont typeface="+mj-lt"/>
+              <a:buAutoNum type="arabicPeriod"/>
+            </a:pPr>
+            <a:r>
+              <a:rPr lang="en-US" sz="3200" dirty="0"/>
+              <a:t>What happens when we apply GD?</a:t>
+            </a:r>
+          </a:p>
+          <a:p>
+            <a:pPr marL="457200" indent="-457200">
+              <a:buFont typeface="+mj-lt"/>
+              <a:buAutoNum type="arabicPeriod"/>
+            </a:pPr>
+            <a:r>
+              <a:rPr lang="en-US" sz="3200" dirty="0"/>
+              <a:t>What if we do not use GD?</a:t>
+            </a:r>
+          </a:p>
+          <a:p>
             <a:pPr marL="342900" indent="-342900">
               <a:buFont typeface="Arial" panose="020B0604020202020204" pitchFamily="34" charset="0"/>
               <a:buChar char="•"/>
             </a:pPr>
-            <a:endParaRPr lang="en-US" dirty="0"/>
+            <a:endParaRPr lang="en-US" sz="3200" dirty="0"/>
           </a:p>
           <a:p>
             <a:pPr marL="342900" indent="-342900">
               <a:buFont typeface="Arial" panose="020B0604020202020204" pitchFamily="34" charset="0"/>
               <a:buChar char="•"/>
             </a:pPr>
-            <a:endParaRPr lang="en-US" dirty="0"/>
-          </a:p>
-          <a:p>
-            <a:pPr marL="457200" indent="-457200">
-              <a:buFont typeface="+mj-lt"/>
-              <a:buAutoNum type="arabicPeriod"/>
-            </a:pPr>
-            <a:r>
-              <a:rPr lang="en-US" dirty="0"/>
-              <a:t>Why do we need GD? </a:t>
-            </a:r>
-          </a:p>
-          <a:p>
-            <a:pPr marL="457200" indent="-457200">
-              <a:buFont typeface="+mj-lt"/>
-              <a:buAutoNum type="arabicPeriod"/>
-            </a:pPr>
-            <a:r>
-              <a:rPr lang="en-US" dirty="0"/>
-              <a:t>When do we need GD</a:t>
-            </a:r>
-          </a:p>
-          <a:p>
-            <a:pPr marL="457200" indent="-457200">
-              <a:buFont typeface="+mj-lt"/>
-              <a:buAutoNum type="arabicPeriod"/>
-            </a:pPr>
-            <a:r>
-              <a:rPr lang="en-US" dirty="0"/>
-              <a:t>What happens when we apply GD?</a:t>
-            </a:r>
-          </a:p>
-          <a:p>
-            <a:pPr marL="457200" indent="-457200">
-              <a:buFont typeface="+mj-lt"/>
-              <a:buAutoNum type="arabicPeriod"/>
-            </a:pPr>
-            <a:r>
-              <a:rPr lang="en-US" dirty="0"/>
-              <a:t>What if we do not use GD?</a:t>
-            </a:r>
-          </a:p>
-          <a:p>
-            <a:pPr marL="342900" indent="-342900">
-              <a:buFont typeface="Arial" panose="020B0604020202020204" pitchFamily="34" charset="0"/>
-              <a:buChar char="•"/>
-            </a:pPr>
-            <a:endParaRPr lang="en-US" dirty="0"/>
-          </a:p>
-          <a:p>
-            <a:pPr marL="342900" indent="-342900">
-              <a:buFont typeface="Arial" panose="020B0604020202020204" pitchFamily="34" charset="0"/>
-              <a:buChar char="•"/>
-            </a:pPr>
-            <a:endParaRPr lang="en-US" dirty="0"/>
-          </a:p>
-          <a:p>
-            <a:endParaRPr lang="en-US" dirty="0"/>
+            <a:endParaRPr lang="en-US" sz="3200" dirty="0"/>
+          </a:p>
+          <a:p>
+            <a:endParaRPr lang="en-US" sz="3200" dirty="0"/>
           </a:p>
         </p:txBody>
       </p:sp>
@@ -13039,7 +13475,7 @@
                                         <p:tgtEl>
                                           <p:spTgt spid="96">
                                             <p:txEl>
-                                              <p:pRg st="2" end="2"/>
+                                              <p:pRg st="1" end="1"/>
                                             </p:txEl>
                                           </p:spTgt>
                                         </p:tgtEl>
@@ -13088,7 +13524,7 @@
                                         <p:tgtEl>
                                           <p:spTgt spid="96">
                                             <p:txEl>
-                                              <p:pRg st="3" end="3"/>
+                                              <p:pRg st="2" end="2"/>
                                             </p:txEl>
                                           </p:spTgt>
                                         </p:tgtEl>
@@ -13137,7 +13573,7 @@
                                         <p:tgtEl>
                                           <p:spTgt spid="96">
                                             <p:txEl>
-                                              <p:pRg st="4" end="4"/>
+                                              <p:pRg st="3" end="3"/>
                                             </p:txEl>
                                           </p:spTgt>
                                         </p:tgtEl>
@@ -13186,9 +13622,224 @@
                                         <p:tgtEl>
                                           <p:spTgt spid="96">
                                             <p:txEl>
-                                              <p:pRg st="5" end="5"/>
+                                              <p:pRg st="4" end="4"/>
                                             </p:txEl>
                                           </p:spTgt>
+                                        </p:tgtEl>
+                                        <p:attrNameLst>
+                                          <p:attrName>style.visibility</p:attrName>
+                                        </p:attrNameLst>
+                                      </p:cBhvr>
+                                      <p:to>
+                                        <p:strVal val="visible"/>
+                                      </p:to>
+                                    </p:set>
+                                  </p:childTnLst>
+                                </p:cTn>
+                              </p:par>
+                            </p:childTnLst>
+                          </p:cTn>
+                        </p:par>
+                      </p:childTnLst>
+                    </p:cTn>
+                  </p:par>
+                </p:childTnLst>
+              </p:cTn>
+              <p:prevCondLst>
+                <p:cond evt="onPrev" delay="0">
+                  <p:tgtEl>
+                    <p:sldTgt/>
+                  </p:tgtEl>
+                </p:cond>
+              </p:prevCondLst>
+              <p:nextCondLst>
+                <p:cond evt="onNext" delay="0">
+                  <p:tgtEl>
+                    <p:sldTgt/>
+                  </p:tgtEl>
+                </p:cond>
+              </p:nextCondLst>
+            </p:seq>
+          </p:childTnLst>
+        </p:cTn>
+      </p:par>
+    </p:tnLst>
+    <p:bldLst>
+      <p:bldP spid="96" grpId="0"/>
+    </p:bldLst>
+  </p:timing>
+</p:sld>
+</file>
+
+<file path=ppt/slides/slide29.xml><?xml version="1.0" encoding="utf-8"?>
+<p:sld xmlns:a="http://schemas.openxmlformats.org/drawingml/2006/main" xmlns:r="http://schemas.openxmlformats.org/officeDocument/2006/relationships" xmlns:p="http://schemas.openxmlformats.org/presentationml/2006/main">
+  <p:cSld>
+    <p:spTree>
+      <p:nvGrpSpPr>
+        <p:cNvPr id="1" name="Shape 94"/>
+        <p:cNvGrpSpPr/>
+        <p:nvPr/>
+      </p:nvGrpSpPr>
+      <p:grpSpPr>
+        <a:xfrm>
+          <a:off x="0" y="0"/>
+          <a:ext cx="0" cy="0"/>
+          <a:chOff x="0" y="0"/>
+          <a:chExt cx="0" cy="0"/>
+        </a:xfrm>
+      </p:grpSpPr>
+      <p:sp>
+        <p:nvSpPr>
+          <p:cNvPr id="95" name="Google Shape;95;p14"/>
+          <p:cNvSpPr txBox="1">
+            <a:spLocks noGrp="1"/>
+          </p:cNvSpPr>
+          <p:nvPr>
+            <p:ph type="title" idx="4294967295"/>
+          </p:nvPr>
+        </p:nvSpPr>
+        <p:spPr>
+          <a:xfrm>
+            <a:off x="674176" y="1275137"/>
+            <a:ext cx="10972800" cy="506789"/>
+          </a:xfrm>
+          <a:prstGeom prst="rect">
+            <a:avLst/>
+          </a:prstGeom>
+        </p:spPr>
+        <p:txBody>
+          <a:bodyPr spcFirstLastPara="1" wrap="square" lIns="121900" tIns="121900" rIns="121900" bIns="121900" anchor="ctr" anchorCtr="0">
+            <a:noAutofit/>
+          </a:bodyPr>
+          <a:lstStyle/>
+          <a:p>
+            <a:r>
+              <a:rPr lang="en-US" sz="4000" b="1" dirty="0">
+                <a:solidFill>
+                  <a:srgbClr val="E46102"/>
+                </a:solidFill>
+              </a:rPr>
+              <a:t>Recap of Gradient Descent</a:t>
+            </a:r>
+            <a:endParaRPr sz="4000" b="1" dirty="0">
+              <a:solidFill>
+                <a:srgbClr val="E46102"/>
+              </a:solidFill>
+            </a:endParaRPr>
+          </a:p>
+        </p:txBody>
+      </p:sp>
+      <p:sp>
+        <p:nvSpPr>
+          <p:cNvPr id="96" name="Google Shape;96;p14"/>
+          <p:cNvSpPr txBox="1"/>
+          <p:nvPr/>
+        </p:nvSpPr>
+        <p:spPr>
+          <a:xfrm>
+            <a:off x="386499" y="2126596"/>
+            <a:ext cx="11348301" cy="4176000"/>
+          </a:xfrm>
+          <a:prstGeom prst="rect">
+            <a:avLst/>
+          </a:prstGeom>
+          <a:noFill/>
+          <a:ln>
+            <a:noFill/>
+          </a:ln>
+        </p:spPr>
+        <p:txBody>
+          <a:bodyPr spcFirstLastPara="1" wrap="square" lIns="121900" tIns="121900" rIns="121900" bIns="121900" anchor="t" anchorCtr="0">
+            <a:noAutofit/>
+          </a:bodyPr>
+          <a:lstStyle/>
+          <a:p>
+            <a:r>
+              <a:rPr lang="en-US" b="1" dirty="0"/>
+              <a:t>1. Why do we need Gradient Descent?</a:t>
+            </a:r>
+            <a:endParaRPr lang="en-US" dirty="0"/>
+          </a:p>
+          <a:p>
+            <a:r>
+              <a:rPr lang="en-US" b="1" dirty="0"/>
+              <a:t>Optimization</a:t>
+            </a:r>
+            <a:r>
+              <a:rPr lang="en-US" dirty="0"/>
+              <a:t>: Many problems in machine learning and statistics involve finding the minimum of a function (loss function) that measures the difference between the actual and the predicted data by the model. GD helps in finding the minimum of this function, which helps optimize the model.</a:t>
+            </a:r>
+          </a:p>
+          <a:p>
+            <a:endParaRPr lang="en-US" b="1" dirty="0"/>
+          </a:p>
+          <a:p>
+            <a:r>
+              <a:rPr lang="en-US" b="1" dirty="0"/>
+              <a:t>Efficiency</a:t>
+            </a:r>
+            <a:r>
+              <a:rPr lang="en-US" dirty="0"/>
+              <a:t>: For large datasets or high-dimensional parameter spaces, to compute the optimal solution GD can be more efficient for these problems.</a:t>
+            </a:r>
+          </a:p>
+          <a:p>
+            <a:pPr marL="342900" indent="-342900">
+              <a:buFont typeface="Arial" panose="020B0604020202020204" pitchFamily="34" charset="0"/>
+              <a:buChar char="•"/>
+            </a:pPr>
+            <a:endParaRPr lang="en-US" dirty="0"/>
+          </a:p>
+          <a:p>
+            <a:endParaRPr lang="en-US" dirty="0"/>
+          </a:p>
+        </p:txBody>
+      </p:sp>
+    </p:spTree>
+    <p:extLst>
+      <p:ext uri="{BB962C8B-B14F-4D97-AF65-F5344CB8AC3E}">
+        <p14:creationId xmlns:p14="http://schemas.microsoft.com/office/powerpoint/2010/main" val="2105438996"/>
+      </p:ext>
+    </p:extLst>
+  </p:cSld>
+  <p:clrMapOvr>
+    <a:masterClrMapping/>
+  </p:clrMapOvr>
+  <p:timing>
+    <p:tnLst>
+      <p:par>
+        <p:cTn id="1" dur="indefinite" restart="never" nodeType="tmRoot">
+          <p:childTnLst>
+            <p:seq concurrent="1" nextAc="seek">
+              <p:cTn id="2" dur="indefinite" nodeType="mainSeq">
+                <p:childTnLst>
+                  <p:par>
+                    <p:cTn id="3" fill="hold">
+                      <p:stCondLst>
+                        <p:cond delay="indefinite"/>
+                      </p:stCondLst>
+                      <p:childTnLst>
+                        <p:par>
+                          <p:cTn id="4" fill="hold">
+                            <p:stCondLst>
+                              <p:cond delay="0"/>
+                            </p:stCondLst>
+                            <p:childTnLst>
+                              <p:par>
+                                <p:cTn id="5" presetID="1" presetClass="entr" presetSubtype="0" fill="hold" grpId="0" nodeType="clickEffect">
+                                  <p:stCondLst>
+                                    <p:cond delay="0"/>
+                                  </p:stCondLst>
+                                  <p:childTnLst>
+                                    <p:set>
+                                      <p:cBhvr>
+                                        <p:cTn id="6" dur="1" fill="hold">
+                                          <p:stCondLst>
+                                            <p:cond delay="0"/>
+                                          </p:stCondLst>
+                                        </p:cTn>
+                                        <p:tgtEl>
+                                          <p:spTgt spid="96"/>
                                         </p:tgtEl>
                                         <p:attrNameLst>
                                           <p:attrName>style.visibility</p:attrName>
@@ -13536,6 +14187,654 @@
     <p:extLst>
       <p:ext uri="{BB962C8B-B14F-4D97-AF65-F5344CB8AC3E}">
         <p14:creationId xmlns:p14="http://schemas.microsoft.com/office/powerpoint/2010/main" val="915712889"/>
+      </p:ext>
+    </p:extLst>
+  </p:cSld>
+  <p:clrMapOvr>
+    <a:masterClrMapping/>
+  </p:clrMapOvr>
+  <p:timing>
+    <p:tnLst>
+      <p:par>
+        <p:cTn id="1" dur="indefinite" restart="never" nodeType="tmRoot">
+          <p:childTnLst>
+            <p:seq concurrent="1" nextAc="seek">
+              <p:cTn id="2" dur="indefinite" nodeType="mainSeq">
+                <p:childTnLst>
+                  <p:par>
+                    <p:cTn id="3" fill="hold">
+                      <p:stCondLst>
+                        <p:cond delay="indefinite"/>
+                      </p:stCondLst>
+                      <p:childTnLst>
+                        <p:par>
+                          <p:cTn id="4" fill="hold">
+                            <p:stCondLst>
+                              <p:cond delay="0"/>
+                            </p:stCondLst>
+                            <p:childTnLst>
+                              <p:par>
+                                <p:cTn id="5" presetID="1" presetClass="entr" presetSubtype="0" fill="hold" grpId="0" nodeType="clickEffect">
+                                  <p:stCondLst>
+                                    <p:cond delay="0"/>
+                                  </p:stCondLst>
+                                  <p:childTnLst>
+                                    <p:set>
+                                      <p:cBhvr>
+                                        <p:cTn id="6" dur="1" fill="hold">
+                                          <p:stCondLst>
+                                            <p:cond delay="0"/>
+                                          </p:stCondLst>
+                                        </p:cTn>
+                                        <p:tgtEl>
+                                          <p:spTgt spid="96"/>
+                                        </p:tgtEl>
+                                        <p:attrNameLst>
+                                          <p:attrName>style.visibility</p:attrName>
+                                        </p:attrNameLst>
+                                      </p:cBhvr>
+                                      <p:to>
+                                        <p:strVal val="visible"/>
+                                      </p:to>
+                                    </p:set>
+                                  </p:childTnLst>
+                                </p:cTn>
+                              </p:par>
+                            </p:childTnLst>
+                          </p:cTn>
+                        </p:par>
+                      </p:childTnLst>
+                    </p:cTn>
+                  </p:par>
+                </p:childTnLst>
+              </p:cTn>
+              <p:prevCondLst>
+                <p:cond evt="onPrev" delay="0">
+                  <p:tgtEl>
+                    <p:sldTgt/>
+                  </p:tgtEl>
+                </p:cond>
+              </p:prevCondLst>
+              <p:nextCondLst>
+                <p:cond evt="onNext" delay="0">
+                  <p:tgtEl>
+                    <p:sldTgt/>
+                  </p:tgtEl>
+                </p:cond>
+              </p:nextCondLst>
+            </p:seq>
+          </p:childTnLst>
+        </p:cTn>
+      </p:par>
+    </p:tnLst>
+    <p:bldLst>
+      <p:bldP spid="96" grpId="0"/>
+    </p:bldLst>
+  </p:timing>
+</p:sld>
+</file>
+
+<file path=ppt/slides/slide30.xml><?xml version="1.0" encoding="utf-8"?>
+<p:sld xmlns:a="http://schemas.openxmlformats.org/drawingml/2006/main" xmlns:r="http://schemas.openxmlformats.org/officeDocument/2006/relationships" xmlns:p="http://schemas.openxmlformats.org/presentationml/2006/main">
+  <p:cSld>
+    <p:spTree>
+      <p:nvGrpSpPr>
+        <p:cNvPr id="1" name="Shape 94"/>
+        <p:cNvGrpSpPr/>
+        <p:nvPr/>
+      </p:nvGrpSpPr>
+      <p:grpSpPr>
+        <a:xfrm>
+          <a:off x="0" y="0"/>
+          <a:ext cx="0" cy="0"/>
+          <a:chOff x="0" y="0"/>
+          <a:chExt cx="0" cy="0"/>
+        </a:xfrm>
+      </p:grpSpPr>
+      <p:sp>
+        <p:nvSpPr>
+          <p:cNvPr id="95" name="Google Shape;95;p14"/>
+          <p:cNvSpPr txBox="1">
+            <a:spLocks noGrp="1"/>
+          </p:cNvSpPr>
+          <p:nvPr>
+            <p:ph type="title" idx="4294967295"/>
+          </p:nvPr>
+        </p:nvSpPr>
+        <p:spPr>
+          <a:xfrm>
+            <a:off x="674176" y="1275137"/>
+            <a:ext cx="10972800" cy="506789"/>
+          </a:xfrm>
+          <a:prstGeom prst="rect">
+            <a:avLst/>
+          </a:prstGeom>
+        </p:spPr>
+        <p:txBody>
+          <a:bodyPr spcFirstLastPara="1" wrap="square" lIns="121900" tIns="121900" rIns="121900" bIns="121900" anchor="ctr" anchorCtr="0">
+            <a:noAutofit/>
+          </a:bodyPr>
+          <a:lstStyle/>
+          <a:p>
+            <a:r>
+              <a:rPr lang="en-US" sz="4000" b="1" dirty="0">
+                <a:solidFill>
+                  <a:srgbClr val="E46102"/>
+                </a:solidFill>
+              </a:rPr>
+              <a:t>Recap of Gradient Descent</a:t>
+            </a:r>
+            <a:endParaRPr sz="4000" b="1" dirty="0">
+              <a:solidFill>
+                <a:srgbClr val="E46102"/>
+              </a:solidFill>
+            </a:endParaRPr>
+          </a:p>
+        </p:txBody>
+      </p:sp>
+      <p:sp>
+        <p:nvSpPr>
+          <p:cNvPr id="96" name="Google Shape;96;p14"/>
+          <p:cNvSpPr txBox="1"/>
+          <p:nvPr/>
+        </p:nvSpPr>
+        <p:spPr>
+          <a:xfrm>
+            <a:off x="386499" y="2126596"/>
+            <a:ext cx="11348301" cy="4176000"/>
+          </a:xfrm>
+          <a:prstGeom prst="rect">
+            <a:avLst/>
+          </a:prstGeom>
+          <a:noFill/>
+          <a:ln>
+            <a:noFill/>
+          </a:ln>
+        </p:spPr>
+        <p:txBody>
+          <a:bodyPr spcFirstLastPara="1" wrap="square" lIns="121900" tIns="121900" rIns="121900" bIns="121900" anchor="t" anchorCtr="0">
+            <a:noAutofit/>
+          </a:bodyPr>
+          <a:lstStyle/>
+          <a:p>
+            <a:r>
+              <a:rPr lang="en-US" b="1" dirty="0"/>
+              <a:t>2. When do we need Gradient Descent?</a:t>
+            </a:r>
+            <a:endParaRPr lang="en-US" dirty="0"/>
+          </a:p>
+          <a:p>
+            <a:r>
+              <a:rPr lang="en-US" b="1" dirty="0"/>
+              <a:t>Machine Learning Models</a:t>
+            </a:r>
+            <a:r>
+              <a:rPr lang="en-US" dirty="0"/>
+              <a:t>: When training machine learning models like linear regression, neural networks (will study in later classes), etc., where the goal is to </a:t>
+            </a:r>
+            <a:r>
+              <a:rPr lang="en-US" b="1" u="sng" dirty="0"/>
+              <a:t>minimize the loss function</a:t>
+            </a:r>
+            <a:r>
+              <a:rPr lang="en-US" dirty="0"/>
+              <a:t>.</a:t>
+            </a:r>
+          </a:p>
+          <a:p>
+            <a:endParaRPr lang="en-US" b="1" dirty="0"/>
+          </a:p>
+          <a:p>
+            <a:r>
+              <a:rPr lang="en-US" b="1" dirty="0"/>
+              <a:t>Large Scale Problems</a:t>
+            </a:r>
+            <a:r>
+              <a:rPr lang="en-US" dirty="0"/>
+              <a:t>: For problems involving large datasets or high-dimensional parameter spaces.</a:t>
+            </a:r>
+          </a:p>
+        </p:txBody>
+      </p:sp>
+    </p:spTree>
+    <p:extLst>
+      <p:ext uri="{BB962C8B-B14F-4D97-AF65-F5344CB8AC3E}">
+        <p14:creationId xmlns:p14="http://schemas.microsoft.com/office/powerpoint/2010/main" val="723974812"/>
+      </p:ext>
+    </p:extLst>
+  </p:cSld>
+  <p:clrMapOvr>
+    <a:masterClrMapping/>
+  </p:clrMapOvr>
+  <p:timing>
+    <p:tnLst>
+      <p:par>
+        <p:cTn id="1" dur="indefinite" restart="never" nodeType="tmRoot">
+          <p:childTnLst>
+            <p:seq concurrent="1" nextAc="seek">
+              <p:cTn id="2" dur="indefinite" nodeType="mainSeq">
+                <p:childTnLst>
+                  <p:par>
+                    <p:cTn id="3" fill="hold">
+                      <p:stCondLst>
+                        <p:cond delay="indefinite"/>
+                      </p:stCondLst>
+                      <p:childTnLst>
+                        <p:par>
+                          <p:cTn id="4" fill="hold">
+                            <p:stCondLst>
+                              <p:cond delay="0"/>
+                            </p:stCondLst>
+                            <p:childTnLst>
+                              <p:par>
+                                <p:cTn id="5" presetID="1" presetClass="entr" presetSubtype="0" fill="hold" grpId="0" nodeType="clickEffect">
+                                  <p:stCondLst>
+                                    <p:cond delay="0"/>
+                                  </p:stCondLst>
+                                  <p:childTnLst>
+                                    <p:set>
+                                      <p:cBhvr>
+                                        <p:cTn id="6" dur="1" fill="hold">
+                                          <p:stCondLst>
+                                            <p:cond delay="0"/>
+                                          </p:stCondLst>
+                                        </p:cTn>
+                                        <p:tgtEl>
+                                          <p:spTgt spid="96"/>
+                                        </p:tgtEl>
+                                        <p:attrNameLst>
+                                          <p:attrName>style.visibility</p:attrName>
+                                        </p:attrNameLst>
+                                      </p:cBhvr>
+                                      <p:to>
+                                        <p:strVal val="visible"/>
+                                      </p:to>
+                                    </p:set>
+                                  </p:childTnLst>
+                                </p:cTn>
+                              </p:par>
+                            </p:childTnLst>
+                          </p:cTn>
+                        </p:par>
+                      </p:childTnLst>
+                    </p:cTn>
+                  </p:par>
+                </p:childTnLst>
+              </p:cTn>
+              <p:prevCondLst>
+                <p:cond evt="onPrev" delay="0">
+                  <p:tgtEl>
+                    <p:sldTgt/>
+                  </p:tgtEl>
+                </p:cond>
+              </p:prevCondLst>
+              <p:nextCondLst>
+                <p:cond evt="onNext" delay="0">
+                  <p:tgtEl>
+                    <p:sldTgt/>
+                  </p:tgtEl>
+                </p:cond>
+              </p:nextCondLst>
+            </p:seq>
+          </p:childTnLst>
+        </p:cTn>
+      </p:par>
+    </p:tnLst>
+    <p:bldLst>
+      <p:bldP spid="96" grpId="0"/>
+    </p:bldLst>
+  </p:timing>
+</p:sld>
+</file>
+
+<file path=ppt/slides/slide31.xml><?xml version="1.0" encoding="utf-8"?>
+<p:sld xmlns:a="http://schemas.openxmlformats.org/drawingml/2006/main" xmlns:r="http://schemas.openxmlformats.org/officeDocument/2006/relationships" xmlns:p="http://schemas.openxmlformats.org/presentationml/2006/main">
+  <p:cSld>
+    <p:spTree>
+      <p:nvGrpSpPr>
+        <p:cNvPr id="1" name="Shape 94"/>
+        <p:cNvGrpSpPr/>
+        <p:nvPr/>
+      </p:nvGrpSpPr>
+      <p:grpSpPr>
+        <a:xfrm>
+          <a:off x="0" y="0"/>
+          <a:ext cx="0" cy="0"/>
+          <a:chOff x="0" y="0"/>
+          <a:chExt cx="0" cy="0"/>
+        </a:xfrm>
+      </p:grpSpPr>
+      <p:sp>
+        <p:nvSpPr>
+          <p:cNvPr id="95" name="Google Shape;95;p14"/>
+          <p:cNvSpPr txBox="1">
+            <a:spLocks noGrp="1"/>
+          </p:cNvSpPr>
+          <p:nvPr>
+            <p:ph type="title" idx="4294967295"/>
+          </p:nvPr>
+        </p:nvSpPr>
+        <p:spPr>
+          <a:xfrm>
+            <a:off x="674176" y="1275137"/>
+            <a:ext cx="10972800" cy="506789"/>
+          </a:xfrm>
+          <a:prstGeom prst="rect">
+            <a:avLst/>
+          </a:prstGeom>
+        </p:spPr>
+        <p:txBody>
+          <a:bodyPr spcFirstLastPara="1" wrap="square" lIns="121900" tIns="121900" rIns="121900" bIns="121900" anchor="ctr" anchorCtr="0">
+            <a:noAutofit/>
+          </a:bodyPr>
+          <a:lstStyle/>
+          <a:p>
+            <a:r>
+              <a:rPr lang="en-US" sz="4000" b="1" dirty="0">
+                <a:solidFill>
+                  <a:srgbClr val="E46102"/>
+                </a:solidFill>
+              </a:rPr>
+              <a:t>Recap of Gradient Descent</a:t>
+            </a:r>
+            <a:endParaRPr sz="4000" b="1" dirty="0">
+              <a:solidFill>
+                <a:srgbClr val="E46102"/>
+              </a:solidFill>
+            </a:endParaRPr>
+          </a:p>
+        </p:txBody>
+      </p:sp>
+      <p:sp>
+        <p:nvSpPr>
+          <p:cNvPr id="96" name="Google Shape;96;p14"/>
+          <p:cNvSpPr txBox="1"/>
+          <p:nvPr/>
+        </p:nvSpPr>
+        <p:spPr>
+          <a:xfrm>
+            <a:off x="386499" y="2126596"/>
+            <a:ext cx="11348301" cy="4176000"/>
+          </a:xfrm>
+          <a:prstGeom prst="rect">
+            <a:avLst/>
+          </a:prstGeom>
+          <a:noFill/>
+          <a:ln>
+            <a:noFill/>
+          </a:ln>
+        </p:spPr>
+        <p:txBody>
+          <a:bodyPr spcFirstLastPara="1" wrap="square" lIns="121900" tIns="121900" rIns="121900" bIns="121900" anchor="t" anchorCtr="0">
+            <a:noAutofit/>
+          </a:bodyPr>
+          <a:lstStyle/>
+          <a:p>
+            <a:r>
+              <a:rPr lang="en-US" b="1" dirty="0"/>
+              <a:t>What happens when we apply Gradient Descent?</a:t>
+            </a:r>
+            <a:endParaRPr lang="en-US" dirty="0"/>
+          </a:p>
+          <a:p>
+            <a:endParaRPr lang="en-US" b="1" dirty="0"/>
+          </a:p>
+          <a:p>
+            <a:r>
+              <a:rPr lang="en-US" b="1" dirty="0"/>
+              <a:t>Parameter Updates</a:t>
+            </a:r>
+            <a:r>
+              <a:rPr lang="en-US" dirty="0"/>
+              <a:t>: The parameters of the model are iteratively updated in the direction of the negative gradient of the loss function with respect to the parameters. This helps in reducing the loss.</a:t>
+            </a:r>
+          </a:p>
+          <a:p>
+            <a:endParaRPr lang="en-US" b="1" dirty="0"/>
+          </a:p>
+          <a:p>
+            <a:r>
+              <a:rPr lang="en-US" b="1" dirty="0"/>
+              <a:t>Convergence</a:t>
+            </a:r>
+            <a:r>
+              <a:rPr lang="en-US" dirty="0"/>
+              <a:t>: Ideally, the algorithm converges to a local (or global) minimum of the loss function, resulting in optimized model parameters.</a:t>
+            </a:r>
+          </a:p>
+          <a:p>
+            <a:endParaRPr lang="en-US" b="1" dirty="0"/>
+          </a:p>
+          <a:p>
+            <a:r>
+              <a:rPr lang="en-US" b="1" dirty="0"/>
+              <a:t>Learning Rate</a:t>
+            </a:r>
+            <a:r>
+              <a:rPr lang="en-US" dirty="0"/>
+              <a:t>: The step size or learning rate is crucial. If it is too large, the algorithm might overshoot the minimum, and if it is too small, it might take a very long time to converge or get stuck in a local minimum.</a:t>
+            </a:r>
+          </a:p>
+          <a:p>
+            <a:endParaRPr lang="en-US" dirty="0"/>
+          </a:p>
+        </p:txBody>
+      </p:sp>
+    </p:spTree>
+    <p:extLst>
+      <p:ext uri="{BB962C8B-B14F-4D97-AF65-F5344CB8AC3E}">
+        <p14:creationId xmlns:p14="http://schemas.microsoft.com/office/powerpoint/2010/main" val="559496027"/>
+      </p:ext>
+    </p:extLst>
+  </p:cSld>
+  <p:clrMapOvr>
+    <a:masterClrMapping/>
+  </p:clrMapOvr>
+  <p:timing>
+    <p:tnLst>
+      <p:par>
+        <p:cTn id="1" dur="indefinite" restart="never" nodeType="tmRoot">
+          <p:childTnLst>
+            <p:seq concurrent="1" nextAc="seek">
+              <p:cTn id="2" dur="indefinite" nodeType="mainSeq">
+                <p:childTnLst>
+                  <p:par>
+                    <p:cTn id="3" fill="hold">
+                      <p:stCondLst>
+                        <p:cond delay="indefinite"/>
+                      </p:stCondLst>
+                      <p:childTnLst>
+                        <p:par>
+                          <p:cTn id="4" fill="hold">
+                            <p:stCondLst>
+                              <p:cond delay="0"/>
+                            </p:stCondLst>
+                            <p:childTnLst>
+                              <p:par>
+                                <p:cTn id="5" presetID="1" presetClass="entr" presetSubtype="0" fill="hold" grpId="0" nodeType="clickEffect">
+                                  <p:stCondLst>
+                                    <p:cond delay="0"/>
+                                  </p:stCondLst>
+                                  <p:childTnLst>
+                                    <p:set>
+                                      <p:cBhvr>
+                                        <p:cTn id="6" dur="1" fill="hold">
+                                          <p:stCondLst>
+                                            <p:cond delay="0"/>
+                                          </p:stCondLst>
+                                        </p:cTn>
+                                        <p:tgtEl>
+                                          <p:spTgt spid="96"/>
+                                        </p:tgtEl>
+                                        <p:attrNameLst>
+                                          <p:attrName>style.visibility</p:attrName>
+                                        </p:attrNameLst>
+                                      </p:cBhvr>
+                                      <p:to>
+                                        <p:strVal val="visible"/>
+                                      </p:to>
+                                    </p:set>
+                                  </p:childTnLst>
+                                </p:cTn>
+                              </p:par>
+                            </p:childTnLst>
+                          </p:cTn>
+                        </p:par>
+                      </p:childTnLst>
+                    </p:cTn>
+                  </p:par>
+                </p:childTnLst>
+              </p:cTn>
+              <p:prevCondLst>
+                <p:cond evt="onPrev" delay="0">
+                  <p:tgtEl>
+                    <p:sldTgt/>
+                  </p:tgtEl>
+                </p:cond>
+              </p:prevCondLst>
+              <p:nextCondLst>
+                <p:cond evt="onNext" delay="0">
+                  <p:tgtEl>
+                    <p:sldTgt/>
+                  </p:tgtEl>
+                </p:cond>
+              </p:nextCondLst>
+            </p:seq>
+          </p:childTnLst>
+        </p:cTn>
+      </p:par>
+    </p:tnLst>
+    <p:bldLst>
+      <p:bldP spid="96" grpId="0"/>
+    </p:bldLst>
+  </p:timing>
+</p:sld>
+</file>
+
+<file path=ppt/slides/slide32.xml><?xml version="1.0" encoding="utf-8"?>
+<p:sld xmlns:a="http://schemas.openxmlformats.org/drawingml/2006/main" xmlns:r="http://schemas.openxmlformats.org/officeDocument/2006/relationships" xmlns:p="http://schemas.openxmlformats.org/presentationml/2006/main">
+  <p:cSld>
+    <p:spTree>
+      <p:nvGrpSpPr>
+        <p:cNvPr id="1" name="Shape 94"/>
+        <p:cNvGrpSpPr/>
+        <p:nvPr/>
+      </p:nvGrpSpPr>
+      <p:grpSpPr>
+        <a:xfrm>
+          <a:off x="0" y="0"/>
+          <a:ext cx="0" cy="0"/>
+          <a:chOff x="0" y="0"/>
+          <a:chExt cx="0" cy="0"/>
+        </a:xfrm>
+      </p:grpSpPr>
+      <p:sp>
+        <p:nvSpPr>
+          <p:cNvPr id="95" name="Google Shape;95;p14"/>
+          <p:cNvSpPr txBox="1">
+            <a:spLocks noGrp="1"/>
+          </p:cNvSpPr>
+          <p:nvPr>
+            <p:ph type="title" idx="4294967295"/>
+          </p:nvPr>
+        </p:nvSpPr>
+        <p:spPr>
+          <a:xfrm>
+            <a:off x="674176" y="1275137"/>
+            <a:ext cx="10972800" cy="506789"/>
+          </a:xfrm>
+          <a:prstGeom prst="rect">
+            <a:avLst/>
+          </a:prstGeom>
+        </p:spPr>
+        <p:txBody>
+          <a:bodyPr spcFirstLastPara="1" wrap="square" lIns="121900" tIns="121900" rIns="121900" bIns="121900" anchor="ctr" anchorCtr="0">
+            <a:noAutofit/>
+          </a:bodyPr>
+          <a:lstStyle/>
+          <a:p>
+            <a:r>
+              <a:rPr lang="en-US" sz="4000" b="1" dirty="0">
+                <a:solidFill>
+                  <a:srgbClr val="E46102"/>
+                </a:solidFill>
+              </a:rPr>
+              <a:t>Recap of Gradient Descent</a:t>
+            </a:r>
+            <a:endParaRPr sz="4000" b="1" dirty="0">
+              <a:solidFill>
+                <a:srgbClr val="E46102"/>
+              </a:solidFill>
+            </a:endParaRPr>
+          </a:p>
+        </p:txBody>
+      </p:sp>
+      <p:sp>
+        <p:nvSpPr>
+          <p:cNvPr id="96" name="Google Shape;96;p14"/>
+          <p:cNvSpPr txBox="1"/>
+          <p:nvPr/>
+        </p:nvSpPr>
+        <p:spPr>
+          <a:xfrm>
+            <a:off x="386499" y="2126596"/>
+            <a:ext cx="11348301" cy="4176000"/>
+          </a:xfrm>
+          <a:prstGeom prst="rect">
+            <a:avLst/>
+          </a:prstGeom>
+          <a:noFill/>
+          <a:ln>
+            <a:noFill/>
+          </a:ln>
+        </p:spPr>
+        <p:txBody>
+          <a:bodyPr spcFirstLastPara="1" wrap="square" lIns="121900" tIns="121900" rIns="121900" bIns="121900" anchor="t" anchorCtr="0">
+            <a:noAutofit/>
+          </a:bodyPr>
+          <a:lstStyle/>
+          <a:p>
+            <a:r>
+              <a:rPr lang="en-US" b="1" dirty="0"/>
+              <a:t>What if we do not use Gradient Descent?</a:t>
+            </a:r>
+          </a:p>
+          <a:p>
+            <a:endParaRPr lang="en-US" dirty="0"/>
+          </a:p>
+          <a:p>
+            <a:r>
+              <a:rPr lang="en-US" b="1" dirty="0"/>
+              <a:t>Computational Inefficiency</a:t>
+            </a:r>
+            <a:r>
+              <a:rPr lang="en-US" dirty="0"/>
+              <a:t>: For some problems, especially large-scale ones, not using GD could result in computational inefficiency, making it difficult to find the optimal solution.</a:t>
+            </a:r>
+          </a:p>
+          <a:p>
+            <a:r>
+              <a:rPr lang="en-US" b="1" dirty="0"/>
+              <a:t>Suboptimal Solutions</a:t>
+            </a:r>
+            <a:r>
+              <a:rPr lang="en-US" dirty="0"/>
+              <a:t>: Without proper optimization, the model might not perform as well, leading to suboptimal results and poor generalization to unseen data.</a:t>
+            </a:r>
+          </a:p>
+          <a:p>
+            <a:pPr marL="342900" indent="-342900">
+              <a:buFont typeface="Arial" panose="020B0604020202020204" pitchFamily="34" charset="0"/>
+              <a:buChar char="•"/>
+            </a:pPr>
+            <a:endParaRPr lang="en-US" dirty="0"/>
+          </a:p>
+        </p:txBody>
+      </p:sp>
+    </p:spTree>
+    <p:extLst>
+      <p:ext uri="{BB962C8B-B14F-4D97-AF65-F5344CB8AC3E}">
+        <p14:creationId xmlns:p14="http://schemas.microsoft.com/office/powerpoint/2010/main" val="2755115949"/>
       </p:ext>
     </p:extLst>
   </p:cSld>
@@ -14750,7 +16049,7 @@
         </p:nvSpPr>
         <p:spPr>
           <a:xfrm>
-            <a:off x="717173" y="2260911"/>
+            <a:off x="892879" y="2090172"/>
             <a:ext cx="10621387" cy="2677656"/>
           </a:xfrm>
           <a:prstGeom prst="rect">

--- a/Syllabus/Lecture05/Lec05.pptx
+++ b/Syllabus/Lecture05/Lec05.pptx
@@ -13337,13 +13337,8 @@
             </a:pPr>
             <a:r>
               <a:rPr lang="en-US" sz="3200" dirty="0"/>
-              <a:t>When do we </a:t>
-            </a:r>
-            <a:r>
-              <a:rPr lang="en-US" sz="3200"/>
-              <a:t>need GD?</a:t>
-            </a:r>
-            <a:endParaRPr lang="en-US" sz="3200" dirty="0"/>
+              <a:t>When do we need GD?</a:t>
+            </a:r>
           </a:p>
           <a:p>
             <a:pPr marL="457200" indent="-457200">
